--- a/Weekly Reports/2019.09.04 - 2019.09.11 Report.pptx
+++ b/Weekly Reports/2019.09.04 - 2019.09.11 Report.pptx
@@ -5,7 +5,7 @@
     <p:sldMasterId id="2147483648" r:id="rId1"/>
   </p:sldMasterIdLst>
   <p:notesMasterIdLst>
-    <p:notesMasterId r:id="rId9"/>
+    <p:notesMasterId r:id="rId16"/>
   </p:notesMasterIdLst>
   <p:sldIdLst>
     <p:sldId id="256" r:id="rId2"/>
@@ -15,6 +15,13 @@
     <p:sldId id="260" r:id="rId6"/>
     <p:sldId id="261" r:id="rId7"/>
     <p:sldId id="262" r:id="rId8"/>
+    <p:sldId id="263" r:id="rId9"/>
+    <p:sldId id="264" r:id="rId10"/>
+    <p:sldId id="265" r:id="rId11"/>
+    <p:sldId id="266" r:id="rId12"/>
+    <p:sldId id="267" r:id="rId13"/>
+    <p:sldId id="268" r:id="rId14"/>
+    <p:sldId id="269" r:id="rId15"/>
   </p:sldIdLst>
   <p:sldSz cx="12192000" cy="6858000"/>
   <p:notesSz cx="6858000" cy="9144000"/>
@@ -113,6 +120,11 @@
       </a:defRPr>
     </a:lvl9pPr>
   </p:defaultTextStyle>
+  <p:extLst>
+    <p:ext uri="{EFAFB233-063F-42B5-8137-9DF3F51BA10A}">
+      <p15:sldGuideLst xmlns:p15="http://schemas.microsoft.com/office/powerpoint/2012/main"/>
+    </p:ext>
+  </p:extLst>
 </p:presentation>
 </file>
 
@@ -3720,8 +3732,8 @@
           </a:p>
         </p:txBody>
       </p:sp>
-      <mc:AlternateContent xmlns:mc="http://schemas.openxmlformats.org/markup-compatibility/2006">
-        <mc:Choice xmlns:a14="http://schemas.microsoft.com/office/drawing/2010/main" Requires="a14">
+      <mc:AlternateContent xmlns:mc="http://schemas.openxmlformats.org/markup-compatibility/2006" xmlns:a14="http://schemas.microsoft.com/office/drawing/2010/main">
+        <mc:Choice Requires="a14">
           <p:sp>
             <p:nvSpPr>
               <p:cNvPr id="19" name="TextBox 18"/>
@@ -3744,6 +3756,7 @@
               </a:bodyPr>
               <a:lstStyle/>
               <a:p>
+                <a:pPr/>
                 <a14:m>
                   <m:oMathPara xmlns:m="http://schemas.openxmlformats.org/officeDocument/2006/math">
                     <m:oMathParaPr>
@@ -3899,7 +3912,7 @@
             </p:txBody>
           </p:sp>
         </mc:Choice>
-        <mc:Fallback>
+        <mc:Fallback xmlns="">
           <p:sp>
             <p:nvSpPr>
               <p:cNvPr id="19" name="TextBox 18"/>
@@ -3938,8 +3951,8 @@
           </p:sp>
         </mc:Fallback>
       </mc:AlternateContent>
-      <mc:AlternateContent xmlns:mc="http://schemas.openxmlformats.org/markup-compatibility/2006">
-        <mc:Choice xmlns:a14="http://schemas.microsoft.com/office/drawing/2010/main" Requires="a14">
+      <mc:AlternateContent xmlns:mc="http://schemas.openxmlformats.org/markup-compatibility/2006" xmlns:a14="http://schemas.microsoft.com/office/drawing/2010/main">
+        <mc:Choice Requires="a14">
           <p:sp>
             <p:nvSpPr>
               <p:cNvPr id="20" name="TextBox 19"/>
@@ -3962,6 +3975,7 @@
               </a:bodyPr>
               <a:lstStyle/>
               <a:p>
+                <a:pPr/>
                 <a14:m>
                   <m:oMathPara xmlns:m="http://schemas.openxmlformats.org/officeDocument/2006/math">
                     <m:oMathParaPr>
@@ -4068,7 +4082,7 @@
             </p:txBody>
           </p:sp>
         </mc:Choice>
-        <mc:Fallback>
+        <mc:Fallback xmlns="">
           <p:sp>
             <p:nvSpPr>
               <p:cNvPr id="20" name="TextBox 19"/>
@@ -4157,6 +4171,2495 @@
   <p:clrMapOvr>
     <a:masterClrMapping/>
   </p:clrMapOvr>
+  <p:timing>
+    <p:tnLst>
+      <p:par>
+        <p:cTn id="1" dur="indefinite" restart="never" nodeType="tmRoot"/>
+      </p:par>
+    </p:tnLst>
+  </p:timing>
+</p:sld>
+</file>
+
+<file path=ppt/slides/slide10.xml><?xml version="1.0" encoding="utf-8"?>
+<p:sld xmlns:a="http://schemas.openxmlformats.org/drawingml/2006/main" xmlns:r="http://schemas.openxmlformats.org/officeDocument/2006/relationships" xmlns:p="http://schemas.openxmlformats.org/presentationml/2006/main">
+  <p:cSld>
+    <p:spTree>
+      <p:nvGrpSpPr>
+        <p:cNvPr id="1" name=""/>
+        <p:cNvGrpSpPr/>
+        <p:nvPr/>
+      </p:nvGrpSpPr>
+      <p:grpSpPr>
+        <a:xfrm>
+          <a:off x="0" y="0"/>
+          <a:ext cx="0" cy="0"/>
+          <a:chOff x="0" y="0"/>
+          <a:chExt cx="0" cy="0"/>
+        </a:xfrm>
+      </p:grpSpPr>
+      <p:pic>
+        <p:nvPicPr>
+          <p:cNvPr id="8" name="Picture 7"/>
+          <p:cNvPicPr>
+            <a:picLocks noChangeAspect="1"/>
+          </p:cNvPicPr>
+          <p:nvPr/>
+        </p:nvPicPr>
+        <p:blipFill>
+          <a:blip r:embed="rId2"/>
+          <a:stretch>
+            <a:fillRect/>
+          </a:stretch>
+        </p:blipFill>
+        <p:spPr>
+          <a:xfrm>
+            <a:off x="6281738" y="1608537"/>
+            <a:ext cx="5133975" cy="4267200"/>
+          </a:xfrm>
+          <a:prstGeom prst="rect">
+            <a:avLst/>
+          </a:prstGeom>
+        </p:spPr>
+      </p:pic>
+      <p:pic>
+        <p:nvPicPr>
+          <p:cNvPr id="7" name="Picture 6"/>
+          <p:cNvPicPr>
+            <a:picLocks noChangeAspect="1"/>
+          </p:cNvPicPr>
+          <p:nvPr/>
+        </p:nvPicPr>
+        <p:blipFill>
+          <a:blip r:embed="rId3"/>
+          <a:stretch>
+            <a:fillRect/>
+          </a:stretch>
+        </p:blipFill>
+        <p:spPr>
+          <a:xfrm>
+            <a:off x="376237" y="1608537"/>
+            <a:ext cx="5133975" cy="4267200"/>
+          </a:xfrm>
+          <a:prstGeom prst="rect">
+            <a:avLst/>
+          </a:prstGeom>
+        </p:spPr>
+      </p:pic>
+      <p:sp>
+        <p:nvSpPr>
+          <p:cNvPr id="4" name="Slide Number Placeholder 3"/>
+          <p:cNvSpPr>
+            <a:spLocks noGrp="1"/>
+          </p:cNvSpPr>
+          <p:nvPr>
+            <p:ph type="sldNum" sz="quarter" idx="12"/>
+          </p:nvPr>
+        </p:nvSpPr>
+        <p:spPr/>
+        <p:txBody>
+          <a:bodyPr/>
+          <a:lstStyle/>
+          <a:p>
+            <a:fld id="{178508F5-8E49-4F57-B165-331DE2AB85B8}" type="slidenum">
+              <a:rPr lang="tr-TR" sz="1800" smtClean="0"/>
+              <a:t>10</a:t>
+            </a:fld>
+            <a:endParaRPr lang="tr-TR" dirty="0"/>
+          </a:p>
+        </p:txBody>
+      </p:sp>
+      <p:sp>
+        <p:nvSpPr>
+          <p:cNvPr id="5" name="TextBox 4"/>
+          <p:cNvSpPr txBox="1"/>
+          <p:nvPr/>
+        </p:nvSpPr>
+        <p:spPr>
+          <a:xfrm>
+            <a:off x="562707" y="316523"/>
+            <a:ext cx="2558562" cy="461665"/>
+          </a:xfrm>
+          <a:prstGeom prst="rect">
+            <a:avLst/>
+          </a:prstGeom>
+          <a:noFill/>
+        </p:spPr>
+        <p:txBody>
+          <a:bodyPr wrap="square" rtlCol="0">
+            <a:spAutoFit/>
+          </a:bodyPr>
+          <a:lstStyle/>
+          <a:p>
+            <a:r>
+              <a:rPr lang="tr-TR" sz="2400" dirty="0" smtClean="0"/>
+              <a:t>Simulation Study</a:t>
+            </a:r>
+            <a:endParaRPr lang="tr-TR" sz="2400" dirty="0"/>
+          </a:p>
+        </p:txBody>
+      </p:sp>
+      <p:sp>
+        <p:nvSpPr>
+          <p:cNvPr id="2" name="TextBox 1"/>
+          <p:cNvSpPr txBox="1"/>
+          <p:nvPr/>
+        </p:nvSpPr>
+        <p:spPr>
+          <a:xfrm>
+            <a:off x="3800475" y="85690"/>
+            <a:ext cx="3419475" cy="1200329"/>
+          </a:xfrm>
+          <a:prstGeom prst="rect">
+            <a:avLst/>
+          </a:prstGeom>
+          <a:noFill/>
+        </p:spPr>
+        <p:txBody>
+          <a:bodyPr wrap="square" rtlCol="0">
+            <a:spAutoFit/>
+          </a:bodyPr>
+          <a:lstStyle/>
+          <a:p>
+            <a:r>
+              <a:rPr lang="tr-TR" dirty="0" smtClean="0"/>
+              <a:t>K = 4 -&gt; </a:t>
+            </a:r>
+            <a:r>
+              <a:rPr lang="tr-TR" b="1" dirty="0" smtClean="0"/>
+              <a:t>Synch. switch</a:t>
+            </a:r>
+            <a:br>
+              <a:rPr lang="tr-TR" b="1" dirty="0" smtClean="0"/>
+            </a:br>
+            <a:r>
+              <a:rPr lang="tr-TR" dirty="0" smtClean="0"/>
+              <a:t>Vin = 540V</a:t>
+            </a:r>
+          </a:p>
+          <a:p>
+            <a:r>
+              <a:rPr lang="tr-TR" dirty="0" smtClean="0"/>
+              <a:t>Vout </a:t>
+            </a:r>
+            <a:r>
+              <a:rPr lang="tr-TR" dirty="0"/>
+              <a:t>= </a:t>
+            </a:r>
+            <a:r>
+              <a:rPr lang="tr-TR" dirty="0" smtClean="0"/>
+              <a:t>400V, Pout = 8 kW </a:t>
+            </a:r>
+          </a:p>
+          <a:p>
+            <a:r>
+              <a:rPr lang="tr-TR" dirty="0"/>
+              <a:t>fsw = 100 </a:t>
+            </a:r>
+            <a:r>
+              <a:rPr lang="tr-TR" dirty="0" smtClean="0"/>
+              <a:t>kHz, Tj = 25˚C</a:t>
+            </a:r>
+            <a:endParaRPr lang="tr-TR" dirty="0"/>
+          </a:p>
+        </p:txBody>
+      </p:sp>
+      <p:sp>
+        <p:nvSpPr>
+          <p:cNvPr id="9" name="TextBox 8"/>
+          <p:cNvSpPr txBox="1"/>
+          <p:nvPr/>
+        </p:nvSpPr>
+        <p:spPr>
+          <a:xfrm>
+            <a:off x="2324100" y="1126093"/>
+            <a:ext cx="1943100" cy="369332"/>
+          </a:xfrm>
+          <a:prstGeom prst="rect">
+            <a:avLst/>
+          </a:prstGeom>
+          <a:noFill/>
+        </p:spPr>
+        <p:txBody>
+          <a:bodyPr wrap="square" rtlCol="0">
+            <a:spAutoFit/>
+          </a:bodyPr>
+          <a:lstStyle/>
+          <a:p>
+            <a:r>
+              <a:rPr lang="tr-TR" dirty="0" smtClean="0"/>
+              <a:t>Top Switch</a:t>
+            </a:r>
+            <a:endParaRPr lang="tr-TR" dirty="0"/>
+          </a:p>
+        </p:txBody>
+      </p:sp>
+      <p:sp>
+        <p:nvSpPr>
+          <p:cNvPr id="10" name="TextBox 9"/>
+          <p:cNvSpPr txBox="1"/>
+          <p:nvPr/>
+        </p:nvSpPr>
+        <p:spPr>
+          <a:xfrm>
+            <a:off x="2676525" y="2343150"/>
+            <a:ext cx="2247900" cy="830997"/>
+          </a:xfrm>
+          <a:prstGeom prst="rect">
+            <a:avLst/>
+          </a:prstGeom>
+          <a:noFill/>
+        </p:spPr>
+        <p:txBody>
+          <a:bodyPr wrap="square" rtlCol="0">
+            <a:spAutoFit/>
+          </a:bodyPr>
+          <a:lstStyle/>
+          <a:p>
+            <a:r>
+              <a:rPr lang="tr-TR" sz="2400" dirty="0" smtClean="0"/>
+              <a:t>Power Loss</a:t>
+            </a:r>
+            <a:br>
+              <a:rPr lang="tr-TR" sz="2400" dirty="0" smtClean="0"/>
+            </a:br>
+            <a:r>
+              <a:rPr lang="tr-TR" sz="2400" b="1" dirty="0" smtClean="0"/>
+              <a:t>2.2542 W</a:t>
+            </a:r>
+            <a:endParaRPr lang="tr-TR" sz="2400" b="1" dirty="0"/>
+          </a:p>
+        </p:txBody>
+      </p:sp>
+      <p:sp>
+        <p:nvSpPr>
+          <p:cNvPr id="13" name="TextBox 12"/>
+          <p:cNvSpPr txBox="1"/>
+          <p:nvPr/>
+        </p:nvSpPr>
+        <p:spPr>
+          <a:xfrm>
+            <a:off x="8277225" y="1149350"/>
+            <a:ext cx="1943100" cy="369332"/>
+          </a:xfrm>
+          <a:prstGeom prst="rect">
+            <a:avLst/>
+          </a:prstGeom>
+          <a:noFill/>
+        </p:spPr>
+        <p:txBody>
+          <a:bodyPr wrap="square" rtlCol="0">
+            <a:spAutoFit/>
+          </a:bodyPr>
+          <a:lstStyle/>
+          <a:p>
+            <a:r>
+              <a:rPr lang="tr-TR" dirty="0" smtClean="0"/>
+              <a:t>Bottom Switch</a:t>
+            </a:r>
+            <a:endParaRPr lang="tr-TR" dirty="0"/>
+          </a:p>
+        </p:txBody>
+      </p:sp>
+      <p:sp>
+        <p:nvSpPr>
+          <p:cNvPr id="14" name="TextBox 13"/>
+          <p:cNvSpPr txBox="1"/>
+          <p:nvPr/>
+        </p:nvSpPr>
+        <p:spPr>
+          <a:xfrm>
+            <a:off x="9234488" y="2343150"/>
+            <a:ext cx="2247900" cy="830997"/>
+          </a:xfrm>
+          <a:prstGeom prst="rect">
+            <a:avLst/>
+          </a:prstGeom>
+          <a:noFill/>
+        </p:spPr>
+        <p:txBody>
+          <a:bodyPr wrap="square" rtlCol="0">
+            <a:spAutoFit/>
+          </a:bodyPr>
+          <a:lstStyle/>
+          <a:p>
+            <a:r>
+              <a:rPr lang="tr-TR" sz="2400" dirty="0" smtClean="0"/>
+              <a:t>Power Loss</a:t>
+            </a:r>
+            <a:br>
+              <a:rPr lang="tr-TR" sz="2400" dirty="0" smtClean="0"/>
+            </a:br>
+            <a:r>
+              <a:rPr lang="tr-TR" sz="2400" b="1" dirty="0" smtClean="0"/>
+              <a:t>0.979 W</a:t>
+            </a:r>
+            <a:endParaRPr lang="tr-TR" sz="2400" b="1" dirty="0"/>
+          </a:p>
+        </p:txBody>
+      </p:sp>
+      <p:sp>
+        <p:nvSpPr>
+          <p:cNvPr id="15" name="TextBox 14"/>
+          <p:cNvSpPr txBox="1"/>
+          <p:nvPr/>
+        </p:nvSpPr>
+        <p:spPr>
+          <a:xfrm>
+            <a:off x="3433763" y="6198255"/>
+            <a:ext cx="5695950" cy="523220"/>
+          </a:xfrm>
+          <a:prstGeom prst="rect">
+            <a:avLst/>
+          </a:prstGeom>
+          <a:noFill/>
+        </p:spPr>
+        <p:txBody>
+          <a:bodyPr wrap="square" rtlCol="0">
+            <a:spAutoFit/>
+          </a:bodyPr>
+          <a:lstStyle/>
+          <a:p>
+            <a:r>
+              <a:rPr lang="tr-TR" sz="2800" b="1" dirty="0" smtClean="0"/>
+              <a:t>Total Transistor Loss = 12.9328 W</a:t>
+            </a:r>
+            <a:endParaRPr lang="tr-TR" sz="2800" b="1" dirty="0"/>
+          </a:p>
+        </p:txBody>
+      </p:sp>
+      <p:sp>
+        <p:nvSpPr>
+          <p:cNvPr id="16" name="TextBox 15"/>
+          <p:cNvSpPr txBox="1"/>
+          <p:nvPr/>
+        </p:nvSpPr>
+        <p:spPr>
+          <a:xfrm>
+            <a:off x="8177213" y="455021"/>
+            <a:ext cx="2114550" cy="461665"/>
+          </a:xfrm>
+          <a:prstGeom prst="rect">
+            <a:avLst/>
+          </a:prstGeom>
+          <a:noFill/>
+        </p:spPr>
+        <p:txBody>
+          <a:bodyPr wrap="square" rtlCol="0">
+            <a:spAutoFit/>
+          </a:bodyPr>
+          <a:lstStyle/>
+          <a:p>
+            <a:r>
+              <a:rPr lang="tr-TR" sz="2400" b="1" dirty="0" smtClean="0"/>
+              <a:t>80 App Ripple</a:t>
+            </a:r>
+            <a:endParaRPr lang="tr-TR" sz="2400" b="1" dirty="0"/>
+          </a:p>
+        </p:txBody>
+      </p:sp>
+      <p:sp>
+        <p:nvSpPr>
+          <p:cNvPr id="11" name="TextBox 10"/>
+          <p:cNvSpPr txBox="1"/>
+          <p:nvPr/>
+        </p:nvSpPr>
+        <p:spPr>
+          <a:xfrm>
+            <a:off x="8515349" y="6198255"/>
+            <a:ext cx="857251" cy="523220"/>
+          </a:xfrm>
+          <a:prstGeom prst="rect">
+            <a:avLst/>
+          </a:prstGeom>
+          <a:noFill/>
+        </p:spPr>
+        <p:txBody>
+          <a:bodyPr wrap="square" rtlCol="0">
+            <a:spAutoFit/>
+          </a:bodyPr>
+          <a:lstStyle/>
+          <a:p>
+            <a:r>
+              <a:rPr lang="tr-TR" sz="2800" b="1" dirty="0" smtClean="0">
+                <a:solidFill>
+                  <a:srgbClr val="00B050"/>
+                </a:solidFill>
+              </a:rPr>
+              <a:t>%57 </a:t>
+            </a:r>
+            <a:endParaRPr lang="tr-TR" sz="2800" b="1" dirty="0">
+              <a:solidFill>
+                <a:srgbClr val="00B050"/>
+              </a:solidFill>
+            </a:endParaRPr>
+          </a:p>
+        </p:txBody>
+      </p:sp>
+      <p:sp>
+        <p:nvSpPr>
+          <p:cNvPr id="17" name="Down Arrow 16"/>
+          <p:cNvSpPr/>
+          <p:nvPr/>
+        </p:nvSpPr>
+        <p:spPr>
+          <a:xfrm>
+            <a:off x="9248775" y="6267450"/>
+            <a:ext cx="276225" cy="454025"/>
+          </a:xfrm>
+          <a:prstGeom prst="downArrow">
+            <a:avLst/>
+          </a:prstGeom>
+          <a:solidFill>
+            <a:srgbClr val="00B050"/>
+          </a:solidFill>
+          <a:ln>
+            <a:solidFill>
+              <a:srgbClr val="00B050"/>
+            </a:solidFill>
+          </a:ln>
+        </p:spPr>
+        <p:style>
+          <a:lnRef idx="2">
+            <a:schemeClr val="accent1">
+              <a:shade val="50000"/>
+            </a:schemeClr>
+          </a:lnRef>
+          <a:fillRef idx="1">
+            <a:schemeClr val="accent1"/>
+          </a:fillRef>
+          <a:effectRef idx="0">
+            <a:schemeClr val="accent1"/>
+          </a:effectRef>
+          <a:fontRef idx="minor">
+            <a:schemeClr val="lt1"/>
+          </a:fontRef>
+        </p:style>
+        <p:txBody>
+          <a:bodyPr rtlCol="0" anchor="ctr"/>
+          <a:lstStyle/>
+          <a:p>
+            <a:pPr algn="ctr"/>
+            <a:endParaRPr lang="tr-TR"/>
+          </a:p>
+        </p:txBody>
+      </p:sp>
+    </p:spTree>
+    <p:extLst>
+      <p:ext uri="{BB962C8B-B14F-4D97-AF65-F5344CB8AC3E}">
+        <p14:creationId xmlns:p14="http://schemas.microsoft.com/office/powerpoint/2010/main" val="2605054966"/>
+      </p:ext>
+    </p:extLst>
+  </p:cSld>
+  <p:clrMapOvr>
+    <a:masterClrMapping/>
+  </p:clrMapOvr>
+</p:sld>
+</file>
+
+<file path=ppt/slides/slide11.xml><?xml version="1.0" encoding="utf-8"?>
+<p:sld xmlns:a="http://schemas.openxmlformats.org/drawingml/2006/main" xmlns:r="http://schemas.openxmlformats.org/officeDocument/2006/relationships" xmlns:p="http://schemas.openxmlformats.org/presentationml/2006/main">
+  <p:cSld>
+    <p:spTree>
+      <p:nvGrpSpPr>
+        <p:cNvPr id="1" name=""/>
+        <p:cNvGrpSpPr/>
+        <p:nvPr/>
+      </p:nvGrpSpPr>
+      <p:grpSpPr>
+        <a:xfrm>
+          <a:off x="0" y="0"/>
+          <a:ext cx="0" cy="0"/>
+          <a:chOff x="0" y="0"/>
+          <a:chExt cx="0" cy="0"/>
+        </a:xfrm>
+      </p:grpSpPr>
+      <p:pic>
+        <p:nvPicPr>
+          <p:cNvPr id="6" name="Picture 5"/>
+          <p:cNvPicPr>
+            <a:picLocks noChangeAspect="1"/>
+          </p:cNvPicPr>
+          <p:nvPr/>
+        </p:nvPicPr>
+        <p:blipFill>
+          <a:blip r:embed="rId2"/>
+          <a:stretch>
+            <a:fillRect/>
+          </a:stretch>
+        </p:blipFill>
+        <p:spPr>
+          <a:xfrm>
+            <a:off x="376237" y="1608537"/>
+            <a:ext cx="5133975" cy="4267200"/>
+          </a:xfrm>
+          <a:prstGeom prst="rect">
+            <a:avLst/>
+          </a:prstGeom>
+        </p:spPr>
+      </p:pic>
+      <p:pic>
+        <p:nvPicPr>
+          <p:cNvPr id="3" name="Picture 2"/>
+          <p:cNvPicPr>
+            <a:picLocks noChangeAspect="1"/>
+          </p:cNvPicPr>
+          <p:nvPr/>
+        </p:nvPicPr>
+        <p:blipFill>
+          <a:blip r:embed="rId3"/>
+          <a:stretch>
+            <a:fillRect/>
+          </a:stretch>
+        </p:blipFill>
+        <p:spPr>
+          <a:xfrm>
+            <a:off x="6376986" y="1608537"/>
+            <a:ext cx="5133975" cy="4267200"/>
+          </a:xfrm>
+          <a:prstGeom prst="rect">
+            <a:avLst/>
+          </a:prstGeom>
+        </p:spPr>
+      </p:pic>
+      <p:sp>
+        <p:nvSpPr>
+          <p:cNvPr id="4" name="Slide Number Placeholder 3"/>
+          <p:cNvSpPr>
+            <a:spLocks noGrp="1"/>
+          </p:cNvSpPr>
+          <p:nvPr>
+            <p:ph type="sldNum" sz="quarter" idx="12"/>
+          </p:nvPr>
+        </p:nvSpPr>
+        <p:spPr/>
+        <p:txBody>
+          <a:bodyPr/>
+          <a:lstStyle/>
+          <a:p>
+            <a:fld id="{178508F5-8E49-4F57-B165-331DE2AB85B8}" type="slidenum">
+              <a:rPr lang="tr-TR" sz="1800" smtClean="0"/>
+              <a:t>11</a:t>
+            </a:fld>
+            <a:endParaRPr lang="tr-TR" dirty="0"/>
+          </a:p>
+        </p:txBody>
+      </p:sp>
+      <p:sp>
+        <p:nvSpPr>
+          <p:cNvPr id="5" name="TextBox 4"/>
+          <p:cNvSpPr txBox="1"/>
+          <p:nvPr/>
+        </p:nvSpPr>
+        <p:spPr>
+          <a:xfrm>
+            <a:off x="562707" y="316523"/>
+            <a:ext cx="2558562" cy="461665"/>
+          </a:xfrm>
+          <a:prstGeom prst="rect">
+            <a:avLst/>
+          </a:prstGeom>
+          <a:noFill/>
+        </p:spPr>
+        <p:txBody>
+          <a:bodyPr wrap="square" rtlCol="0">
+            <a:spAutoFit/>
+          </a:bodyPr>
+          <a:lstStyle/>
+          <a:p>
+            <a:r>
+              <a:rPr lang="tr-TR" sz="2400" dirty="0" smtClean="0"/>
+              <a:t>Simulation Study</a:t>
+            </a:r>
+            <a:endParaRPr lang="tr-TR" sz="2400" dirty="0"/>
+          </a:p>
+        </p:txBody>
+      </p:sp>
+      <p:sp>
+        <p:nvSpPr>
+          <p:cNvPr id="2" name="TextBox 1"/>
+          <p:cNvSpPr txBox="1"/>
+          <p:nvPr/>
+        </p:nvSpPr>
+        <p:spPr>
+          <a:xfrm>
+            <a:off x="3800475" y="85690"/>
+            <a:ext cx="3419475" cy="1200329"/>
+          </a:xfrm>
+          <a:prstGeom prst="rect">
+            <a:avLst/>
+          </a:prstGeom>
+          <a:noFill/>
+        </p:spPr>
+        <p:txBody>
+          <a:bodyPr wrap="square" rtlCol="0">
+            <a:spAutoFit/>
+          </a:bodyPr>
+          <a:lstStyle/>
+          <a:p>
+            <a:r>
+              <a:rPr lang="tr-TR" dirty="0" smtClean="0"/>
+              <a:t>K = 4 -&gt; Synch. switch</a:t>
+            </a:r>
+            <a:r>
+              <a:rPr lang="tr-TR" b="1" dirty="0" smtClean="0"/>
+              <a:t/>
+            </a:r>
+            <a:br>
+              <a:rPr lang="tr-TR" b="1" dirty="0" smtClean="0"/>
+            </a:br>
+            <a:r>
+              <a:rPr lang="tr-TR" dirty="0" smtClean="0"/>
+              <a:t>Vin = 540V</a:t>
+            </a:r>
+          </a:p>
+          <a:p>
+            <a:r>
+              <a:rPr lang="tr-TR" dirty="0" smtClean="0"/>
+              <a:t>Vout </a:t>
+            </a:r>
+            <a:r>
+              <a:rPr lang="tr-TR" dirty="0"/>
+              <a:t>= </a:t>
+            </a:r>
+            <a:r>
+              <a:rPr lang="tr-TR" dirty="0" smtClean="0"/>
+              <a:t>400V, Pout = 8 kW </a:t>
+            </a:r>
+          </a:p>
+          <a:p>
+            <a:r>
+              <a:rPr lang="tr-TR" dirty="0"/>
+              <a:t>fsw = 100 </a:t>
+            </a:r>
+            <a:r>
+              <a:rPr lang="tr-TR" dirty="0" smtClean="0"/>
+              <a:t>kHz, </a:t>
+            </a:r>
+            <a:r>
+              <a:rPr lang="tr-TR" b="1" dirty="0" smtClean="0"/>
+              <a:t>Tj = 125˚C</a:t>
+            </a:r>
+            <a:endParaRPr lang="tr-TR" b="1" dirty="0"/>
+          </a:p>
+        </p:txBody>
+      </p:sp>
+      <p:sp>
+        <p:nvSpPr>
+          <p:cNvPr id="9" name="TextBox 8"/>
+          <p:cNvSpPr txBox="1"/>
+          <p:nvPr/>
+        </p:nvSpPr>
+        <p:spPr>
+          <a:xfrm>
+            <a:off x="2324100" y="1126093"/>
+            <a:ext cx="1943100" cy="369332"/>
+          </a:xfrm>
+          <a:prstGeom prst="rect">
+            <a:avLst/>
+          </a:prstGeom>
+          <a:noFill/>
+        </p:spPr>
+        <p:txBody>
+          <a:bodyPr wrap="square" rtlCol="0">
+            <a:spAutoFit/>
+          </a:bodyPr>
+          <a:lstStyle/>
+          <a:p>
+            <a:r>
+              <a:rPr lang="tr-TR" dirty="0" smtClean="0"/>
+              <a:t>Top Switch</a:t>
+            </a:r>
+            <a:endParaRPr lang="tr-TR" dirty="0"/>
+          </a:p>
+        </p:txBody>
+      </p:sp>
+      <p:sp>
+        <p:nvSpPr>
+          <p:cNvPr id="10" name="TextBox 9"/>
+          <p:cNvSpPr txBox="1"/>
+          <p:nvPr/>
+        </p:nvSpPr>
+        <p:spPr>
+          <a:xfrm>
+            <a:off x="2676525" y="2343150"/>
+            <a:ext cx="2247900" cy="830997"/>
+          </a:xfrm>
+          <a:prstGeom prst="rect">
+            <a:avLst/>
+          </a:prstGeom>
+          <a:noFill/>
+        </p:spPr>
+        <p:txBody>
+          <a:bodyPr wrap="square" rtlCol="0">
+            <a:spAutoFit/>
+          </a:bodyPr>
+          <a:lstStyle/>
+          <a:p>
+            <a:r>
+              <a:rPr lang="tr-TR" sz="2400" dirty="0" smtClean="0"/>
+              <a:t>Power Loss</a:t>
+            </a:r>
+            <a:br>
+              <a:rPr lang="tr-TR" sz="2400" dirty="0" smtClean="0"/>
+            </a:br>
+            <a:r>
+              <a:rPr lang="tr-TR" sz="2400" b="1" dirty="0" smtClean="0"/>
+              <a:t>5.3075 W</a:t>
+            </a:r>
+            <a:endParaRPr lang="tr-TR" sz="2400" b="1" dirty="0"/>
+          </a:p>
+        </p:txBody>
+      </p:sp>
+      <p:sp>
+        <p:nvSpPr>
+          <p:cNvPr id="13" name="TextBox 12"/>
+          <p:cNvSpPr txBox="1"/>
+          <p:nvPr/>
+        </p:nvSpPr>
+        <p:spPr>
+          <a:xfrm>
+            <a:off x="8277225" y="1149350"/>
+            <a:ext cx="1943100" cy="369332"/>
+          </a:xfrm>
+          <a:prstGeom prst="rect">
+            <a:avLst/>
+          </a:prstGeom>
+          <a:noFill/>
+        </p:spPr>
+        <p:txBody>
+          <a:bodyPr wrap="square" rtlCol="0">
+            <a:spAutoFit/>
+          </a:bodyPr>
+          <a:lstStyle/>
+          <a:p>
+            <a:r>
+              <a:rPr lang="tr-TR" dirty="0" smtClean="0"/>
+              <a:t>Bottom Switch</a:t>
+            </a:r>
+            <a:endParaRPr lang="tr-TR" dirty="0"/>
+          </a:p>
+        </p:txBody>
+      </p:sp>
+      <p:sp>
+        <p:nvSpPr>
+          <p:cNvPr id="14" name="TextBox 13"/>
+          <p:cNvSpPr txBox="1"/>
+          <p:nvPr/>
+        </p:nvSpPr>
+        <p:spPr>
+          <a:xfrm>
+            <a:off x="9234488" y="2343150"/>
+            <a:ext cx="2247900" cy="830997"/>
+          </a:xfrm>
+          <a:prstGeom prst="rect">
+            <a:avLst/>
+          </a:prstGeom>
+          <a:noFill/>
+        </p:spPr>
+        <p:txBody>
+          <a:bodyPr wrap="square" rtlCol="0">
+            <a:spAutoFit/>
+          </a:bodyPr>
+          <a:lstStyle/>
+          <a:p>
+            <a:r>
+              <a:rPr lang="tr-TR" sz="2400" dirty="0" smtClean="0"/>
+              <a:t>Power Loss</a:t>
+            </a:r>
+            <a:br>
+              <a:rPr lang="tr-TR" sz="2400" dirty="0" smtClean="0"/>
+            </a:br>
+            <a:r>
+              <a:rPr lang="tr-TR" sz="2400" b="1" dirty="0" smtClean="0"/>
+              <a:t>2.1791 W</a:t>
+            </a:r>
+            <a:endParaRPr lang="tr-TR" sz="2400" b="1" dirty="0"/>
+          </a:p>
+        </p:txBody>
+      </p:sp>
+      <p:sp>
+        <p:nvSpPr>
+          <p:cNvPr id="15" name="TextBox 14"/>
+          <p:cNvSpPr txBox="1"/>
+          <p:nvPr/>
+        </p:nvSpPr>
+        <p:spPr>
+          <a:xfrm>
+            <a:off x="3433763" y="6198255"/>
+            <a:ext cx="5695950" cy="523220"/>
+          </a:xfrm>
+          <a:prstGeom prst="rect">
+            <a:avLst/>
+          </a:prstGeom>
+          <a:noFill/>
+        </p:spPr>
+        <p:txBody>
+          <a:bodyPr wrap="square" rtlCol="0">
+            <a:spAutoFit/>
+          </a:bodyPr>
+          <a:lstStyle/>
+          <a:p>
+            <a:r>
+              <a:rPr lang="tr-TR" sz="2800" b="1" dirty="0" smtClean="0"/>
+              <a:t>Total Transistor Loss = 29.9464 W</a:t>
+            </a:r>
+            <a:endParaRPr lang="tr-TR" sz="2800" b="1" dirty="0"/>
+          </a:p>
+        </p:txBody>
+      </p:sp>
+      <p:sp>
+        <p:nvSpPr>
+          <p:cNvPr id="16" name="TextBox 15"/>
+          <p:cNvSpPr txBox="1"/>
+          <p:nvPr/>
+        </p:nvSpPr>
+        <p:spPr>
+          <a:xfrm>
+            <a:off x="8177213" y="455021"/>
+            <a:ext cx="2114550" cy="461665"/>
+          </a:xfrm>
+          <a:prstGeom prst="rect">
+            <a:avLst/>
+          </a:prstGeom>
+          <a:noFill/>
+        </p:spPr>
+        <p:txBody>
+          <a:bodyPr wrap="square" rtlCol="0">
+            <a:spAutoFit/>
+          </a:bodyPr>
+          <a:lstStyle/>
+          <a:p>
+            <a:r>
+              <a:rPr lang="tr-TR" sz="2400" b="1" dirty="0" smtClean="0"/>
+              <a:t>80 App Ripple</a:t>
+            </a:r>
+            <a:endParaRPr lang="tr-TR" sz="2400" b="1" dirty="0"/>
+          </a:p>
+        </p:txBody>
+      </p:sp>
+      <p:sp>
+        <p:nvSpPr>
+          <p:cNvPr id="11" name="TextBox 10"/>
+          <p:cNvSpPr txBox="1"/>
+          <p:nvPr/>
+        </p:nvSpPr>
+        <p:spPr>
+          <a:xfrm>
+            <a:off x="8515349" y="6198255"/>
+            <a:ext cx="857251" cy="523220"/>
+          </a:xfrm>
+          <a:prstGeom prst="rect">
+            <a:avLst/>
+          </a:prstGeom>
+          <a:noFill/>
+        </p:spPr>
+        <p:txBody>
+          <a:bodyPr wrap="square" rtlCol="0">
+            <a:spAutoFit/>
+          </a:bodyPr>
+          <a:lstStyle/>
+          <a:p>
+            <a:r>
+              <a:rPr lang="tr-TR" sz="2800" b="1" dirty="0" smtClean="0">
+                <a:solidFill>
+                  <a:srgbClr val="00B050"/>
+                </a:solidFill>
+              </a:rPr>
+              <a:t>%37 </a:t>
+            </a:r>
+            <a:endParaRPr lang="tr-TR" sz="2800" b="1" dirty="0">
+              <a:solidFill>
+                <a:srgbClr val="00B050"/>
+              </a:solidFill>
+            </a:endParaRPr>
+          </a:p>
+        </p:txBody>
+      </p:sp>
+      <p:sp>
+        <p:nvSpPr>
+          <p:cNvPr id="17" name="Down Arrow 16"/>
+          <p:cNvSpPr/>
+          <p:nvPr/>
+        </p:nvSpPr>
+        <p:spPr>
+          <a:xfrm>
+            <a:off x="9248775" y="6267450"/>
+            <a:ext cx="276225" cy="454025"/>
+          </a:xfrm>
+          <a:prstGeom prst="downArrow">
+            <a:avLst/>
+          </a:prstGeom>
+          <a:solidFill>
+            <a:srgbClr val="00B050"/>
+          </a:solidFill>
+          <a:ln>
+            <a:solidFill>
+              <a:srgbClr val="00B050"/>
+            </a:solidFill>
+          </a:ln>
+        </p:spPr>
+        <p:style>
+          <a:lnRef idx="2">
+            <a:schemeClr val="accent1">
+              <a:shade val="50000"/>
+            </a:schemeClr>
+          </a:lnRef>
+          <a:fillRef idx="1">
+            <a:schemeClr val="accent1"/>
+          </a:fillRef>
+          <a:effectRef idx="0">
+            <a:schemeClr val="accent1"/>
+          </a:effectRef>
+          <a:fontRef idx="minor">
+            <a:schemeClr val="lt1"/>
+          </a:fontRef>
+        </p:style>
+        <p:txBody>
+          <a:bodyPr rtlCol="0" anchor="ctr"/>
+          <a:lstStyle/>
+          <a:p>
+            <a:pPr algn="ctr"/>
+            <a:endParaRPr lang="tr-TR"/>
+          </a:p>
+        </p:txBody>
+      </p:sp>
+    </p:spTree>
+    <p:extLst>
+      <p:ext uri="{BB962C8B-B14F-4D97-AF65-F5344CB8AC3E}">
+        <p14:creationId xmlns:p14="http://schemas.microsoft.com/office/powerpoint/2010/main" val="637327411"/>
+      </p:ext>
+    </p:extLst>
+  </p:cSld>
+  <p:clrMapOvr>
+    <a:masterClrMapping/>
+  </p:clrMapOvr>
+</p:sld>
+</file>
+
+<file path=ppt/slides/slide12.xml><?xml version="1.0" encoding="utf-8"?>
+<p:sld xmlns:a="http://schemas.openxmlformats.org/drawingml/2006/main" xmlns:r="http://schemas.openxmlformats.org/officeDocument/2006/relationships" xmlns:p="http://schemas.openxmlformats.org/presentationml/2006/main">
+  <p:cSld>
+    <p:spTree>
+      <p:nvGrpSpPr>
+        <p:cNvPr id="1" name=""/>
+        <p:cNvGrpSpPr/>
+        <p:nvPr/>
+      </p:nvGrpSpPr>
+      <p:grpSpPr>
+        <a:xfrm>
+          <a:off x="0" y="0"/>
+          <a:ext cx="0" cy="0"/>
+          <a:chOff x="0" y="0"/>
+          <a:chExt cx="0" cy="0"/>
+        </a:xfrm>
+      </p:grpSpPr>
+      <p:sp>
+        <p:nvSpPr>
+          <p:cNvPr id="4" name="Slide Number Placeholder 3"/>
+          <p:cNvSpPr>
+            <a:spLocks noGrp="1"/>
+          </p:cNvSpPr>
+          <p:nvPr>
+            <p:ph type="sldNum" sz="quarter" idx="12"/>
+          </p:nvPr>
+        </p:nvSpPr>
+        <p:spPr/>
+        <p:txBody>
+          <a:bodyPr/>
+          <a:lstStyle/>
+          <a:p>
+            <a:fld id="{178508F5-8E49-4F57-B165-331DE2AB85B8}" type="slidenum">
+              <a:rPr lang="tr-TR" sz="1800" smtClean="0"/>
+              <a:t>12</a:t>
+            </a:fld>
+            <a:endParaRPr lang="tr-TR" sz="1800" dirty="0"/>
+          </a:p>
+        </p:txBody>
+      </p:sp>
+      <p:sp>
+        <p:nvSpPr>
+          <p:cNvPr id="5" name="TextBox 4"/>
+          <p:cNvSpPr txBox="1"/>
+          <p:nvPr/>
+        </p:nvSpPr>
+        <p:spPr>
+          <a:xfrm>
+            <a:off x="562707" y="316523"/>
+            <a:ext cx="2558562" cy="461665"/>
+          </a:xfrm>
+          <a:prstGeom prst="rect">
+            <a:avLst/>
+          </a:prstGeom>
+          <a:noFill/>
+        </p:spPr>
+        <p:txBody>
+          <a:bodyPr wrap="square" rtlCol="0">
+            <a:spAutoFit/>
+          </a:bodyPr>
+          <a:lstStyle/>
+          <a:p>
+            <a:r>
+              <a:rPr lang="tr-TR" sz="2400" dirty="0" smtClean="0"/>
+              <a:t>Simulation Study</a:t>
+            </a:r>
+            <a:endParaRPr lang="tr-TR" sz="2400" dirty="0"/>
+          </a:p>
+        </p:txBody>
+      </p:sp>
+      <p:pic>
+        <p:nvPicPr>
+          <p:cNvPr id="2" name="Picture 1"/>
+          <p:cNvPicPr>
+            <a:picLocks noChangeAspect="1"/>
+          </p:cNvPicPr>
+          <p:nvPr/>
+        </p:nvPicPr>
+        <p:blipFill>
+          <a:blip r:embed="rId2"/>
+          <a:stretch>
+            <a:fillRect/>
+          </a:stretch>
+        </p:blipFill>
+        <p:spPr>
+          <a:xfrm>
+            <a:off x="562707" y="1077413"/>
+            <a:ext cx="9915525" cy="5278937"/>
+          </a:xfrm>
+          <a:prstGeom prst="rect">
+            <a:avLst/>
+          </a:prstGeom>
+        </p:spPr>
+      </p:pic>
+      <p:cxnSp>
+        <p:nvCxnSpPr>
+          <p:cNvPr id="6" name="Straight Arrow Connector 5"/>
+          <p:cNvCxnSpPr/>
+          <p:nvPr/>
+        </p:nvCxnSpPr>
+        <p:spPr>
+          <a:xfrm flipV="1">
+            <a:off x="2206869" y="2242038"/>
+            <a:ext cx="773723" cy="2514600"/>
+          </a:xfrm>
+          <a:prstGeom prst="straightConnector1">
+            <a:avLst/>
+          </a:prstGeom>
+          <a:ln w="57150">
+            <a:solidFill>
+              <a:srgbClr val="00B050"/>
+            </a:solidFill>
+            <a:tailEnd type="triangle"/>
+          </a:ln>
+        </p:spPr>
+        <p:style>
+          <a:lnRef idx="1">
+            <a:schemeClr val="accent1"/>
+          </a:lnRef>
+          <a:fillRef idx="0">
+            <a:schemeClr val="accent1"/>
+          </a:fillRef>
+          <a:effectRef idx="0">
+            <a:schemeClr val="accent1"/>
+          </a:effectRef>
+          <a:fontRef idx="minor">
+            <a:schemeClr val="tx1"/>
+          </a:fontRef>
+        </p:style>
+      </p:cxnSp>
+      <p:cxnSp>
+        <p:nvCxnSpPr>
+          <p:cNvPr id="8" name="Straight Arrow Connector 7"/>
+          <p:cNvCxnSpPr/>
+          <p:nvPr/>
+        </p:nvCxnSpPr>
+        <p:spPr>
+          <a:xfrm flipH="1" flipV="1">
+            <a:off x="3508862" y="2242038"/>
+            <a:ext cx="802302" cy="2514600"/>
+          </a:xfrm>
+          <a:prstGeom prst="straightConnector1">
+            <a:avLst/>
+          </a:prstGeom>
+          <a:ln w="57150">
+            <a:solidFill>
+              <a:srgbClr val="00B050"/>
+            </a:solidFill>
+            <a:tailEnd type="triangle"/>
+          </a:ln>
+        </p:spPr>
+        <p:style>
+          <a:lnRef idx="1">
+            <a:schemeClr val="accent1"/>
+          </a:lnRef>
+          <a:fillRef idx="0">
+            <a:schemeClr val="accent1"/>
+          </a:fillRef>
+          <a:effectRef idx="0">
+            <a:schemeClr val="accent1"/>
+          </a:effectRef>
+          <a:fontRef idx="minor">
+            <a:schemeClr val="tx1"/>
+          </a:fontRef>
+        </p:style>
+      </p:cxnSp>
+      <p:sp>
+        <p:nvSpPr>
+          <p:cNvPr id="11" name="TextBox 10"/>
+          <p:cNvSpPr txBox="1"/>
+          <p:nvPr/>
+        </p:nvSpPr>
+        <p:spPr>
+          <a:xfrm>
+            <a:off x="1841988" y="1595707"/>
+            <a:ext cx="2954216" cy="646331"/>
+          </a:xfrm>
+          <a:prstGeom prst="rect">
+            <a:avLst/>
+          </a:prstGeom>
+          <a:noFill/>
+        </p:spPr>
+        <p:txBody>
+          <a:bodyPr wrap="square" rtlCol="0">
+            <a:spAutoFit/>
+          </a:bodyPr>
+          <a:lstStyle/>
+          <a:p>
+            <a:pPr algn="ctr"/>
+            <a:r>
+              <a:rPr lang="tr-TR" b="1" dirty="0" smtClean="0"/>
+              <a:t>Seperated Switching Nodes for Interleaving</a:t>
+            </a:r>
+            <a:endParaRPr lang="tr-TR" b="1" dirty="0"/>
+          </a:p>
+        </p:txBody>
+      </p:sp>
+    </p:spTree>
+    <p:extLst>
+      <p:ext uri="{BB962C8B-B14F-4D97-AF65-F5344CB8AC3E}">
+        <p14:creationId xmlns:p14="http://schemas.microsoft.com/office/powerpoint/2010/main" val="1722078275"/>
+      </p:ext>
+    </p:extLst>
+  </p:cSld>
+  <p:clrMapOvr>
+    <a:masterClrMapping/>
+  </p:clrMapOvr>
+</p:sld>
+</file>
+
+<file path=ppt/slides/slide13.xml><?xml version="1.0" encoding="utf-8"?>
+<p:sld xmlns:a="http://schemas.openxmlformats.org/drawingml/2006/main" xmlns:r="http://schemas.openxmlformats.org/officeDocument/2006/relationships" xmlns:p="http://schemas.openxmlformats.org/presentationml/2006/main">
+  <p:cSld>
+    <p:spTree>
+      <p:nvGrpSpPr>
+        <p:cNvPr id="1" name=""/>
+        <p:cNvGrpSpPr/>
+        <p:nvPr/>
+      </p:nvGrpSpPr>
+      <p:grpSpPr>
+        <a:xfrm>
+          <a:off x="0" y="0"/>
+          <a:ext cx="0" cy="0"/>
+          <a:chOff x="0" y="0"/>
+          <a:chExt cx="0" cy="0"/>
+        </a:xfrm>
+      </p:grpSpPr>
+      <p:sp>
+        <p:nvSpPr>
+          <p:cNvPr id="4" name="Slide Number Placeholder 3"/>
+          <p:cNvSpPr>
+            <a:spLocks noGrp="1"/>
+          </p:cNvSpPr>
+          <p:nvPr>
+            <p:ph type="sldNum" sz="quarter" idx="12"/>
+          </p:nvPr>
+        </p:nvSpPr>
+        <p:spPr/>
+        <p:txBody>
+          <a:bodyPr/>
+          <a:lstStyle/>
+          <a:p>
+            <a:fld id="{178508F5-8E49-4F57-B165-331DE2AB85B8}" type="slidenum">
+              <a:rPr lang="tr-TR" sz="1800" smtClean="0"/>
+              <a:t>13</a:t>
+            </a:fld>
+            <a:endParaRPr lang="tr-TR" sz="1800" dirty="0"/>
+          </a:p>
+        </p:txBody>
+      </p:sp>
+      <p:sp>
+        <p:nvSpPr>
+          <p:cNvPr id="5" name="TextBox 4"/>
+          <p:cNvSpPr txBox="1"/>
+          <p:nvPr/>
+        </p:nvSpPr>
+        <p:spPr>
+          <a:xfrm>
+            <a:off x="562707" y="316523"/>
+            <a:ext cx="2558562" cy="461665"/>
+          </a:xfrm>
+          <a:prstGeom prst="rect">
+            <a:avLst/>
+          </a:prstGeom>
+          <a:noFill/>
+        </p:spPr>
+        <p:txBody>
+          <a:bodyPr wrap="square" rtlCol="0">
+            <a:spAutoFit/>
+          </a:bodyPr>
+          <a:lstStyle/>
+          <a:p>
+            <a:r>
+              <a:rPr lang="tr-TR" sz="2400" dirty="0" smtClean="0"/>
+              <a:t>Simulation Study</a:t>
+            </a:r>
+            <a:endParaRPr lang="tr-TR" sz="2400" dirty="0"/>
+          </a:p>
+        </p:txBody>
+      </p:sp>
+      <p:sp>
+        <p:nvSpPr>
+          <p:cNvPr id="3" name="TextBox 2"/>
+          <p:cNvSpPr txBox="1"/>
+          <p:nvPr/>
+        </p:nvSpPr>
+        <p:spPr>
+          <a:xfrm>
+            <a:off x="562707" y="914400"/>
+            <a:ext cx="8554915" cy="369332"/>
+          </a:xfrm>
+          <a:prstGeom prst="rect">
+            <a:avLst/>
+          </a:prstGeom>
+          <a:noFill/>
+        </p:spPr>
+        <p:txBody>
+          <a:bodyPr wrap="square" rtlCol="0">
+            <a:spAutoFit/>
+          </a:bodyPr>
+          <a:lstStyle/>
+          <a:p>
+            <a:r>
+              <a:rPr lang="tr-TR" b="1" dirty="0" smtClean="0"/>
+              <a:t>Advantages of Interleaved Half-Bridges for ZVRT Switching Buck Converter Application</a:t>
+            </a:r>
+            <a:endParaRPr lang="tr-TR" b="1" dirty="0"/>
+          </a:p>
+        </p:txBody>
+      </p:sp>
+      <p:sp>
+        <p:nvSpPr>
+          <p:cNvPr id="7" name="TextBox 6"/>
+          <p:cNvSpPr txBox="1"/>
+          <p:nvPr/>
+        </p:nvSpPr>
+        <p:spPr>
+          <a:xfrm>
+            <a:off x="685800" y="1441938"/>
+            <a:ext cx="7924800" cy="1477328"/>
+          </a:xfrm>
+          <a:prstGeom prst="rect">
+            <a:avLst/>
+          </a:prstGeom>
+          <a:noFill/>
+        </p:spPr>
+        <p:txBody>
+          <a:bodyPr wrap="square" rtlCol="0">
+            <a:spAutoFit/>
+          </a:bodyPr>
+          <a:lstStyle/>
+          <a:p>
+            <a:pPr marL="285750" indent="-285750">
+              <a:buFont typeface="Arial" panose="020B0604020202020204" pitchFamily="34" charset="0"/>
+              <a:buChar char="•"/>
+            </a:pPr>
+            <a:r>
+              <a:rPr lang="tr-TR" dirty="0" smtClean="0"/>
+              <a:t>The average output current is shared between two inductors which reduces average inductor current</a:t>
+            </a:r>
+          </a:p>
+          <a:p>
+            <a:pPr marL="285750" indent="-285750">
+              <a:buFont typeface="Arial" panose="020B0604020202020204" pitchFamily="34" charset="0"/>
+              <a:buChar char="•"/>
+            </a:pPr>
+            <a:r>
+              <a:rPr lang="tr-TR" dirty="0" smtClean="0"/>
+              <a:t>Having less average inductor current requires less ripple current (K *Iavg)</a:t>
+            </a:r>
+          </a:p>
+          <a:p>
+            <a:pPr marL="285750" indent="-285750">
+              <a:buFont typeface="Arial" panose="020B0604020202020204" pitchFamily="34" charset="0"/>
+              <a:buChar char="•"/>
+            </a:pPr>
+            <a:r>
+              <a:rPr lang="tr-TR" dirty="0" smtClean="0"/>
+              <a:t>Applying 180˚ phase shift between two half-bridges reduces stress over output capacitor significantly</a:t>
+            </a:r>
+            <a:endParaRPr lang="tr-TR" dirty="0"/>
+          </a:p>
+        </p:txBody>
+      </p:sp>
+      <p:sp>
+        <p:nvSpPr>
+          <p:cNvPr id="9" name="TextBox 8"/>
+          <p:cNvSpPr txBox="1"/>
+          <p:nvPr/>
+        </p:nvSpPr>
+        <p:spPr>
+          <a:xfrm>
+            <a:off x="562707" y="3129831"/>
+            <a:ext cx="7781192" cy="369332"/>
+          </a:xfrm>
+          <a:prstGeom prst="rect">
+            <a:avLst/>
+          </a:prstGeom>
+          <a:noFill/>
+        </p:spPr>
+        <p:txBody>
+          <a:bodyPr wrap="square" rtlCol="0">
+            <a:spAutoFit/>
+          </a:bodyPr>
+          <a:lstStyle/>
+          <a:p>
+            <a:r>
+              <a:rPr lang="tr-TR" b="1" dirty="0" smtClean="0"/>
+              <a:t>What we get from interleaving</a:t>
+            </a:r>
+            <a:endParaRPr lang="tr-TR" b="1" dirty="0"/>
+          </a:p>
+        </p:txBody>
+      </p:sp>
+      <mc:AlternateContent xmlns:mc="http://schemas.openxmlformats.org/markup-compatibility/2006">
+        <mc:Choice xmlns:a14="http://schemas.microsoft.com/office/drawing/2010/main" Requires="a14">
+          <p:sp>
+            <p:nvSpPr>
+              <p:cNvPr id="10" name="TextBox 9"/>
+              <p:cNvSpPr txBox="1"/>
+              <p:nvPr/>
+            </p:nvSpPr>
+            <p:spPr>
+              <a:xfrm>
+                <a:off x="1041888" y="3709728"/>
+                <a:ext cx="2844625" cy="335028"/>
+              </a:xfrm>
+              <a:prstGeom prst="rect">
+                <a:avLst/>
+              </a:prstGeom>
+              <a:noFill/>
+            </p:spPr>
+            <p:txBody>
+              <a:bodyPr wrap="none" lIns="0" tIns="0" rIns="0" bIns="0" rtlCol="0">
+                <a:spAutoFit/>
+              </a:bodyPr>
+              <a:lstStyle/>
+              <a:p>
+                <a14:m>
+                  <m:oMathPara xmlns:m="http://schemas.openxmlformats.org/officeDocument/2006/math">
+                    <m:oMathParaPr>
+                      <m:jc m:val="centerGroup"/>
+                    </m:oMathParaPr>
+                    <m:oMath xmlns:m="http://schemas.openxmlformats.org/officeDocument/2006/math">
+                      <m:sSub>
+                        <m:sSubPr>
+                          <m:ctrlPr>
+                            <a:rPr lang="tr-TR" b="0" i="1" smtClean="0">
+                              <a:latin typeface="Cambria Math" panose="02040503050406030204" pitchFamily="18" charset="0"/>
+                            </a:rPr>
+                          </m:ctrlPr>
+                        </m:sSubPr>
+                        <m:e>
+                          <m:r>
+                            <a:rPr lang="tr-TR" b="0" i="1" smtClean="0">
+                              <a:latin typeface="Cambria Math" panose="02040503050406030204" pitchFamily="18" charset="0"/>
+                            </a:rPr>
+                            <m:t>𝐼</m:t>
+                          </m:r>
+                        </m:e>
+                        <m:sub>
+                          <m:sSub>
+                            <m:sSubPr>
+                              <m:ctrlPr>
+                                <a:rPr lang="tr-TR" b="0" i="1" smtClean="0">
+                                  <a:latin typeface="Cambria Math" panose="02040503050406030204" pitchFamily="18" charset="0"/>
+                                </a:rPr>
+                              </m:ctrlPr>
+                            </m:sSubPr>
+                            <m:e>
+                              <m:r>
+                                <a:rPr lang="tr-TR" b="0" i="1" smtClean="0">
+                                  <a:latin typeface="Cambria Math" panose="02040503050406030204" pitchFamily="18" charset="0"/>
+                                </a:rPr>
+                                <m:t>𝐿</m:t>
+                              </m:r>
+                            </m:e>
+                            <m:sub>
+                              <m:r>
+                                <a:rPr lang="tr-TR" b="0" i="1" smtClean="0">
+                                  <a:latin typeface="Cambria Math" panose="02040503050406030204" pitchFamily="18" charset="0"/>
+                                </a:rPr>
+                                <m:t>𝑎𝑣𝑔</m:t>
+                              </m:r>
+                            </m:sub>
+                          </m:sSub>
+                        </m:sub>
+                      </m:sSub>
+                      <m:r>
+                        <a:rPr lang="tr-TR" b="0" i="1" smtClean="0">
+                          <a:latin typeface="Cambria Math" panose="02040503050406030204" pitchFamily="18" charset="0"/>
+                        </a:rPr>
+                        <m:t>=20 </m:t>
+                      </m:r>
+                      <m:r>
+                        <a:rPr lang="tr-TR" b="0" i="1" smtClean="0">
+                          <a:latin typeface="Cambria Math" panose="02040503050406030204" pitchFamily="18" charset="0"/>
+                        </a:rPr>
+                        <m:t>𝐴</m:t>
+                      </m:r>
+                      <m:r>
+                        <a:rPr lang="tr-TR" b="0" i="1" smtClean="0">
+                          <a:latin typeface="Cambria Math" panose="02040503050406030204" pitchFamily="18" charset="0"/>
+                        </a:rPr>
+                        <m:t> →</m:t>
+                      </m:r>
+                      <m:sSubSup>
+                        <m:sSubSupPr>
+                          <m:ctrlPr>
+                            <a:rPr lang="tr-TR" b="0" i="1" smtClean="0">
+                              <a:latin typeface="Cambria Math" panose="02040503050406030204" pitchFamily="18" charset="0"/>
+                            </a:rPr>
+                          </m:ctrlPr>
+                        </m:sSubSupPr>
+                        <m:e>
+                          <m:r>
+                            <a:rPr lang="tr-TR" b="0" i="1" smtClean="0">
+                              <a:latin typeface="Cambria Math" panose="02040503050406030204" pitchFamily="18" charset="0"/>
+                            </a:rPr>
+                            <m:t>𝐼</m:t>
+                          </m:r>
+                        </m:e>
+                        <m:sub>
+                          <m:sSub>
+                            <m:sSubPr>
+                              <m:ctrlPr>
+                                <a:rPr lang="tr-TR" b="0" i="1" smtClean="0">
+                                  <a:latin typeface="Cambria Math" panose="02040503050406030204" pitchFamily="18" charset="0"/>
+                                </a:rPr>
+                              </m:ctrlPr>
+                            </m:sSubPr>
+                            <m:e>
+                              <m:r>
+                                <a:rPr lang="tr-TR" b="0" i="1" smtClean="0">
+                                  <a:latin typeface="Cambria Math" panose="02040503050406030204" pitchFamily="18" charset="0"/>
+                                </a:rPr>
+                                <m:t>𝐿</m:t>
+                              </m:r>
+                            </m:e>
+                            <m:sub>
+                              <m:r>
+                                <a:rPr lang="tr-TR" b="0" i="1" smtClean="0">
+                                  <a:latin typeface="Cambria Math" panose="02040503050406030204" pitchFamily="18" charset="0"/>
+                                </a:rPr>
+                                <m:t>𝑎𝑣𝑔</m:t>
+                              </m:r>
+                            </m:sub>
+                          </m:sSub>
+                        </m:sub>
+                        <m:sup>
+                          <m:r>
+                            <a:rPr lang="tr-TR" b="0" i="1" smtClean="0">
+                              <a:latin typeface="Cambria Math" panose="02040503050406030204" pitchFamily="18" charset="0"/>
+                            </a:rPr>
+                            <m:t>∗</m:t>
+                          </m:r>
+                        </m:sup>
+                      </m:sSubSup>
+                      <m:r>
+                        <a:rPr lang="tr-TR" b="0" i="1" smtClean="0">
+                          <a:latin typeface="Cambria Math" panose="02040503050406030204" pitchFamily="18" charset="0"/>
+                        </a:rPr>
+                        <m:t>=10 </m:t>
+                      </m:r>
+                      <m:r>
+                        <a:rPr lang="tr-TR" b="0" i="1" smtClean="0">
+                          <a:latin typeface="Cambria Math" panose="02040503050406030204" pitchFamily="18" charset="0"/>
+                        </a:rPr>
+                        <m:t>𝐴</m:t>
+                      </m:r>
+                    </m:oMath>
+                  </m:oMathPara>
+                </a14:m>
+                <a:endParaRPr lang="tr-TR" dirty="0"/>
+              </a:p>
+            </p:txBody>
+          </p:sp>
+        </mc:Choice>
+        <mc:Fallback>
+          <p:sp>
+            <p:nvSpPr>
+              <p:cNvPr id="10" name="TextBox 9"/>
+              <p:cNvSpPr txBox="1">
+                <a:spLocks noRot="1" noChangeAspect="1" noMove="1" noResize="1" noEditPoints="1" noAdjustHandles="1" noChangeArrowheads="1" noChangeShapeType="1" noTextEdit="1"/>
+              </p:cNvSpPr>
+              <p:nvPr/>
+            </p:nvSpPr>
+            <p:spPr>
+              <a:xfrm>
+                <a:off x="1041888" y="3709728"/>
+                <a:ext cx="2844625" cy="335028"/>
+              </a:xfrm>
+              <a:prstGeom prst="rect">
+                <a:avLst/>
+              </a:prstGeom>
+              <a:blipFill>
+                <a:blip r:embed="rId2"/>
+                <a:stretch>
+                  <a:fillRect l="-1713" r="-1285" b="-18182"/>
+                </a:stretch>
+              </a:blipFill>
+            </p:spPr>
+            <p:txBody>
+              <a:bodyPr/>
+              <a:lstStyle/>
+              <a:p>
+                <a:r>
+                  <a:rPr lang="tr-TR">
+                    <a:noFill/>
+                  </a:rPr>
+                  <a:t> </a:t>
+                </a:r>
+              </a:p>
+            </p:txBody>
+          </p:sp>
+        </mc:Fallback>
+      </mc:AlternateContent>
+      <mc:AlternateContent xmlns:mc="http://schemas.openxmlformats.org/markup-compatibility/2006">
+        <mc:Choice xmlns:a14="http://schemas.microsoft.com/office/drawing/2010/main" Requires="a14">
+          <p:sp>
+            <p:nvSpPr>
+              <p:cNvPr id="12" name="TextBox 11"/>
+              <p:cNvSpPr txBox="1"/>
+              <p:nvPr/>
+            </p:nvSpPr>
+            <p:spPr>
+              <a:xfrm>
+                <a:off x="1041888" y="4187864"/>
+                <a:ext cx="2941383" cy="333938"/>
+              </a:xfrm>
+              <a:prstGeom prst="rect">
+                <a:avLst/>
+              </a:prstGeom>
+              <a:noFill/>
+            </p:spPr>
+            <p:txBody>
+              <a:bodyPr wrap="none" lIns="0" tIns="0" rIns="0" bIns="0" rtlCol="0">
+                <a:spAutoFit/>
+              </a:bodyPr>
+              <a:lstStyle/>
+              <a:p>
+                <a14:m>
+                  <m:oMathPara xmlns:m="http://schemas.openxmlformats.org/officeDocument/2006/math">
+                    <m:oMathParaPr>
+                      <m:jc m:val="centerGroup"/>
+                    </m:oMathParaPr>
+                    <m:oMath xmlns:m="http://schemas.openxmlformats.org/officeDocument/2006/math">
+                      <m:sSub>
+                        <m:sSubPr>
+                          <m:ctrlPr>
+                            <a:rPr lang="tr-TR" b="0" i="1" smtClean="0">
+                              <a:latin typeface="Cambria Math" panose="02040503050406030204" pitchFamily="18" charset="0"/>
+                            </a:rPr>
+                          </m:ctrlPr>
+                        </m:sSubPr>
+                        <m:e>
+                          <m:r>
+                            <a:rPr lang="tr-TR" b="0" i="1" smtClean="0">
+                              <a:latin typeface="Cambria Math" panose="02040503050406030204" pitchFamily="18" charset="0"/>
+                            </a:rPr>
+                            <m:t>𝐼</m:t>
+                          </m:r>
+                        </m:e>
+                        <m:sub>
+                          <m:sSub>
+                            <m:sSubPr>
+                              <m:ctrlPr>
+                                <a:rPr lang="tr-TR" b="0" i="1" smtClean="0">
+                                  <a:latin typeface="Cambria Math" panose="02040503050406030204" pitchFamily="18" charset="0"/>
+                                </a:rPr>
+                              </m:ctrlPr>
+                            </m:sSubPr>
+                            <m:e>
+                              <m:r>
+                                <a:rPr lang="tr-TR" b="0" i="1" smtClean="0">
+                                  <a:latin typeface="Cambria Math" panose="02040503050406030204" pitchFamily="18" charset="0"/>
+                                </a:rPr>
+                                <m:t>𝐿</m:t>
+                              </m:r>
+                            </m:e>
+                            <m:sub>
+                              <m:r>
+                                <a:rPr lang="tr-TR" b="0" i="1" smtClean="0">
+                                  <a:latin typeface="Cambria Math" panose="02040503050406030204" pitchFamily="18" charset="0"/>
+                                </a:rPr>
+                                <m:t>𝑝𝑝</m:t>
+                              </m:r>
+                            </m:sub>
+                          </m:sSub>
+                        </m:sub>
+                      </m:sSub>
+                      <m:r>
+                        <a:rPr lang="tr-TR" b="0" i="1" smtClean="0">
+                          <a:latin typeface="Cambria Math" panose="02040503050406030204" pitchFamily="18" charset="0"/>
+                        </a:rPr>
+                        <m:t>=80 </m:t>
+                      </m:r>
+                      <m:r>
+                        <a:rPr lang="tr-TR" b="0" i="1" smtClean="0">
+                          <a:latin typeface="Cambria Math" panose="02040503050406030204" pitchFamily="18" charset="0"/>
+                        </a:rPr>
+                        <m:t>𝐴𝑝𝑝</m:t>
+                      </m:r>
+                      <m:r>
+                        <a:rPr lang="tr-TR" b="0" i="1" smtClean="0">
+                          <a:latin typeface="Cambria Math" panose="02040503050406030204" pitchFamily="18" charset="0"/>
+                        </a:rPr>
+                        <m:t> →</m:t>
+                      </m:r>
+                      <m:sSubSup>
+                        <m:sSubSupPr>
+                          <m:ctrlPr>
+                            <a:rPr lang="tr-TR" b="0" i="1" smtClean="0">
+                              <a:latin typeface="Cambria Math" panose="02040503050406030204" pitchFamily="18" charset="0"/>
+                            </a:rPr>
+                          </m:ctrlPr>
+                        </m:sSubSupPr>
+                        <m:e>
+                          <m:r>
+                            <a:rPr lang="tr-TR" b="0" i="1" smtClean="0">
+                              <a:latin typeface="Cambria Math" panose="02040503050406030204" pitchFamily="18" charset="0"/>
+                            </a:rPr>
+                            <m:t>𝐼</m:t>
+                          </m:r>
+                        </m:e>
+                        <m:sub>
+                          <m:sSub>
+                            <m:sSubPr>
+                              <m:ctrlPr>
+                                <a:rPr lang="tr-TR" b="0" i="1" smtClean="0">
+                                  <a:latin typeface="Cambria Math" panose="02040503050406030204" pitchFamily="18" charset="0"/>
+                                </a:rPr>
+                              </m:ctrlPr>
+                            </m:sSubPr>
+                            <m:e>
+                              <m:r>
+                                <a:rPr lang="tr-TR" b="0" i="1" smtClean="0">
+                                  <a:latin typeface="Cambria Math" panose="02040503050406030204" pitchFamily="18" charset="0"/>
+                                </a:rPr>
+                                <m:t>𝐿</m:t>
+                              </m:r>
+                            </m:e>
+                            <m:sub>
+                              <m:r>
+                                <a:rPr lang="tr-TR" b="0" i="1" smtClean="0">
+                                  <a:latin typeface="Cambria Math" panose="02040503050406030204" pitchFamily="18" charset="0"/>
+                                </a:rPr>
+                                <m:t>𝑝𝑝</m:t>
+                              </m:r>
+                            </m:sub>
+                          </m:sSub>
+                        </m:sub>
+                        <m:sup>
+                          <m:r>
+                            <a:rPr lang="tr-TR" b="0" i="1" smtClean="0">
+                              <a:latin typeface="Cambria Math" panose="02040503050406030204" pitchFamily="18" charset="0"/>
+                            </a:rPr>
+                            <m:t>∗</m:t>
+                          </m:r>
+                        </m:sup>
+                      </m:sSubSup>
+                      <m:r>
+                        <a:rPr lang="tr-TR" b="0" i="1" smtClean="0">
+                          <a:latin typeface="Cambria Math" panose="02040503050406030204" pitchFamily="18" charset="0"/>
+                        </a:rPr>
+                        <m:t>=40 </m:t>
+                      </m:r>
+                      <m:r>
+                        <a:rPr lang="tr-TR" b="0" i="1" smtClean="0">
+                          <a:latin typeface="Cambria Math" panose="02040503050406030204" pitchFamily="18" charset="0"/>
+                        </a:rPr>
+                        <m:t>𝐴</m:t>
+                      </m:r>
+                    </m:oMath>
+                  </m:oMathPara>
+                </a14:m>
+                <a:endParaRPr lang="tr-TR" dirty="0"/>
+              </a:p>
+            </p:txBody>
+          </p:sp>
+        </mc:Choice>
+        <mc:Fallback>
+          <p:sp>
+            <p:nvSpPr>
+              <p:cNvPr id="12" name="TextBox 11"/>
+              <p:cNvSpPr txBox="1">
+                <a:spLocks noRot="1" noChangeAspect="1" noMove="1" noResize="1" noEditPoints="1" noAdjustHandles="1" noChangeArrowheads="1" noChangeShapeType="1" noTextEdit="1"/>
+              </p:cNvSpPr>
+              <p:nvPr/>
+            </p:nvSpPr>
+            <p:spPr>
+              <a:xfrm>
+                <a:off x="1041888" y="4187864"/>
+                <a:ext cx="2941383" cy="333938"/>
+              </a:xfrm>
+              <a:prstGeom prst="rect">
+                <a:avLst/>
+              </a:prstGeom>
+              <a:blipFill>
+                <a:blip r:embed="rId3"/>
+                <a:stretch>
+                  <a:fillRect l="-1452" r="-1452" b="-18182"/>
+                </a:stretch>
+              </a:blipFill>
+            </p:spPr>
+            <p:txBody>
+              <a:bodyPr/>
+              <a:lstStyle/>
+              <a:p>
+                <a:r>
+                  <a:rPr lang="tr-TR">
+                    <a:noFill/>
+                  </a:rPr>
+                  <a:t> </a:t>
+                </a:r>
+              </a:p>
+            </p:txBody>
+          </p:sp>
+        </mc:Fallback>
+      </mc:AlternateContent>
+      <mc:AlternateContent xmlns:mc="http://schemas.openxmlformats.org/markup-compatibility/2006">
+        <mc:Choice xmlns:a14="http://schemas.microsoft.com/office/drawing/2010/main" Requires="a14">
+          <p:sp>
+            <p:nvSpPr>
+              <p:cNvPr id="13" name="TextBox 12"/>
+              <p:cNvSpPr txBox="1"/>
+              <p:nvPr/>
+            </p:nvSpPr>
+            <p:spPr>
+              <a:xfrm>
+                <a:off x="1041887" y="4664910"/>
+                <a:ext cx="5511765" cy="334772"/>
+              </a:xfrm>
+              <a:prstGeom prst="rect">
+                <a:avLst/>
+              </a:prstGeom>
+              <a:noFill/>
+            </p:spPr>
+            <p:txBody>
+              <a:bodyPr wrap="none" lIns="0" tIns="0" rIns="0" bIns="0" rtlCol="0">
+                <a:spAutoFit/>
+              </a:bodyPr>
+              <a:lstStyle/>
+              <a:p>
+                <a14:m>
+                  <m:oMathPara xmlns:m="http://schemas.openxmlformats.org/officeDocument/2006/math">
+                    <m:oMathParaPr>
+                      <m:jc m:val="centerGroup"/>
+                    </m:oMathParaPr>
+                    <m:oMath xmlns:m="http://schemas.openxmlformats.org/officeDocument/2006/math">
+                      <m:sSub>
+                        <m:sSubPr>
+                          <m:ctrlPr>
+                            <a:rPr lang="tr-TR" b="0" i="1" smtClean="0">
+                              <a:latin typeface="Cambria Math" panose="02040503050406030204" pitchFamily="18" charset="0"/>
+                            </a:rPr>
+                          </m:ctrlPr>
+                        </m:sSubPr>
+                        <m:e>
+                          <m:r>
+                            <a:rPr lang="tr-TR" b="0" i="1" smtClean="0">
+                              <a:latin typeface="Cambria Math" panose="02040503050406030204" pitchFamily="18" charset="0"/>
+                            </a:rPr>
+                            <m:t>𝐼</m:t>
+                          </m:r>
+                        </m:e>
+                        <m:sub>
+                          <m:sSub>
+                            <m:sSubPr>
+                              <m:ctrlPr>
+                                <a:rPr lang="tr-TR" b="0" i="1" smtClean="0">
+                                  <a:latin typeface="Cambria Math" panose="02040503050406030204" pitchFamily="18" charset="0"/>
+                                </a:rPr>
+                              </m:ctrlPr>
+                            </m:sSubPr>
+                            <m:e>
+                              <m:r>
+                                <a:rPr lang="tr-TR" b="0" i="1" smtClean="0">
+                                  <a:latin typeface="Cambria Math" panose="02040503050406030204" pitchFamily="18" charset="0"/>
+                                </a:rPr>
+                                <m:t>𝐶</m:t>
+                              </m:r>
+                            </m:e>
+                            <m:sub>
+                              <m:r>
+                                <a:rPr lang="tr-TR" b="0" i="1" smtClean="0">
+                                  <a:latin typeface="Cambria Math" panose="02040503050406030204" pitchFamily="18" charset="0"/>
+                                </a:rPr>
+                                <m:t>𝑝𝑝</m:t>
+                              </m:r>
+                            </m:sub>
+                          </m:sSub>
+                        </m:sub>
+                      </m:sSub>
+                      <m:r>
+                        <a:rPr lang="tr-TR" b="0" i="1" smtClean="0">
+                          <a:latin typeface="Cambria Math" panose="02040503050406030204" pitchFamily="18" charset="0"/>
+                        </a:rPr>
+                        <m:t>=80 </m:t>
+                      </m:r>
+                      <m:r>
+                        <a:rPr lang="tr-TR" b="0" i="1" smtClean="0">
+                          <a:latin typeface="Cambria Math" panose="02040503050406030204" pitchFamily="18" charset="0"/>
+                        </a:rPr>
+                        <m:t>𝐴𝑝𝑝</m:t>
+                      </m:r>
+                      <m:r>
+                        <a:rPr lang="tr-TR" b="0" i="1" smtClean="0">
+                          <a:latin typeface="Cambria Math" panose="02040503050406030204" pitchFamily="18" charset="0"/>
+                        </a:rPr>
+                        <m:t> @ 100 </m:t>
+                      </m:r>
+                      <m:r>
+                        <a:rPr lang="tr-TR" b="0" i="1" smtClean="0">
+                          <a:latin typeface="Cambria Math" panose="02040503050406030204" pitchFamily="18" charset="0"/>
+                        </a:rPr>
+                        <m:t>𝑘𝐻𝑧</m:t>
+                      </m:r>
+                      <m:r>
+                        <a:rPr lang="tr-TR" b="0" i="1" smtClean="0">
+                          <a:latin typeface="Cambria Math" panose="02040503050406030204" pitchFamily="18" charset="0"/>
+                        </a:rPr>
+                        <m:t> →</m:t>
+                      </m:r>
+                      <m:sSubSup>
+                        <m:sSubSupPr>
+                          <m:ctrlPr>
+                            <a:rPr lang="tr-TR" b="0" i="1" smtClean="0">
+                              <a:latin typeface="Cambria Math" panose="02040503050406030204" pitchFamily="18" charset="0"/>
+                            </a:rPr>
+                          </m:ctrlPr>
+                        </m:sSubSupPr>
+                        <m:e>
+                          <m:r>
+                            <a:rPr lang="tr-TR" b="0" i="1" smtClean="0">
+                              <a:latin typeface="Cambria Math" panose="02040503050406030204" pitchFamily="18" charset="0"/>
+                            </a:rPr>
+                            <m:t>𝐼</m:t>
+                          </m:r>
+                        </m:e>
+                        <m:sub>
+                          <m:sSub>
+                            <m:sSubPr>
+                              <m:ctrlPr>
+                                <a:rPr lang="tr-TR" b="0" i="1" smtClean="0">
+                                  <a:latin typeface="Cambria Math" panose="02040503050406030204" pitchFamily="18" charset="0"/>
+                                </a:rPr>
+                              </m:ctrlPr>
+                            </m:sSubPr>
+                            <m:e>
+                              <m:r>
+                                <a:rPr lang="tr-TR" b="0" i="1" smtClean="0">
+                                  <a:latin typeface="Cambria Math" panose="02040503050406030204" pitchFamily="18" charset="0"/>
+                                </a:rPr>
+                                <m:t>𝐶</m:t>
+                              </m:r>
+                            </m:e>
+                            <m:sub>
+                              <m:r>
+                                <a:rPr lang="tr-TR" b="0" i="1" smtClean="0">
+                                  <a:latin typeface="Cambria Math" panose="02040503050406030204" pitchFamily="18" charset="0"/>
+                                </a:rPr>
+                                <m:t>𝑝𝑝</m:t>
+                              </m:r>
+                            </m:sub>
+                          </m:sSub>
+                        </m:sub>
+                        <m:sup>
+                          <m:r>
+                            <a:rPr lang="tr-TR" b="0" i="1" smtClean="0">
+                              <a:latin typeface="Cambria Math" panose="02040503050406030204" pitchFamily="18" charset="0"/>
+                            </a:rPr>
+                            <m:t>∗</m:t>
+                          </m:r>
+                        </m:sup>
+                      </m:sSubSup>
+                      <m:r>
+                        <a:rPr lang="tr-TR" b="0" i="1" smtClean="0">
+                          <a:latin typeface="Cambria Math" panose="02040503050406030204" pitchFamily="18" charset="0"/>
+                        </a:rPr>
+                        <m:t>=26 </m:t>
+                      </m:r>
+                      <m:r>
+                        <a:rPr lang="tr-TR" b="0" i="1" smtClean="0">
+                          <a:latin typeface="Cambria Math" panose="02040503050406030204" pitchFamily="18" charset="0"/>
+                        </a:rPr>
+                        <m:t>𝐴𝑝𝑝</m:t>
+                      </m:r>
+                      <m:r>
+                        <a:rPr lang="tr-TR" b="0" i="1" smtClean="0">
+                          <a:latin typeface="Cambria Math" panose="02040503050406030204" pitchFamily="18" charset="0"/>
+                        </a:rPr>
+                        <m:t> @ 200 </m:t>
+                      </m:r>
+                      <m:r>
+                        <a:rPr lang="tr-TR" b="0" i="1" smtClean="0">
+                          <a:latin typeface="Cambria Math" panose="02040503050406030204" pitchFamily="18" charset="0"/>
+                        </a:rPr>
+                        <m:t>𝑘𝐻𝑧</m:t>
+                      </m:r>
+                    </m:oMath>
+                  </m:oMathPara>
+                </a14:m>
+                <a:endParaRPr lang="tr-TR" dirty="0"/>
+              </a:p>
+            </p:txBody>
+          </p:sp>
+        </mc:Choice>
+        <mc:Fallback>
+          <p:sp>
+            <p:nvSpPr>
+              <p:cNvPr id="13" name="TextBox 12"/>
+              <p:cNvSpPr txBox="1">
+                <a:spLocks noRot="1" noChangeAspect="1" noMove="1" noResize="1" noEditPoints="1" noAdjustHandles="1" noChangeArrowheads="1" noChangeShapeType="1" noTextEdit="1"/>
+              </p:cNvSpPr>
+              <p:nvPr/>
+            </p:nvSpPr>
+            <p:spPr>
+              <a:xfrm>
+                <a:off x="1041887" y="4664910"/>
+                <a:ext cx="5511765" cy="334772"/>
+              </a:xfrm>
+              <a:prstGeom prst="rect">
+                <a:avLst/>
+              </a:prstGeom>
+              <a:blipFill>
+                <a:blip r:embed="rId4"/>
+                <a:stretch>
+                  <a:fillRect l="-553" r="-553" b="-18182"/>
+                </a:stretch>
+              </a:blipFill>
+            </p:spPr>
+            <p:txBody>
+              <a:bodyPr/>
+              <a:lstStyle/>
+              <a:p>
+                <a:r>
+                  <a:rPr lang="tr-TR">
+                    <a:noFill/>
+                  </a:rPr>
+                  <a:t> </a:t>
+                </a:r>
+              </a:p>
+            </p:txBody>
+          </p:sp>
+        </mc:Fallback>
+      </mc:AlternateContent>
+    </p:spTree>
+    <p:extLst>
+      <p:ext uri="{BB962C8B-B14F-4D97-AF65-F5344CB8AC3E}">
+        <p14:creationId xmlns:p14="http://schemas.microsoft.com/office/powerpoint/2010/main" val="3550477216"/>
+      </p:ext>
+    </p:extLst>
+  </p:cSld>
+  <p:clrMapOvr>
+    <a:masterClrMapping/>
+  </p:clrMapOvr>
+</p:sld>
+</file>
+
+<file path=ppt/slides/slide14.xml><?xml version="1.0" encoding="utf-8"?>
+<p:sld xmlns:a="http://schemas.openxmlformats.org/drawingml/2006/main" xmlns:r="http://schemas.openxmlformats.org/officeDocument/2006/relationships" xmlns:p="http://schemas.openxmlformats.org/presentationml/2006/main">
+  <p:cSld>
+    <p:spTree>
+      <p:nvGrpSpPr>
+        <p:cNvPr id="1" name=""/>
+        <p:cNvGrpSpPr/>
+        <p:nvPr/>
+      </p:nvGrpSpPr>
+      <p:grpSpPr>
+        <a:xfrm>
+          <a:off x="0" y="0"/>
+          <a:ext cx="0" cy="0"/>
+          <a:chOff x="0" y="0"/>
+          <a:chExt cx="0" cy="0"/>
+        </a:xfrm>
+      </p:grpSpPr>
+      <p:pic>
+        <p:nvPicPr>
+          <p:cNvPr id="12" name="Picture 11"/>
+          <p:cNvPicPr>
+            <a:picLocks noChangeAspect="1"/>
+          </p:cNvPicPr>
+          <p:nvPr/>
+        </p:nvPicPr>
+        <p:blipFill>
+          <a:blip r:embed="rId2"/>
+          <a:stretch>
+            <a:fillRect/>
+          </a:stretch>
+        </p:blipFill>
+        <p:spPr>
+          <a:xfrm>
+            <a:off x="6348412" y="1822849"/>
+            <a:ext cx="4524375" cy="3838575"/>
+          </a:xfrm>
+          <a:prstGeom prst="rect">
+            <a:avLst/>
+          </a:prstGeom>
+        </p:spPr>
+      </p:pic>
+      <p:pic>
+        <p:nvPicPr>
+          <p:cNvPr id="8" name="Picture 7"/>
+          <p:cNvPicPr>
+            <a:picLocks noChangeAspect="1"/>
+          </p:cNvPicPr>
+          <p:nvPr/>
+        </p:nvPicPr>
+        <p:blipFill>
+          <a:blip r:embed="rId3"/>
+          <a:stretch>
+            <a:fillRect/>
+          </a:stretch>
+        </p:blipFill>
+        <p:spPr>
+          <a:xfrm>
+            <a:off x="730127" y="1822849"/>
+            <a:ext cx="4524375" cy="3838575"/>
+          </a:xfrm>
+          <a:prstGeom prst="rect">
+            <a:avLst/>
+          </a:prstGeom>
+        </p:spPr>
+      </p:pic>
+      <p:sp>
+        <p:nvSpPr>
+          <p:cNvPr id="4" name="Slide Number Placeholder 3"/>
+          <p:cNvSpPr>
+            <a:spLocks noGrp="1"/>
+          </p:cNvSpPr>
+          <p:nvPr>
+            <p:ph type="sldNum" sz="quarter" idx="12"/>
+          </p:nvPr>
+        </p:nvSpPr>
+        <p:spPr/>
+        <p:txBody>
+          <a:bodyPr/>
+          <a:lstStyle/>
+          <a:p>
+            <a:fld id="{178508F5-8E49-4F57-B165-331DE2AB85B8}" type="slidenum">
+              <a:rPr lang="tr-TR" sz="1800" smtClean="0"/>
+              <a:t>14</a:t>
+            </a:fld>
+            <a:endParaRPr lang="tr-TR" dirty="0"/>
+          </a:p>
+        </p:txBody>
+      </p:sp>
+      <p:sp>
+        <p:nvSpPr>
+          <p:cNvPr id="5" name="TextBox 4"/>
+          <p:cNvSpPr txBox="1"/>
+          <p:nvPr/>
+        </p:nvSpPr>
+        <p:spPr>
+          <a:xfrm>
+            <a:off x="562707" y="316523"/>
+            <a:ext cx="2558562" cy="461665"/>
+          </a:xfrm>
+          <a:prstGeom prst="rect">
+            <a:avLst/>
+          </a:prstGeom>
+          <a:noFill/>
+        </p:spPr>
+        <p:txBody>
+          <a:bodyPr wrap="square" rtlCol="0">
+            <a:spAutoFit/>
+          </a:bodyPr>
+          <a:lstStyle/>
+          <a:p>
+            <a:r>
+              <a:rPr lang="tr-TR" sz="2400" dirty="0" smtClean="0"/>
+              <a:t>Simulation Study</a:t>
+            </a:r>
+            <a:endParaRPr lang="tr-TR" sz="2400" dirty="0"/>
+          </a:p>
+        </p:txBody>
+      </p:sp>
+      <p:sp>
+        <p:nvSpPr>
+          <p:cNvPr id="2" name="TextBox 1"/>
+          <p:cNvSpPr txBox="1"/>
+          <p:nvPr/>
+        </p:nvSpPr>
+        <p:spPr>
+          <a:xfrm>
+            <a:off x="3800475" y="85690"/>
+            <a:ext cx="3419475" cy="1477328"/>
+          </a:xfrm>
+          <a:prstGeom prst="rect">
+            <a:avLst/>
+          </a:prstGeom>
+          <a:noFill/>
+        </p:spPr>
+        <p:txBody>
+          <a:bodyPr wrap="square" rtlCol="0">
+            <a:spAutoFit/>
+          </a:bodyPr>
+          <a:lstStyle/>
+          <a:p>
+            <a:r>
+              <a:rPr lang="tr-TR" dirty="0" smtClean="0"/>
+              <a:t>K = 4 -&gt; Synch. switch</a:t>
+            </a:r>
+            <a:r>
+              <a:rPr lang="tr-TR" b="1" dirty="0" smtClean="0"/>
+              <a:t/>
+            </a:r>
+            <a:br>
+              <a:rPr lang="tr-TR" b="1" dirty="0" smtClean="0"/>
+            </a:br>
+            <a:r>
+              <a:rPr lang="tr-TR" dirty="0" smtClean="0"/>
+              <a:t>Vin = 540V</a:t>
+            </a:r>
+          </a:p>
+          <a:p>
+            <a:r>
+              <a:rPr lang="tr-TR" dirty="0" smtClean="0"/>
+              <a:t>Vout </a:t>
+            </a:r>
+            <a:r>
+              <a:rPr lang="tr-TR" dirty="0"/>
+              <a:t>= </a:t>
+            </a:r>
+            <a:r>
+              <a:rPr lang="tr-TR" dirty="0" smtClean="0"/>
+              <a:t>400V, Pout = 8 kW </a:t>
+            </a:r>
+          </a:p>
+          <a:p>
+            <a:r>
+              <a:rPr lang="tr-TR" dirty="0"/>
+              <a:t>fsw = 100 </a:t>
+            </a:r>
+            <a:r>
+              <a:rPr lang="tr-TR" dirty="0" smtClean="0"/>
+              <a:t>kHz, Tj = 125˚C</a:t>
+            </a:r>
+          </a:p>
+          <a:p>
+            <a:r>
+              <a:rPr lang="tr-TR" dirty="0" smtClean="0"/>
+              <a:t>With </a:t>
+            </a:r>
+            <a:r>
+              <a:rPr lang="tr-TR" b="1" dirty="0" smtClean="0"/>
+              <a:t>Interleaving</a:t>
+            </a:r>
+            <a:endParaRPr lang="tr-TR" b="1" dirty="0"/>
+          </a:p>
+        </p:txBody>
+      </p:sp>
+      <p:sp>
+        <p:nvSpPr>
+          <p:cNvPr id="9" name="TextBox 8"/>
+          <p:cNvSpPr txBox="1"/>
+          <p:nvPr/>
+        </p:nvSpPr>
+        <p:spPr>
+          <a:xfrm>
+            <a:off x="2324100" y="1126093"/>
+            <a:ext cx="1943100" cy="369332"/>
+          </a:xfrm>
+          <a:prstGeom prst="rect">
+            <a:avLst/>
+          </a:prstGeom>
+          <a:noFill/>
+        </p:spPr>
+        <p:txBody>
+          <a:bodyPr wrap="square" rtlCol="0">
+            <a:spAutoFit/>
+          </a:bodyPr>
+          <a:lstStyle/>
+          <a:p>
+            <a:r>
+              <a:rPr lang="tr-TR" dirty="0" smtClean="0"/>
+              <a:t>Top Switch</a:t>
+            </a:r>
+            <a:endParaRPr lang="tr-TR" dirty="0"/>
+          </a:p>
+        </p:txBody>
+      </p:sp>
+      <p:sp>
+        <p:nvSpPr>
+          <p:cNvPr id="10" name="TextBox 9"/>
+          <p:cNvSpPr txBox="1"/>
+          <p:nvPr/>
+        </p:nvSpPr>
+        <p:spPr>
+          <a:xfrm>
+            <a:off x="2676525" y="2343150"/>
+            <a:ext cx="2247900" cy="830997"/>
+          </a:xfrm>
+          <a:prstGeom prst="rect">
+            <a:avLst/>
+          </a:prstGeom>
+          <a:noFill/>
+        </p:spPr>
+        <p:txBody>
+          <a:bodyPr wrap="square" rtlCol="0">
+            <a:spAutoFit/>
+          </a:bodyPr>
+          <a:lstStyle/>
+          <a:p>
+            <a:r>
+              <a:rPr lang="tr-TR" sz="2400" dirty="0" smtClean="0"/>
+              <a:t>Power Loss</a:t>
+            </a:r>
+            <a:br>
+              <a:rPr lang="tr-TR" sz="2400" dirty="0" smtClean="0"/>
+            </a:br>
+            <a:r>
+              <a:rPr lang="tr-TR" sz="2400" b="1" dirty="0" smtClean="0"/>
+              <a:t>5.2144 W</a:t>
+            </a:r>
+            <a:endParaRPr lang="tr-TR" sz="2400" b="1" dirty="0"/>
+          </a:p>
+        </p:txBody>
+      </p:sp>
+      <p:sp>
+        <p:nvSpPr>
+          <p:cNvPr id="13" name="TextBox 12"/>
+          <p:cNvSpPr txBox="1"/>
+          <p:nvPr/>
+        </p:nvSpPr>
+        <p:spPr>
+          <a:xfrm>
+            <a:off x="8277225" y="1149350"/>
+            <a:ext cx="1943100" cy="369332"/>
+          </a:xfrm>
+          <a:prstGeom prst="rect">
+            <a:avLst/>
+          </a:prstGeom>
+          <a:noFill/>
+        </p:spPr>
+        <p:txBody>
+          <a:bodyPr wrap="square" rtlCol="0">
+            <a:spAutoFit/>
+          </a:bodyPr>
+          <a:lstStyle/>
+          <a:p>
+            <a:r>
+              <a:rPr lang="tr-TR" dirty="0" smtClean="0"/>
+              <a:t>Bottom Switch</a:t>
+            </a:r>
+            <a:endParaRPr lang="tr-TR" dirty="0"/>
+          </a:p>
+        </p:txBody>
+      </p:sp>
+      <p:sp>
+        <p:nvSpPr>
+          <p:cNvPr id="14" name="TextBox 13"/>
+          <p:cNvSpPr txBox="1"/>
+          <p:nvPr/>
+        </p:nvSpPr>
+        <p:spPr>
+          <a:xfrm>
+            <a:off x="8858250" y="2343150"/>
+            <a:ext cx="2247900" cy="830997"/>
+          </a:xfrm>
+          <a:prstGeom prst="rect">
+            <a:avLst/>
+          </a:prstGeom>
+          <a:noFill/>
+        </p:spPr>
+        <p:txBody>
+          <a:bodyPr wrap="square" rtlCol="0">
+            <a:spAutoFit/>
+          </a:bodyPr>
+          <a:lstStyle/>
+          <a:p>
+            <a:r>
+              <a:rPr lang="tr-TR" sz="2400" dirty="0" smtClean="0"/>
+              <a:t>Power Loss</a:t>
+            </a:r>
+            <a:br>
+              <a:rPr lang="tr-TR" sz="2400" dirty="0" smtClean="0"/>
+            </a:br>
+            <a:r>
+              <a:rPr lang="tr-TR" sz="2400" b="1" dirty="0" smtClean="0"/>
+              <a:t>2.0775 W</a:t>
+            </a:r>
+            <a:endParaRPr lang="tr-TR" sz="2400" b="1" dirty="0"/>
+          </a:p>
+        </p:txBody>
+      </p:sp>
+      <p:sp>
+        <p:nvSpPr>
+          <p:cNvPr id="15" name="TextBox 14"/>
+          <p:cNvSpPr txBox="1"/>
+          <p:nvPr/>
+        </p:nvSpPr>
+        <p:spPr>
+          <a:xfrm>
+            <a:off x="3433763" y="6198255"/>
+            <a:ext cx="5695950" cy="523220"/>
+          </a:xfrm>
+          <a:prstGeom prst="rect">
+            <a:avLst/>
+          </a:prstGeom>
+          <a:noFill/>
+        </p:spPr>
+        <p:txBody>
+          <a:bodyPr wrap="square" rtlCol="0">
+            <a:spAutoFit/>
+          </a:bodyPr>
+          <a:lstStyle/>
+          <a:p>
+            <a:r>
+              <a:rPr lang="tr-TR" sz="2800" b="1" dirty="0" smtClean="0"/>
+              <a:t>Total Transistor Loss = 29.1676 W</a:t>
+            </a:r>
+            <a:endParaRPr lang="tr-TR" sz="2800" b="1" dirty="0"/>
+          </a:p>
+        </p:txBody>
+      </p:sp>
+      <p:sp>
+        <p:nvSpPr>
+          <p:cNvPr id="16" name="TextBox 15"/>
+          <p:cNvSpPr txBox="1"/>
+          <p:nvPr/>
+        </p:nvSpPr>
+        <p:spPr>
+          <a:xfrm>
+            <a:off x="7538854" y="447378"/>
+            <a:ext cx="3419841" cy="461665"/>
+          </a:xfrm>
+          <a:prstGeom prst="rect">
+            <a:avLst/>
+          </a:prstGeom>
+          <a:noFill/>
+        </p:spPr>
+        <p:txBody>
+          <a:bodyPr wrap="square" rtlCol="0">
+            <a:spAutoFit/>
+          </a:bodyPr>
+          <a:lstStyle/>
+          <a:p>
+            <a:r>
+              <a:rPr lang="tr-TR" sz="2400" b="1" dirty="0" smtClean="0"/>
+              <a:t>26 App Ripple @ 200 kHz</a:t>
+            </a:r>
+            <a:endParaRPr lang="tr-TR" sz="2400" b="1" dirty="0"/>
+          </a:p>
+        </p:txBody>
+      </p:sp>
+      <p:sp>
+        <p:nvSpPr>
+          <p:cNvPr id="11" name="TextBox 10"/>
+          <p:cNvSpPr txBox="1"/>
+          <p:nvPr/>
+        </p:nvSpPr>
+        <p:spPr>
+          <a:xfrm>
+            <a:off x="8515349" y="6198255"/>
+            <a:ext cx="857251" cy="523220"/>
+          </a:xfrm>
+          <a:prstGeom prst="rect">
+            <a:avLst/>
+          </a:prstGeom>
+          <a:noFill/>
+        </p:spPr>
+        <p:txBody>
+          <a:bodyPr wrap="square" rtlCol="0">
+            <a:spAutoFit/>
+          </a:bodyPr>
+          <a:lstStyle/>
+          <a:p>
+            <a:r>
+              <a:rPr lang="tr-TR" sz="2800" b="1" dirty="0" smtClean="0">
+                <a:solidFill>
+                  <a:srgbClr val="00B050"/>
+                </a:solidFill>
+              </a:rPr>
+              <a:t>%15 </a:t>
+            </a:r>
+            <a:endParaRPr lang="tr-TR" sz="2800" b="1" dirty="0">
+              <a:solidFill>
+                <a:srgbClr val="00B050"/>
+              </a:solidFill>
+            </a:endParaRPr>
+          </a:p>
+        </p:txBody>
+      </p:sp>
+      <p:sp>
+        <p:nvSpPr>
+          <p:cNvPr id="17" name="Down Arrow 16"/>
+          <p:cNvSpPr/>
+          <p:nvPr/>
+        </p:nvSpPr>
+        <p:spPr>
+          <a:xfrm>
+            <a:off x="9248775" y="6267450"/>
+            <a:ext cx="276225" cy="454025"/>
+          </a:xfrm>
+          <a:prstGeom prst="downArrow">
+            <a:avLst/>
+          </a:prstGeom>
+          <a:solidFill>
+            <a:srgbClr val="00B050"/>
+          </a:solidFill>
+          <a:ln>
+            <a:solidFill>
+              <a:srgbClr val="00B050"/>
+            </a:solidFill>
+          </a:ln>
+        </p:spPr>
+        <p:style>
+          <a:lnRef idx="2">
+            <a:schemeClr val="accent1">
+              <a:shade val="50000"/>
+            </a:schemeClr>
+          </a:lnRef>
+          <a:fillRef idx="1">
+            <a:schemeClr val="accent1"/>
+          </a:fillRef>
+          <a:effectRef idx="0">
+            <a:schemeClr val="accent1"/>
+          </a:effectRef>
+          <a:fontRef idx="minor">
+            <a:schemeClr val="lt1"/>
+          </a:fontRef>
+        </p:style>
+        <p:txBody>
+          <a:bodyPr rtlCol="0" anchor="ctr"/>
+          <a:lstStyle/>
+          <a:p>
+            <a:pPr algn="ctr"/>
+            <a:endParaRPr lang="tr-TR"/>
+          </a:p>
+        </p:txBody>
+      </p:sp>
+    </p:spTree>
+    <p:extLst>
+      <p:ext uri="{BB962C8B-B14F-4D97-AF65-F5344CB8AC3E}">
+        <p14:creationId xmlns:p14="http://schemas.microsoft.com/office/powerpoint/2010/main" val="1500972403"/>
+      </p:ext>
+    </p:extLst>
+  </p:cSld>
+  <p:clrMapOvr>
+    <a:masterClrMapping/>
+  </p:clrMapOvr>
 </p:sld>
 </file>
 
@@ -4400,6 +6903,13 @@
   <p:clrMapOvr>
     <a:masterClrMapping/>
   </p:clrMapOvr>
+  <p:timing>
+    <p:tnLst>
+      <p:par>
+        <p:cTn id="1" dur="indefinite" restart="never" nodeType="tmRoot"/>
+      </p:par>
+    </p:tnLst>
+  </p:timing>
 </p:sld>
 </file>
 
@@ -4863,6 +7373,13 @@
   <p:clrMapOvr>
     <a:masterClrMapping/>
   </p:clrMapOvr>
+  <p:timing>
+    <p:tnLst>
+      <p:par>
+        <p:cTn id="1" dur="indefinite" restart="never" nodeType="tmRoot"/>
+      </p:par>
+    </p:tnLst>
+  </p:timing>
 </p:sld>
 </file>
 
@@ -5163,6 +7680,13 @@
   <p:clrMapOvr>
     <a:masterClrMapping/>
   </p:clrMapOvr>
+  <p:timing>
+    <p:tnLst>
+      <p:par>
+        <p:cTn id="1" dur="indefinite" restart="never" nodeType="tmRoot"/>
+      </p:par>
+    </p:tnLst>
+  </p:timing>
 </p:sld>
 </file>
 
@@ -5507,6 +8031,13 @@
   <p:clrMapOvr>
     <a:masterClrMapping/>
   </p:clrMapOvr>
+  <p:timing>
+    <p:tnLst>
+      <p:par>
+        <p:cTn id="1" dur="indefinite" restart="never" nodeType="tmRoot"/>
+      </p:par>
+    </p:tnLst>
+  </p:timing>
 </p:sld>
 </file>
 
@@ -5803,6 +8334,13 @@
   <p:clrMapOvr>
     <a:masterClrMapping/>
   </p:clrMapOvr>
+  <p:timing>
+    <p:tnLst>
+      <p:par>
+        <p:cTn id="1" dur="indefinite" restart="never" nodeType="tmRoot"/>
+      </p:par>
+    </p:tnLst>
+  </p:timing>
 </p:sld>
 </file>
 
@@ -6141,6 +8679,510 @@
     <p:extLst>
       <p:ext uri="{BB962C8B-B14F-4D97-AF65-F5344CB8AC3E}">
         <p14:creationId xmlns:p14="http://schemas.microsoft.com/office/powerpoint/2010/main" val="3133860449"/>
+      </p:ext>
+    </p:extLst>
+  </p:cSld>
+  <p:clrMapOvr>
+    <a:masterClrMapping/>
+  </p:clrMapOvr>
+  <p:timing>
+    <p:tnLst>
+      <p:par>
+        <p:cTn id="1" dur="indefinite" restart="never" nodeType="tmRoot"/>
+      </p:par>
+    </p:tnLst>
+  </p:timing>
+</p:sld>
+</file>
+
+<file path=ppt/slides/slide8.xml><?xml version="1.0" encoding="utf-8"?>
+<p:sld xmlns:a="http://schemas.openxmlformats.org/drawingml/2006/main" xmlns:r="http://schemas.openxmlformats.org/officeDocument/2006/relationships" xmlns:p="http://schemas.openxmlformats.org/presentationml/2006/main">
+  <p:cSld>
+    <p:spTree>
+      <p:nvGrpSpPr>
+        <p:cNvPr id="1" name=""/>
+        <p:cNvGrpSpPr/>
+        <p:nvPr/>
+      </p:nvGrpSpPr>
+      <p:grpSpPr>
+        <a:xfrm>
+          <a:off x="0" y="0"/>
+          <a:ext cx="0" cy="0"/>
+          <a:chOff x="0" y="0"/>
+          <a:chExt cx="0" cy="0"/>
+        </a:xfrm>
+      </p:grpSpPr>
+      <p:sp>
+        <p:nvSpPr>
+          <p:cNvPr id="4" name="Slide Number Placeholder 3"/>
+          <p:cNvSpPr>
+            <a:spLocks noGrp="1"/>
+          </p:cNvSpPr>
+          <p:nvPr>
+            <p:ph type="sldNum" sz="quarter" idx="12"/>
+          </p:nvPr>
+        </p:nvSpPr>
+        <p:spPr/>
+        <p:txBody>
+          <a:bodyPr/>
+          <a:lstStyle/>
+          <a:p>
+            <a:fld id="{178508F5-8E49-4F57-B165-331DE2AB85B8}" type="slidenum">
+              <a:rPr lang="tr-TR" sz="1800" smtClean="0"/>
+              <a:t>8</a:t>
+            </a:fld>
+            <a:endParaRPr lang="tr-TR" sz="1800" dirty="0"/>
+          </a:p>
+        </p:txBody>
+      </p:sp>
+      <p:sp>
+        <p:nvSpPr>
+          <p:cNvPr id="5" name="TextBox 4"/>
+          <p:cNvSpPr txBox="1"/>
+          <p:nvPr/>
+        </p:nvSpPr>
+        <p:spPr>
+          <a:xfrm>
+            <a:off x="562707" y="316523"/>
+            <a:ext cx="2558562" cy="461665"/>
+          </a:xfrm>
+          <a:prstGeom prst="rect">
+            <a:avLst/>
+          </a:prstGeom>
+          <a:noFill/>
+        </p:spPr>
+        <p:txBody>
+          <a:bodyPr wrap="square" rtlCol="0">
+            <a:spAutoFit/>
+          </a:bodyPr>
+          <a:lstStyle/>
+          <a:p>
+            <a:r>
+              <a:rPr lang="tr-TR" sz="2400" dirty="0" smtClean="0"/>
+              <a:t>Simulation Study</a:t>
+            </a:r>
+            <a:endParaRPr lang="tr-TR" sz="2400" dirty="0"/>
+          </a:p>
+        </p:txBody>
+      </p:sp>
+      <p:pic>
+        <p:nvPicPr>
+          <p:cNvPr id="7" name="Picture 6"/>
+          <p:cNvPicPr>
+            <a:picLocks noChangeAspect="1"/>
+          </p:cNvPicPr>
+          <p:nvPr/>
+        </p:nvPicPr>
+        <p:blipFill>
+          <a:blip r:embed="rId2"/>
+          <a:stretch>
+            <a:fillRect/>
+          </a:stretch>
+        </p:blipFill>
+        <p:spPr>
+          <a:xfrm>
+            <a:off x="438150" y="1037364"/>
+            <a:ext cx="11077076" cy="5211036"/>
+          </a:xfrm>
+          <a:prstGeom prst="rect">
+            <a:avLst/>
+          </a:prstGeom>
+        </p:spPr>
+      </p:pic>
+    </p:spTree>
+    <p:extLst>
+      <p:ext uri="{BB962C8B-B14F-4D97-AF65-F5344CB8AC3E}">
+        <p14:creationId xmlns:p14="http://schemas.microsoft.com/office/powerpoint/2010/main" val="2596475110"/>
+      </p:ext>
+    </p:extLst>
+  </p:cSld>
+  <p:clrMapOvr>
+    <a:masterClrMapping/>
+  </p:clrMapOvr>
+</p:sld>
+</file>
+
+<file path=ppt/slides/slide9.xml><?xml version="1.0" encoding="utf-8"?>
+<p:sld xmlns:a="http://schemas.openxmlformats.org/drawingml/2006/main" xmlns:r="http://schemas.openxmlformats.org/officeDocument/2006/relationships" xmlns:p="http://schemas.openxmlformats.org/presentationml/2006/main">
+  <p:cSld>
+    <p:spTree>
+      <p:nvGrpSpPr>
+        <p:cNvPr id="1" name=""/>
+        <p:cNvGrpSpPr/>
+        <p:nvPr/>
+      </p:nvGrpSpPr>
+      <p:grpSpPr>
+        <a:xfrm>
+          <a:off x="0" y="0"/>
+          <a:ext cx="0" cy="0"/>
+          <a:chOff x="0" y="0"/>
+          <a:chExt cx="0" cy="0"/>
+        </a:xfrm>
+      </p:grpSpPr>
+      <p:sp>
+        <p:nvSpPr>
+          <p:cNvPr id="4" name="Slide Number Placeholder 3"/>
+          <p:cNvSpPr>
+            <a:spLocks noGrp="1"/>
+          </p:cNvSpPr>
+          <p:nvPr>
+            <p:ph type="sldNum" sz="quarter" idx="12"/>
+          </p:nvPr>
+        </p:nvSpPr>
+        <p:spPr/>
+        <p:txBody>
+          <a:bodyPr/>
+          <a:lstStyle/>
+          <a:p>
+            <a:fld id="{178508F5-8E49-4F57-B165-331DE2AB85B8}" type="slidenum">
+              <a:rPr lang="tr-TR" sz="1800" smtClean="0"/>
+              <a:t>9</a:t>
+            </a:fld>
+            <a:endParaRPr lang="tr-TR" dirty="0"/>
+          </a:p>
+        </p:txBody>
+      </p:sp>
+      <p:sp>
+        <p:nvSpPr>
+          <p:cNvPr id="5" name="TextBox 4"/>
+          <p:cNvSpPr txBox="1"/>
+          <p:nvPr/>
+        </p:nvSpPr>
+        <p:spPr>
+          <a:xfrm>
+            <a:off x="562707" y="316523"/>
+            <a:ext cx="2558562" cy="461665"/>
+          </a:xfrm>
+          <a:prstGeom prst="rect">
+            <a:avLst/>
+          </a:prstGeom>
+          <a:noFill/>
+        </p:spPr>
+        <p:txBody>
+          <a:bodyPr wrap="square" rtlCol="0">
+            <a:spAutoFit/>
+          </a:bodyPr>
+          <a:lstStyle/>
+          <a:p>
+            <a:r>
+              <a:rPr lang="tr-TR" sz="2400" dirty="0" smtClean="0"/>
+              <a:t>Simulation Study</a:t>
+            </a:r>
+            <a:endParaRPr lang="tr-TR" sz="2400" dirty="0"/>
+          </a:p>
+        </p:txBody>
+      </p:sp>
+      <p:sp>
+        <p:nvSpPr>
+          <p:cNvPr id="2" name="TextBox 1"/>
+          <p:cNvSpPr txBox="1"/>
+          <p:nvPr/>
+        </p:nvSpPr>
+        <p:spPr>
+          <a:xfrm>
+            <a:off x="3800475" y="85690"/>
+            <a:ext cx="3419475" cy="1200329"/>
+          </a:xfrm>
+          <a:prstGeom prst="rect">
+            <a:avLst/>
+          </a:prstGeom>
+          <a:noFill/>
+        </p:spPr>
+        <p:txBody>
+          <a:bodyPr wrap="square" rtlCol="0">
+            <a:spAutoFit/>
+          </a:bodyPr>
+          <a:lstStyle/>
+          <a:p>
+            <a:r>
+              <a:rPr lang="tr-TR" dirty="0" smtClean="0"/>
+              <a:t>K = 0.25 -&gt; </a:t>
+            </a:r>
+            <a:r>
+              <a:rPr lang="tr-TR" b="1" dirty="0" smtClean="0"/>
+              <a:t>No synch. switch</a:t>
+            </a:r>
+            <a:br>
+              <a:rPr lang="tr-TR" b="1" dirty="0" smtClean="0"/>
+            </a:br>
+            <a:r>
+              <a:rPr lang="tr-TR" dirty="0" smtClean="0"/>
+              <a:t>Vin = 540V</a:t>
+            </a:r>
+          </a:p>
+          <a:p>
+            <a:r>
+              <a:rPr lang="tr-TR" dirty="0" smtClean="0"/>
+              <a:t>Vout </a:t>
+            </a:r>
+            <a:r>
+              <a:rPr lang="tr-TR" dirty="0"/>
+              <a:t>= </a:t>
+            </a:r>
+            <a:r>
+              <a:rPr lang="tr-TR" dirty="0" smtClean="0"/>
+              <a:t>400V, Pout = 8 kW </a:t>
+            </a:r>
+          </a:p>
+          <a:p>
+            <a:r>
+              <a:rPr lang="tr-TR" dirty="0"/>
+              <a:t>fsw = 100 </a:t>
+            </a:r>
+            <a:r>
+              <a:rPr lang="tr-TR" dirty="0" smtClean="0"/>
+              <a:t>kHz, Tj = 25˚C</a:t>
+            </a:r>
+            <a:endParaRPr lang="tr-TR" dirty="0"/>
+          </a:p>
+        </p:txBody>
+      </p:sp>
+      <p:pic>
+        <p:nvPicPr>
+          <p:cNvPr id="6" name="Picture 5"/>
+          <p:cNvPicPr>
+            <a:picLocks noChangeAspect="1"/>
+          </p:cNvPicPr>
+          <p:nvPr/>
+        </p:nvPicPr>
+        <p:blipFill>
+          <a:blip r:embed="rId2"/>
+          <a:stretch>
+            <a:fillRect/>
+          </a:stretch>
+        </p:blipFill>
+        <p:spPr>
+          <a:xfrm>
+            <a:off x="309562" y="1495425"/>
+            <a:ext cx="5200650" cy="4514850"/>
+          </a:xfrm>
+          <a:prstGeom prst="rect">
+            <a:avLst/>
+          </a:prstGeom>
+        </p:spPr>
+      </p:pic>
+      <p:sp>
+        <p:nvSpPr>
+          <p:cNvPr id="9" name="TextBox 8"/>
+          <p:cNvSpPr txBox="1"/>
+          <p:nvPr/>
+        </p:nvSpPr>
+        <p:spPr>
+          <a:xfrm>
+            <a:off x="2324100" y="1126093"/>
+            <a:ext cx="1943100" cy="369332"/>
+          </a:xfrm>
+          <a:prstGeom prst="rect">
+            <a:avLst/>
+          </a:prstGeom>
+          <a:noFill/>
+        </p:spPr>
+        <p:txBody>
+          <a:bodyPr wrap="square" rtlCol="0">
+            <a:spAutoFit/>
+          </a:bodyPr>
+          <a:lstStyle/>
+          <a:p>
+            <a:r>
+              <a:rPr lang="tr-TR" dirty="0" smtClean="0"/>
+              <a:t>Top Switch</a:t>
+            </a:r>
+            <a:endParaRPr lang="tr-TR" dirty="0"/>
+          </a:p>
+        </p:txBody>
+      </p:sp>
+      <p:sp>
+        <p:nvSpPr>
+          <p:cNvPr id="10" name="TextBox 9"/>
+          <p:cNvSpPr txBox="1"/>
+          <p:nvPr/>
+        </p:nvSpPr>
+        <p:spPr>
+          <a:xfrm>
+            <a:off x="2676525" y="2343150"/>
+            <a:ext cx="2247900" cy="830997"/>
+          </a:xfrm>
+          <a:prstGeom prst="rect">
+            <a:avLst/>
+          </a:prstGeom>
+          <a:noFill/>
+        </p:spPr>
+        <p:txBody>
+          <a:bodyPr wrap="square" rtlCol="0">
+            <a:spAutoFit/>
+          </a:bodyPr>
+          <a:lstStyle/>
+          <a:p>
+            <a:r>
+              <a:rPr lang="tr-TR" sz="2400" dirty="0" smtClean="0"/>
+              <a:t>Power Loss</a:t>
+            </a:r>
+            <a:br>
+              <a:rPr lang="tr-TR" sz="2400" dirty="0" smtClean="0"/>
+            </a:br>
+            <a:r>
+              <a:rPr lang="tr-TR" sz="2400" b="1" dirty="0" smtClean="0"/>
+              <a:t>7.1296 W</a:t>
+            </a:r>
+            <a:endParaRPr lang="tr-TR" sz="2400" b="1" dirty="0"/>
+          </a:p>
+        </p:txBody>
+      </p:sp>
+      <p:pic>
+        <p:nvPicPr>
+          <p:cNvPr id="12" name="Picture 11"/>
+          <p:cNvPicPr>
+            <a:picLocks noChangeAspect="1"/>
+          </p:cNvPicPr>
+          <p:nvPr/>
+        </p:nvPicPr>
+        <p:blipFill>
+          <a:blip r:embed="rId3"/>
+          <a:stretch>
+            <a:fillRect/>
+          </a:stretch>
+        </p:blipFill>
+        <p:spPr>
+          <a:xfrm>
+            <a:off x="6281738" y="1495425"/>
+            <a:ext cx="5200650" cy="4514850"/>
+          </a:xfrm>
+          <a:prstGeom prst="rect">
+            <a:avLst/>
+          </a:prstGeom>
+        </p:spPr>
+      </p:pic>
+      <p:sp>
+        <p:nvSpPr>
+          <p:cNvPr id="13" name="TextBox 12"/>
+          <p:cNvSpPr txBox="1"/>
+          <p:nvPr/>
+        </p:nvSpPr>
+        <p:spPr>
+          <a:xfrm>
+            <a:off x="8277225" y="1149350"/>
+            <a:ext cx="1943100" cy="369332"/>
+          </a:xfrm>
+          <a:prstGeom prst="rect">
+            <a:avLst/>
+          </a:prstGeom>
+          <a:noFill/>
+        </p:spPr>
+        <p:txBody>
+          <a:bodyPr wrap="square" rtlCol="0">
+            <a:spAutoFit/>
+          </a:bodyPr>
+          <a:lstStyle/>
+          <a:p>
+            <a:r>
+              <a:rPr lang="tr-TR" dirty="0" smtClean="0"/>
+              <a:t>Bottom Switch</a:t>
+            </a:r>
+            <a:endParaRPr lang="tr-TR" dirty="0"/>
+          </a:p>
+        </p:txBody>
+      </p:sp>
+      <p:sp>
+        <p:nvSpPr>
+          <p:cNvPr id="14" name="TextBox 13"/>
+          <p:cNvSpPr txBox="1"/>
+          <p:nvPr/>
+        </p:nvSpPr>
+        <p:spPr>
+          <a:xfrm>
+            <a:off x="9234488" y="2343150"/>
+            <a:ext cx="2247900" cy="830997"/>
+          </a:xfrm>
+          <a:prstGeom prst="rect">
+            <a:avLst/>
+          </a:prstGeom>
+          <a:noFill/>
+        </p:spPr>
+        <p:txBody>
+          <a:bodyPr wrap="square" rtlCol="0">
+            <a:spAutoFit/>
+          </a:bodyPr>
+          <a:lstStyle/>
+          <a:p>
+            <a:r>
+              <a:rPr lang="tr-TR" sz="2400" dirty="0" smtClean="0"/>
+              <a:t>Power Loss</a:t>
+            </a:r>
+            <a:br>
+              <a:rPr lang="tr-TR" sz="2400" dirty="0" smtClean="0"/>
+            </a:br>
+            <a:r>
+              <a:rPr lang="tr-TR" sz="2400" b="1" dirty="0" smtClean="0"/>
+              <a:t>0.432 W</a:t>
+            </a:r>
+            <a:endParaRPr lang="tr-TR" sz="2400" b="1" dirty="0"/>
+          </a:p>
+        </p:txBody>
+      </p:sp>
+      <p:sp>
+        <p:nvSpPr>
+          <p:cNvPr id="15" name="TextBox 14"/>
+          <p:cNvSpPr txBox="1"/>
+          <p:nvPr/>
+        </p:nvSpPr>
+        <p:spPr>
+          <a:xfrm>
+            <a:off x="3433763" y="6198255"/>
+            <a:ext cx="5695950" cy="523220"/>
+          </a:xfrm>
+          <a:prstGeom prst="rect">
+            <a:avLst/>
+          </a:prstGeom>
+          <a:noFill/>
+        </p:spPr>
+        <p:txBody>
+          <a:bodyPr wrap="square" rtlCol="0">
+            <a:spAutoFit/>
+          </a:bodyPr>
+          <a:lstStyle/>
+          <a:p>
+            <a:r>
+              <a:rPr lang="tr-TR" sz="2800" b="1" dirty="0" smtClean="0"/>
+              <a:t>Total Transistor Loss = 30.2464 W</a:t>
+            </a:r>
+            <a:endParaRPr lang="tr-TR" sz="2800" b="1" dirty="0"/>
+          </a:p>
+        </p:txBody>
+      </p:sp>
+      <p:sp>
+        <p:nvSpPr>
+          <p:cNvPr id="16" name="TextBox 15"/>
+          <p:cNvSpPr txBox="1"/>
+          <p:nvPr/>
+        </p:nvSpPr>
+        <p:spPr>
+          <a:xfrm>
+            <a:off x="8177213" y="455021"/>
+            <a:ext cx="2114550" cy="461665"/>
+          </a:xfrm>
+          <a:prstGeom prst="rect">
+            <a:avLst/>
+          </a:prstGeom>
+          <a:noFill/>
+        </p:spPr>
+        <p:txBody>
+          <a:bodyPr wrap="square" rtlCol="0">
+            <a:spAutoFit/>
+          </a:bodyPr>
+          <a:lstStyle/>
+          <a:p>
+            <a:r>
+              <a:rPr lang="tr-TR" sz="2400" b="1" dirty="0" smtClean="0"/>
+              <a:t>4 App Ripple</a:t>
+            </a:r>
+            <a:endParaRPr lang="tr-TR" sz="2400" b="1" dirty="0"/>
+          </a:p>
+        </p:txBody>
+      </p:sp>
+    </p:spTree>
+    <p:extLst>
+      <p:ext uri="{BB962C8B-B14F-4D97-AF65-F5344CB8AC3E}">
+        <p14:creationId xmlns:p14="http://schemas.microsoft.com/office/powerpoint/2010/main" val="2883659860"/>
       </p:ext>
     </p:extLst>
   </p:cSld>

--- a/Weekly Reports/2019.09.04 - 2019.09.11 Report.pptx
+++ b/Weekly Reports/2019.09.04 - 2019.09.11 Report.pptx
@@ -5,7 +5,7 @@
     <p:sldMasterId id="2147483648" r:id="rId1"/>
   </p:sldMasterIdLst>
   <p:notesMasterIdLst>
-    <p:notesMasterId r:id="rId16"/>
+    <p:notesMasterId r:id="rId26"/>
   </p:notesMasterIdLst>
   <p:sldIdLst>
     <p:sldId id="256" r:id="rId2"/>
@@ -22,6 +22,16 @@
     <p:sldId id="267" r:id="rId13"/>
     <p:sldId id="268" r:id="rId14"/>
     <p:sldId id="269" r:id="rId15"/>
+    <p:sldId id="270" r:id="rId16"/>
+    <p:sldId id="272" r:id="rId17"/>
+    <p:sldId id="271" r:id="rId18"/>
+    <p:sldId id="273" r:id="rId19"/>
+    <p:sldId id="274" r:id="rId20"/>
+    <p:sldId id="275" r:id="rId21"/>
+    <p:sldId id="276" r:id="rId22"/>
+    <p:sldId id="277" r:id="rId23"/>
+    <p:sldId id="278" r:id="rId24"/>
+    <p:sldId id="279" r:id="rId25"/>
   </p:sldIdLst>
   <p:sldSz cx="12192000" cy="6858000"/>
   <p:notesSz cx="6858000" cy="9144000"/>
@@ -210,7 +220,7 @@
           <a:p>
             <a:fld id="{6967AB47-6931-48C6-B7ED-326D1228AFBA}" type="datetimeFigureOut">
               <a:rPr lang="tr-TR" smtClean="0"/>
-              <a:t>5.09.2019</a:t>
+              <a:t>7.09.2019</a:t>
             </a:fld>
             <a:endParaRPr lang="tr-TR"/>
           </a:p>
@@ -609,7 +619,7 @@
           <a:p>
             <a:fld id="{BD3B3769-65FE-41EA-85B6-D9F2AF76CBA9}" type="datetime1">
               <a:rPr lang="tr-TR" smtClean="0"/>
-              <a:t>5.09.2019</a:t>
+              <a:t>7.09.2019</a:t>
             </a:fld>
             <a:endParaRPr lang="tr-TR"/>
           </a:p>
@@ -779,7 +789,7 @@
           <a:p>
             <a:fld id="{2962A6A9-D976-4BDA-B10C-66B2B9DE9B4C}" type="datetime1">
               <a:rPr lang="tr-TR" smtClean="0"/>
-              <a:t>5.09.2019</a:t>
+              <a:t>7.09.2019</a:t>
             </a:fld>
             <a:endParaRPr lang="tr-TR"/>
           </a:p>
@@ -959,7 +969,7 @@
           <a:p>
             <a:fld id="{5600552A-E4D4-4B40-9929-1D3FB71F71FF}" type="datetime1">
               <a:rPr lang="tr-TR" smtClean="0"/>
-              <a:t>5.09.2019</a:t>
+              <a:t>7.09.2019</a:t>
             </a:fld>
             <a:endParaRPr lang="tr-TR"/>
           </a:p>
@@ -1129,7 +1139,7 @@
           <a:p>
             <a:fld id="{F9A85ECC-3CE4-4AD0-8EC5-3A36763AA76F}" type="datetime1">
               <a:rPr lang="tr-TR" smtClean="0"/>
-              <a:t>5.09.2019</a:t>
+              <a:t>7.09.2019</a:t>
             </a:fld>
             <a:endParaRPr lang="tr-TR"/>
           </a:p>
@@ -1375,7 +1385,7 @@
           <a:p>
             <a:fld id="{39F6AA4B-9646-44CC-B325-B50A183D6636}" type="datetime1">
               <a:rPr lang="tr-TR" smtClean="0"/>
-              <a:t>5.09.2019</a:t>
+              <a:t>7.09.2019</a:t>
             </a:fld>
             <a:endParaRPr lang="tr-TR"/>
           </a:p>
@@ -1607,7 +1617,7 @@
           <a:p>
             <a:fld id="{FD69D89B-A78C-481C-B4BE-82E51E30BA9C}" type="datetime1">
               <a:rPr lang="tr-TR" smtClean="0"/>
-              <a:t>5.09.2019</a:t>
+              <a:t>7.09.2019</a:t>
             </a:fld>
             <a:endParaRPr lang="tr-TR"/>
           </a:p>
@@ -1974,7 +1984,7 @@
           <a:p>
             <a:fld id="{473BE270-57FE-4717-982D-F02DFB5BECD5}" type="datetime1">
               <a:rPr lang="tr-TR" smtClean="0"/>
-              <a:t>5.09.2019</a:t>
+              <a:t>7.09.2019</a:t>
             </a:fld>
             <a:endParaRPr lang="tr-TR"/>
           </a:p>
@@ -2092,7 +2102,7 @@
           <a:p>
             <a:fld id="{BFAEDD45-6991-4862-9E84-DDF92EF341CB}" type="datetime1">
               <a:rPr lang="tr-TR" smtClean="0"/>
-              <a:t>5.09.2019</a:t>
+              <a:t>7.09.2019</a:t>
             </a:fld>
             <a:endParaRPr lang="tr-TR"/>
           </a:p>
@@ -2187,7 +2197,7 @@
           <a:p>
             <a:fld id="{23EE56C6-14E9-4870-96BE-3550760A1300}" type="datetime1">
               <a:rPr lang="tr-TR" smtClean="0"/>
-              <a:t>5.09.2019</a:t>
+              <a:t>7.09.2019</a:t>
             </a:fld>
             <a:endParaRPr lang="tr-TR"/>
           </a:p>
@@ -2464,7 +2474,7 @@
           <a:p>
             <a:fld id="{5EB3015D-7E17-406D-9A1A-3B2ADCD0CF79}" type="datetime1">
               <a:rPr lang="tr-TR" smtClean="0"/>
-              <a:t>5.09.2019</a:t>
+              <a:t>7.09.2019</a:t>
             </a:fld>
             <a:endParaRPr lang="tr-TR"/>
           </a:p>
@@ -2717,7 +2727,7 @@
           <a:p>
             <a:fld id="{8E1B6673-63A0-461F-BFBD-58F4D74CC1A0}" type="datetime1">
               <a:rPr lang="tr-TR" smtClean="0"/>
-              <a:t>5.09.2019</a:t>
+              <a:t>7.09.2019</a:t>
             </a:fld>
             <a:endParaRPr lang="tr-TR"/>
           </a:p>
@@ -2930,7 +2940,7 @@
           <a:p>
             <a:fld id="{9E8EF2ED-7087-4201-9521-97BB02159B09}" type="datetime1">
               <a:rPr lang="tr-TR" smtClean="0"/>
-              <a:t>5.09.2019</a:t>
+              <a:t>7.09.2019</a:t>
             </a:fld>
             <a:endParaRPr lang="tr-TR"/>
           </a:p>
@@ -4327,7 +4337,11 @@
             </a:r>
             <a:r>
               <a:rPr lang="tr-TR" b="1" dirty="0" smtClean="0"/>
-              <a:t>Synch. switch</a:t>
+              <a:t>Soft-switching</a:t>
+            </a:r>
+            <a:r>
+              <a:rPr lang="tr-TR" b="1" dirty="0" smtClean="0"/>
+              <a:t/>
             </a:r>
             <a:br>
               <a:rPr lang="tr-TR" b="1" dirty="0" smtClean="0"/>
@@ -4654,6 +4668,13 @@
   <p:clrMapOvr>
     <a:masterClrMapping/>
   </p:clrMapOvr>
+  <p:timing>
+    <p:tnLst>
+      <p:par>
+        <p:cTn id="1" dur="indefinite" restart="never" nodeType="tmRoot"/>
+      </p:par>
+    </p:tnLst>
+  </p:timing>
 </p:sld>
 </file>
 
@@ -4799,7 +4820,11 @@
           <a:p>
             <a:r>
               <a:rPr lang="tr-TR" dirty="0" smtClean="0"/>
-              <a:t>K = 4 -&gt; Synch. switch</a:t>
+              <a:t>K = 4 -&gt; </a:t>
+            </a:r>
+            <a:r>
+              <a:rPr lang="tr-TR" dirty="0" smtClean="0"/>
+              <a:t>Soft-switching</a:t>
             </a:r>
             <a:r>
               <a:rPr lang="tr-TR" b="1" dirty="0" smtClean="0"/>
@@ -5134,6 +5159,13 @@
   <p:clrMapOvr>
     <a:masterClrMapping/>
   </p:clrMapOvr>
+  <p:timing>
+    <p:tnLst>
+      <p:par>
+        <p:cTn id="1" dur="indefinite" restart="never" nodeType="tmRoot"/>
+      </p:par>
+    </p:tnLst>
+  </p:timing>
 </p:sld>
 </file>
 
@@ -5344,6 +5376,13 @@
   <p:clrMapOvr>
     <a:masterClrMapping/>
   </p:clrMapOvr>
+  <p:timing>
+    <p:tnLst>
+      <p:par>
+        <p:cTn id="1" dur="indefinite" restart="never" nodeType="tmRoot"/>
+      </p:par>
+    </p:tnLst>
+  </p:timing>
 </p:sld>
 </file>
 
@@ -5531,8 +5570,8 @@
           </a:p>
         </p:txBody>
       </p:sp>
-      <mc:AlternateContent xmlns:mc="http://schemas.openxmlformats.org/markup-compatibility/2006">
-        <mc:Choice xmlns:a14="http://schemas.microsoft.com/office/drawing/2010/main" Requires="a14">
+      <mc:AlternateContent xmlns:mc="http://schemas.openxmlformats.org/markup-compatibility/2006" xmlns:a14="http://schemas.microsoft.com/office/drawing/2010/main">
+        <mc:Choice Requires="a14">
           <p:sp>
             <p:nvSpPr>
               <p:cNvPr id="10" name="TextBox 9"/>
@@ -5555,6 +5594,7 @@
               </a:bodyPr>
               <a:lstStyle/>
               <a:p>
+                <a:pPr/>
                 <a14:m>
                   <m:oMathPara xmlns:m="http://schemas.openxmlformats.org/officeDocument/2006/math">
                     <m:oMathParaPr>
@@ -5695,7 +5735,7 @@
             </p:txBody>
           </p:sp>
         </mc:Choice>
-        <mc:Fallback>
+        <mc:Fallback xmlns="">
           <p:sp>
             <p:nvSpPr>
               <p:cNvPr id="10" name="TextBox 9"/>
@@ -5745,7 +5785,7 @@
             <p:spPr>
               <a:xfrm>
                 <a:off x="1041888" y="4187864"/>
-                <a:ext cx="2941383" cy="333938"/>
+                <a:ext cx="3198440" cy="333938"/>
               </a:xfrm>
               <a:prstGeom prst="rect">
                 <a:avLst/>
@@ -5758,6 +5798,7 @@
               </a:bodyPr>
               <a:lstStyle/>
               <a:p>
+                <a:pPr/>
                 <a14:m>
                   <m:oMathPara xmlns:m="http://schemas.openxmlformats.org/officeDocument/2006/math">
                     <m:oMathParaPr>
@@ -5888,7 +5929,7 @@
                         <a:rPr lang="tr-TR" b="0" i="1" smtClean="0">
                           <a:latin typeface="Cambria Math" panose="02040503050406030204" pitchFamily="18" charset="0"/>
                         </a:rPr>
-                        <m:t>𝐴</m:t>
+                        <m:t>𝐴𝑝𝑝</m:t>
                       </m:r>
                     </m:oMath>
                   </m:oMathPara>
@@ -5910,7 +5951,7 @@
             <p:spPr>
               <a:xfrm>
                 <a:off x="1041888" y="4187864"/>
-                <a:ext cx="2941383" cy="333938"/>
+                <a:ext cx="3198440" cy="333938"/>
               </a:xfrm>
               <a:prstGeom prst="rect">
                 <a:avLst/>
@@ -5918,7 +5959,7 @@
               <a:blipFill>
                 <a:blip r:embed="rId3"/>
                 <a:stretch>
-                  <a:fillRect l="-1452" r="-1452" b="-18182"/>
+                  <a:fillRect l="-1333" r="-1333" b="-18182"/>
                 </a:stretch>
               </a:blipFill>
             </p:spPr>
@@ -5937,8 +5978,8 @@
           </p:sp>
         </mc:Fallback>
       </mc:AlternateContent>
-      <mc:AlternateContent xmlns:mc="http://schemas.openxmlformats.org/markup-compatibility/2006">
-        <mc:Choice xmlns:a14="http://schemas.microsoft.com/office/drawing/2010/main" Requires="a14">
+      <mc:AlternateContent xmlns:mc="http://schemas.openxmlformats.org/markup-compatibility/2006" xmlns:a14="http://schemas.microsoft.com/office/drawing/2010/main">
+        <mc:Choice Requires="a14">
           <p:sp>
             <p:nvSpPr>
               <p:cNvPr id="13" name="TextBox 12"/>
@@ -5961,6 +6002,7 @@
               </a:bodyPr>
               <a:lstStyle/>
               <a:p>
+                <a:pPr/>
                 <a14:m>
                   <m:oMathPara xmlns:m="http://schemas.openxmlformats.org/officeDocument/2006/math">
                     <m:oMathParaPr>
@@ -6125,7 +6167,7 @@
             </p:txBody>
           </p:sp>
         </mc:Choice>
-        <mc:Fallback>
+        <mc:Fallback xmlns="">
           <p:sp>
             <p:nvSpPr>
               <p:cNvPr id="13" name="TextBox 12"/>
@@ -6174,6 +6216,13 @@
   <p:clrMapOvr>
     <a:masterClrMapping/>
   </p:clrMapOvr>
+  <p:timing>
+    <p:tnLst>
+      <p:par>
+        <p:cTn id="1" dur="indefinite" restart="never" nodeType="tmRoot"/>
+      </p:par>
+    </p:tnLst>
+  </p:timing>
 </p:sld>
 </file>
 
@@ -6319,7 +6368,11 @@
           <a:p>
             <a:r>
               <a:rPr lang="tr-TR" dirty="0" smtClean="0"/>
-              <a:t>K = 4 -&gt; Synch. switch</a:t>
+              <a:t>K = 4 -&gt; </a:t>
+            </a:r>
+            <a:r>
+              <a:rPr lang="tr-TR" dirty="0" smtClean="0"/>
+              <a:t>Soft-switching</a:t>
             </a:r>
             <a:r>
               <a:rPr lang="tr-TR" b="1" dirty="0" smtClean="0"/>
@@ -6660,6 +6713,2790 @@
   <p:clrMapOvr>
     <a:masterClrMapping/>
   </p:clrMapOvr>
+  <p:timing>
+    <p:tnLst>
+      <p:par>
+        <p:cTn id="1" dur="indefinite" restart="never" nodeType="tmRoot"/>
+      </p:par>
+    </p:tnLst>
+  </p:timing>
+</p:sld>
+</file>
+
+<file path=ppt/slides/slide15.xml><?xml version="1.0" encoding="utf-8"?>
+<p:sld xmlns:a="http://schemas.openxmlformats.org/drawingml/2006/main" xmlns:r="http://schemas.openxmlformats.org/officeDocument/2006/relationships" xmlns:p="http://schemas.openxmlformats.org/presentationml/2006/main">
+  <p:cSld>
+    <p:spTree>
+      <p:nvGrpSpPr>
+        <p:cNvPr id="1" name=""/>
+        <p:cNvGrpSpPr/>
+        <p:nvPr/>
+      </p:nvGrpSpPr>
+      <p:grpSpPr>
+        <a:xfrm>
+          <a:off x="0" y="0"/>
+          <a:ext cx="0" cy="0"/>
+          <a:chOff x="0" y="0"/>
+          <a:chExt cx="0" cy="0"/>
+        </a:xfrm>
+      </p:grpSpPr>
+      <p:sp>
+        <p:nvSpPr>
+          <p:cNvPr id="4" name="Slide Number Placeholder 3"/>
+          <p:cNvSpPr>
+            <a:spLocks noGrp="1"/>
+          </p:cNvSpPr>
+          <p:nvPr>
+            <p:ph type="sldNum" sz="quarter" idx="12"/>
+          </p:nvPr>
+        </p:nvSpPr>
+        <p:spPr/>
+        <p:txBody>
+          <a:bodyPr/>
+          <a:lstStyle/>
+          <a:p>
+            <a:fld id="{178508F5-8E49-4F57-B165-331DE2AB85B8}" type="slidenum">
+              <a:rPr lang="tr-TR" sz="1800" smtClean="0"/>
+              <a:t>15</a:t>
+            </a:fld>
+            <a:endParaRPr lang="tr-TR" dirty="0"/>
+          </a:p>
+        </p:txBody>
+      </p:sp>
+      <p:sp>
+        <p:nvSpPr>
+          <p:cNvPr id="5" name="TextBox 4"/>
+          <p:cNvSpPr txBox="1"/>
+          <p:nvPr/>
+        </p:nvSpPr>
+        <p:spPr>
+          <a:xfrm>
+            <a:off x="562706" y="316523"/>
+            <a:ext cx="4923693" cy="461665"/>
+          </a:xfrm>
+          <a:prstGeom prst="rect">
+            <a:avLst/>
+          </a:prstGeom>
+          <a:noFill/>
+        </p:spPr>
+        <p:txBody>
+          <a:bodyPr wrap="square" rtlCol="0">
+            <a:spAutoFit/>
+          </a:bodyPr>
+          <a:lstStyle/>
+          <a:p>
+            <a:r>
+              <a:rPr lang="tr-TR" sz="2400" dirty="0" smtClean="0"/>
+              <a:t>Simulation </a:t>
+            </a:r>
+            <a:r>
+              <a:rPr lang="tr-TR" sz="2400" dirty="0" smtClean="0"/>
+              <a:t>Study – Filter Design</a:t>
+            </a:r>
+            <a:endParaRPr lang="tr-TR" sz="2400" dirty="0"/>
+          </a:p>
+        </p:txBody>
+      </p:sp>
+      <p:pic>
+        <p:nvPicPr>
+          <p:cNvPr id="3" name="Picture 2"/>
+          <p:cNvPicPr>
+            <a:picLocks noChangeAspect="1"/>
+          </p:cNvPicPr>
+          <p:nvPr/>
+        </p:nvPicPr>
+        <p:blipFill>
+          <a:blip r:embed="rId2"/>
+          <a:stretch>
+            <a:fillRect/>
+          </a:stretch>
+        </p:blipFill>
+        <p:spPr>
+          <a:xfrm>
+            <a:off x="638174" y="1545248"/>
+            <a:ext cx="4848225" cy="3943350"/>
+          </a:xfrm>
+          <a:prstGeom prst="rect">
+            <a:avLst/>
+          </a:prstGeom>
+        </p:spPr>
+      </p:pic>
+      <p:sp>
+        <p:nvSpPr>
+          <p:cNvPr id="6" name="TextBox 5"/>
+          <p:cNvSpPr txBox="1"/>
+          <p:nvPr/>
+        </p:nvSpPr>
+        <p:spPr>
+          <a:xfrm>
+            <a:off x="2206869" y="1175916"/>
+            <a:ext cx="2672862" cy="369332"/>
+          </a:xfrm>
+          <a:prstGeom prst="rect">
+            <a:avLst/>
+          </a:prstGeom>
+          <a:noFill/>
+        </p:spPr>
+        <p:txBody>
+          <a:bodyPr wrap="square" rtlCol="0">
+            <a:spAutoFit/>
+          </a:bodyPr>
+          <a:lstStyle/>
+          <a:p>
+            <a:r>
+              <a:rPr lang="tr-TR" dirty="0" smtClean="0"/>
+              <a:t>Capacitor Current</a:t>
+            </a:r>
+            <a:endParaRPr lang="tr-TR" dirty="0"/>
+          </a:p>
+        </p:txBody>
+      </p:sp>
+      <p:sp>
+        <p:nvSpPr>
+          <p:cNvPr id="7" name="TextBox 6"/>
+          <p:cNvSpPr txBox="1"/>
+          <p:nvPr/>
+        </p:nvSpPr>
+        <p:spPr>
+          <a:xfrm>
+            <a:off x="1885948" y="5857930"/>
+            <a:ext cx="2277207" cy="369332"/>
+          </a:xfrm>
+          <a:prstGeom prst="rect">
+            <a:avLst/>
+          </a:prstGeom>
+          <a:noFill/>
+        </p:spPr>
+        <p:txBody>
+          <a:bodyPr wrap="square" rtlCol="0">
+            <a:spAutoFit/>
+          </a:bodyPr>
+          <a:lstStyle/>
+          <a:p>
+            <a:r>
+              <a:rPr lang="tr-TR" dirty="0" smtClean="0"/>
+              <a:t>7.5 Arms @200kHz</a:t>
+            </a:r>
+            <a:endParaRPr lang="tr-TR" dirty="0"/>
+          </a:p>
+        </p:txBody>
+      </p:sp>
+      <p:pic>
+        <p:nvPicPr>
+          <p:cNvPr id="18" name="Picture 17"/>
+          <p:cNvPicPr>
+            <a:picLocks noChangeAspect="1"/>
+          </p:cNvPicPr>
+          <p:nvPr/>
+        </p:nvPicPr>
+        <p:blipFill>
+          <a:blip r:embed="rId3"/>
+          <a:stretch>
+            <a:fillRect/>
+          </a:stretch>
+        </p:blipFill>
+        <p:spPr>
+          <a:xfrm>
+            <a:off x="7398449" y="1035798"/>
+            <a:ext cx="2424303" cy="2568607"/>
+          </a:xfrm>
+          <a:prstGeom prst="rect">
+            <a:avLst/>
+          </a:prstGeom>
+        </p:spPr>
+      </p:pic>
+      <p:sp>
+        <p:nvSpPr>
+          <p:cNvPr id="19" name="Rectangle 18"/>
+          <p:cNvSpPr/>
+          <p:nvPr/>
+        </p:nvSpPr>
+        <p:spPr>
+          <a:xfrm>
+            <a:off x="7323420" y="3646904"/>
+            <a:ext cx="2574359" cy="373025"/>
+          </a:xfrm>
+          <a:prstGeom prst="rect">
+            <a:avLst/>
+          </a:prstGeom>
+        </p:spPr>
+        <p:txBody>
+          <a:bodyPr wrap="none">
+            <a:spAutoFit/>
+          </a:bodyPr>
+          <a:lstStyle/>
+          <a:p>
+            <a:r>
+              <a:rPr lang="tr-TR" dirty="0"/>
+              <a:t>ESMM451VSN331MQ50S</a:t>
+            </a:r>
+          </a:p>
+        </p:txBody>
+      </p:sp>
+      <p:sp>
+        <p:nvSpPr>
+          <p:cNvPr id="20" name="TextBox 19"/>
+          <p:cNvSpPr txBox="1"/>
+          <p:nvPr/>
+        </p:nvSpPr>
+        <p:spPr>
+          <a:xfrm>
+            <a:off x="7323420" y="3954690"/>
+            <a:ext cx="2225026" cy="373025"/>
+          </a:xfrm>
+          <a:prstGeom prst="rect">
+            <a:avLst/>
+          </a:prstGeom>
+          <a:noFill/>
+        </p:spPr>
+        <p:txBody>
+          <a:bodyPr wrap="square" rtlCol="0">
+            <a:spAutoFit/>
+          </a:bodyPr>
+          <a:lstStyle/>
+          <a:p>
+            <a:r>
+              <a:rPr lang="tr-TR" dirty="0" smtClean="0">
+                <a:hlinkClick r:id="rId4"/>
+              </a:rPr>
+              <a:t>Digikey Link</a:t>
+            </a:r>
+            <a:r>
+              <a:rPr lang="tr-TR" dirty="0" smtClean="0"/>
+              <a:t> – 4.98$</a:t>
+            </a:r>
+            <a:endParaRPr lang="tr-TR" dirty="0"/>
+          </a:p>
+        </p:txBody>
+      </p:sp>
+      <p:sp>
+        <p:nvSpPr>
+          <p:cNvPr id="21" name="TextBox 20"/>
+          <p:cNvSpPr txBox="1"/>
+          <p:nvPr/>
+        </p:nvSpPr>
+        <p:spPr>
+          <a:xfrm>
+            <a:off x="7323420" y="4319866"/>
+            <a:ext cx="3254619" cy="1212332"/>
+          </a:xfrm>
+          <a:prstGeom prst="rect">
+            <a:avLst/>
+          </a:prstGeom>
+          <a:noFill/>
+        </p:spPr>
+        <p:txBody>
+          <a:bodyPr wrap="square" rtlCol="0">
+            <a:spAutoFit/>
+          </a:bodyPr>
+          <a:lstStyle/>
+          <a:p>
+            <a:r>
+              <a:rPr lang="tr-TR" dirty="0" smtClean="0"/>
+              <a:t>Capacitance: 330 </a:t>
+            </a:r>
+            <a:r>
+              <a:rPr lang="el-GR" dirty="0" smtClean="0"/>
+              <a:t>μ</a:t>
+            </a:r>
+            <a:r>
+              <a:rPr lang="tr-TR" dirty="0" smtClean="0"/>
+              <a:t>F</a:t>
+            </a:r>
+          </a:p>
+          <a:p>
+            <a:r>
+              <a:rPr lang="tr-TR" dirty="0" smtClean="0"/>
+              <a:t>Rated Voltage: 450V</a:t>
+            </a:r>
+          </a:p>
+          <a:p>
+            <a:r>
+              <a:rPr lang="tr-TR" dirty="0" smtClean="0"/>
+              <a:t>Rated Current: 3A @ 100kHz</a:t>
+            </a:r>
+          </a:p>
+          <a:p>
+            <a:r>
+              <a:rPr lang="tr-TR" dirty="0" smtClean="0"/>
+              <a:t>ESR: 1.005ohm @120Hz</a:t>
+            </a:r>
+            <a:endParaRPr lang="tr-TR" dirty="0"/>
+          </a:p>
+        </p:txBody>
+      </p:sp>
+      <p:sp>
+        <p:nvSpPr>
+          <p:cNvPr id="22" name="TextBox 21"/>
+          <p:cNvSpPr txBox="1"/>
+          <p:nvPr/>
+        </p:nvSpPr>
+        <p:spPr>
+          <a:xfrm>
+            <a:off x="7020818" y="5803245"/>
+            <a:ext cx="3723382" cy="369332"/>
+          </a:xfrm>
+          <a:prstGeom prst="rect">
+            <a:avLst/>
+          </a:prstGeom>
+          <a:noFill/>
+        </p:spPr>
+        <p:txBody>
+          <a:bodyPr wrap="square" rtlCol="0">
+            <a:spAutoFit/>
+          </a:bodyPr>
+          <a:lstStyle/>
+          <a:p>
+            <a:r>
+              <a:rPr lang="tr-TR" b="1" dirty="0" smtClean="0"/>
+              <a:t>Three of this capacitor are required!</a:t>
+            </a:r>
+            <a:endParaRPr lang="tr-TR" b="1" dirty="0"/>
+          </a:p>
+        </p:txBody>
+      </p:sp>
+    </p:spTree>
+    <p:extLst>
+      <p:ext uri="{BB962C8B-B14F-4D97-AF65-F5344CB8AC3E}">
+        <p14:creationId xmlns:p14="http://schemas.microsoft.com/office/powerpoint/2010/main" val="1518019512"/>
+      </p:ext>
+    </p:extLst>
+  </p:cSld>
+  <p:clrMapOvr>
+    <a:masterClrMapping/>
+  </p:clrMapOvr>
+  <p:timing>
+    <p:tnLst>
+      <p:par>
+        <p:cTn id="1" dur="indefinite" restart="never" nodeType="tmRoot"/>
+      </p:par>
+    </p:tnLst>
+  </p:timing>
+</p:sld>
+</file>
+
+<file path=ppt/slides/slide16.xml><?xml version="1.0" encoding="utf-8"?>
+<p:sld xmlns:a="http://schemas.openxmlformats.org/drawingml/2006/main" xmlns:r="http://schemas.openxmlformats.org/officeDocument/2006/relationships" xmlns:p="http://schemas.openxmlformats.org/presentationml/2006/main">
+  <p:cSld>
+    <p:spTree>
+      <p:nvGrpSpPr>
+        <p:cNvPr id="1" name=""/>
+        <p:cNvGrpSpPr/>
+        <p:nvPr/>
+      </p:nvGrpSpPr>
+      <p:grpSpPr>
+        <a:xfrm>
+          <a:off x="0" y="0"/>
+          <a:ext cx="0" cy="0"/>
+          <a:chOff x="0" y="0"/>
+          <a:chExt cx="0" cy="0"/>
+        </a:xfrm>
+      </p:grpSpPr>
+      <p:sp>
+        <p:nvSpPr>
+          <p:cNvPr id="4" name="Slide Number Placeholder 3"/>
+          <p:cNvSpPr>
+            <a:spLocks noGrp="1"/>
+          </p:cNvSpPr>
+          <p:nvPr>
+            <p:ph type="sldNum" sz="quarter" idx="12"/>
+          </p:nvPr>
+        </p:nvSpPr>
+        <p:spPr/>
+        <p:txBody>
+          <a:bodyPr/>
+          <a:lstStyle/>
+          <a:p>
+            <a:fld id="{178508F5-8E49-4F57-B165-331DE2AB85B8}" type="slidenum">
+              <a:rPr lang="tr-TR" sz="1800" smtClean="0"/>
+              <a:t>16</a:t>
+            </a:fld>
+            <a:endParaRPr lang="tr-TR" dirty="0"/>
+          </a:p>
+        </p:txBody>
+      </p:sp>
+      <p:sp>
+        <p:nvSpPr>
+          <p:cNvPr id="5" name="TextBox 4"/>
+          <p:cNvSpPr txBox="1"/>
+          <p:nvPr/>
+        </p:nvSpPr>
+        <p:spPr>
+          <a:xfrm>
+            <a:off x="562706" y="316523"/>
+            <a:ext cx="4923693" cy="461665"/>
+          </a:xfrm>
+          <a:prstGeom prst="rect">
+            <a:avLst/>
+          </a:prstGeom>
+          <a:noFill/>
+        </p:spPr>
+        <p:txBody>
+          <a:bodyPr wrap="square" rtlCol="0">
+            <a:spAutoFit/>
+          </a:bodyPr>
+          <a:lstStyle/>
+          <a:p>
+            <a:r>
+              <a:rPr lang="tr-TR" sz="2400" dirty="0" smtClean="0"/>
+              <a:t>Simulation </a:t>
+            </a:r>
+            <a:r>
+              <a:rPr lang="tr-TR" sz="2400" dirty="0" smtClean="0"/>
+              <a:t>Study – Filter Design</a:t>
+            </a:r>
+            <a:endParaRPr lang="tr-TR" sz="2400" dirty="0"/>
+          </a:p>
+        </p:txBody>
+      </p:sp>
+      <p:pic>
+        <p:nvPicPr>
+          <p:cNvPr id="3" name="Picture 2"/>
+          <p:cNvPicPr>
+            <a:picLocks noChangeAspect="1"/>
+          </p:cNvPicPr>
+          <p:nvPr/>
+        </p:nvPicPr>
+        <p:blipFill>
+          <a:blip r:embed="rId2"/>
+          <a:stretch>
+            <a:fillRect/>
+          </a:stretch>
+        </p:blipFill>
+        <p:spPr>
+          <a:xfrm>
+            <a:off x="638174" y="1545248"/>
+            <a:ext cx="4848225" cy="3943350"/>
+          </a:xfrm>
+          <a:prstGeom prst="rect">
+            <a:avLst/>
+          </a:prstGeom>
+        </p:spPr>
+      </p:pic>
+      <p:sp>
+        <p:nvSpPr>
+          <p:cNvPr id="6" name="TextBox 5"/>
+          <p:cNvSpPr txBox="1"/>
+          <p:nvPr/>
+        </p:nvSpPr>
+        <p:spPr>
+          <a:xfrm>
+            <a:off x="2206869" y="1175916"/>
+            <a:ext cx="2672862" cy="369332"/>
+          </a:xfrm>
+          <a:prstGeom prst="rect">
+            <a:avLst/>
+          </a:prstGeom>
+          <a:noFill/>
+        </p:spPr>
+        <p:txBody>
+          <a:bodyPr wrap="square" rtlCol="0">
+            <a:spAutoFit/>
+          </a:bodyPr>
+          <a:lstStyle/>
+          <a:p>
+            <a:r>
+              <a:rPr lang="tr-TR" dirty="0" smtClean="0"/>
+              <a:t>Capacitor Current</a:t>
+            </a:r>
+            <a:endParaRPr lang="tr-TR" dirty="0"/>
+          </a:p>
+        </p:txBody>
+      </p:sp>
+      <p:sp>
+        <p:nvSpPr>
+          <p:cNvPr id="7" name="TextBox 6"/>
+          <p:cNvSpPr txBox="1"/>
+          <p:nvPr/>
+        </p:nvSpPr>
+        <p:spPr>
+          <a:xfrm>
+            <a:off x="1885948" y="5857930"/>
+            <a:ext cx="2277207" cy="369332"/>
+          </a:xfrm>
+          <a:prstGeom prst="rect">
+            <a:avLst/>
+          </a:prstGeom>
+          <a:noFill/>
+        </p:spPr>
+        <p:txBody>
+          <a:bodyPr wrap="square" rtlCol="0">
+            <a:spAutoFit/>
+          </a:bodyPr>
+          <a:lstStyle/>
+          <a:p>
+            <a:r>
+              <a:rPr lang="tr-TR" dirty="0" smtClean="0"/>
+              <a:t>7.5 Arms @200kHz</a:t>
+            </a:r>
+            <a:endParaRPr lang="tr-TR" dirty="0"/>
+          </a:p>
+        </p:txBody>
+      </p:sp>
+      <p:sp>
+        <p:nvSpPr>
+          <p:cNvPr id="19" name="Rectangle 18"/>
+          <p:cNvSpPr/>
+          <p:nvPr/>
+        </p:nvSpPr>
+        <p:spPr>
+          <a:xfrm>
+            <a:off x="7323420" y="3646904"/>
+            <a:ext cx="2047420" cy="369332"/>
+          </a:xfrm>
+          <a:prstGeom prst="rect">
+            <a:avLst/>
+          </a:prstGeom>
+        </p:spPr>
+        <p:txBody>
+          <a:bodyPr wrap="none">
+            <a:spAutoFit/>
+          </a:bodyPr>
+          <a:lstStyle/>
+          <a:p>
+            <a:r>
+              <a:rPr lang="tr-TR" dirty="0"/>
+              <a:t>C4AQCBW5200A3FJ</a:t>
+            </a:r>
+          </a:p>
+        </p:txBody>
+      </p:sp>
+      <p:sp>
+        <p:nvSpPr>
+          <p:cNvPr id="20" name="TextBox 19"/>
+          <p:cNvSpPr txBox="1"/>
+          <p:nvPr/>
+        </p:nvSpPr>
+        <p:spPr>
+          <a:xfrm>
+            <a:off x="7323420" y="3954690"/>
+            <a:ext cx="2225026" cy="373025"/>
+          </a:xfrm>
+          <a:prstGeom prst="rect">
+            <a:avLst/>
+          </a:prstGeom>
+          <a:noFill/>
+        </p:spPr>
+        <p:txBody>
+          <a:bodyPr wrap="square" rtlCol="0">
+            <a:spAutoFit/>
+          </a:bodyPr>
+          <a:lstStyle/>
+          <a:p>
+            <a:r>
+              <a:rPr lang="tr-TR" dirty="0" smtClean="0">
+                <a:hlinkClick r:id="rId3"/>
+              </a:rPr>
+              <a:t>Digikey Link</a:t>
+            </a:r>
+            <a:r>
+              <a:rPr lang="tr-TR" dirty="0" smtClean="0"/>
+              <a:t> – 4.82$</a:t>
+            </a:r>
+            <a:endParaRPr lang="tr-TR" dirty="0"/>
+          </a:p>
+        </p:txBody>
+      </p:sp>
+      <p:sp>
+        <p:nvSpPr>
+          <p:cNvPr id="21" name="TextBox 20"/>
+          <p:cNvSpPr txBox="1"/>
+          <p:nvPr/>
+        </p:nvSpPr>
+        <p:spPr>
+          <a:xfrm>
+            <a:off x="7323420" y="4319866"/>
+            <a:ext cx="3254619" cy="1212332"/>
+          </a:xfrm>
+          <a:prstGeom prst="rect">
+            <a:avLst/>
+          </a:prstGeom>
+          <a:noFill/>
+        </p:spPr>
+        <p:txBody>
+          <a:bodyPr wrap="square" rtlCol="0">
+            <a:spAutoFit/>
+          </a:bodyPr>
+          <a:lstStyle/>
+          <a:p>
+            <a:r>
+              <a:rPr lang="tr-TR" dirty="0" smtClean="0"/>
+              <a:t>Capacitance: 20 </a:t>
+            </a:r>
+            <a:r>
+              <a:rPr lang="el-GR" dirty="0" smtClean="0"/>
+              <a:t>μ</a:t>
+            </a:r>
+            <a:r>
+              <a:rPr lang="tr-TR" dirty="0" smtClean="0"/>
+              <a:t>F</a:t>
+            </a:r>
+          </a:p>
+          <a:p>
+            <a:r>
+              <a:rPr lang="tr-TR" dirty="0" smtClean="0"/>
+              <a:t>Rated Voltage: 650V</a:t>
+            </a:r>
+          </a:p>
+          <a:p>
+            <a:r>
+              <a:rPr lang="tr-TR" dirty="0" smtClean="0"/>
+              <a:t>Rated Current: 11A @ 10kHz</a:t>
+            </a:r>
+          </a:p>
+          <a:p>
+            <a:r>
+              <a:rPr lang="tr-TR" dirty="0" smtClean="0"/>
+              <a:t>ESR: 5.3 mOhm @10kHz</a:t>
+            </a:r>
+            <a:endParaRPr lang="tr-TR" dirty="0"/>
+          </a:p>
+        </p:txBody>
+      </p:sp>
+      <p:sp>
+        <p:nvSpPr>
+          <p:cNvPr id="22" name="TextBox 21"/>
+          <p:cNvSpPr txBox="1"/>
+          <p:nvPr/>
+        </p:nvSpPr>
+        <p:spPr>
+          <a:xfrm>
+            <a:off x="6904399" y="5805878"/>
+            <a:ext cx="4092659" cy="369332"/>
+          </a:xfrm>
+          <a:prstGeom prst="rect">
+            <a:avLst/>
+          </a:prstGeom>
+          <a:noFill/>
+        </p:spPr>
+        <p:txBody>
+          <a:bodyPr wrap="square" rtlCol="0">
+            <a:spAutoFit/>
+          </a:bodyPr>
+          <a:lstStyle/>
+          <a:p>
+            <a:r>
+              <a:rPr lang="tr-TR" b="1" dirty="0" smtClean="0"/>
+              <a:t>Only one of this capacitor is required!</a:t>
+            </a:r>
+            <a:endParaRPr lang="tr-TR" b="1" dirty="0"/>
+          </a:p>
+        </p:txBody>
+      </p:sp>
+      <p:pic>
+        <p:nvPicPr>
+          <p:cNvPr id="2" name="Picture 1"/>
+          <p:cNvPicPr>
+            <a:picLocks noChangeAspect="1"/>
+          </p:cNvPicPr>
+          <p:nvPr/>
+        </p:nvPicPr>
+        <p:blipFill>
+          <a:blip r:embed="rId4"/>
+          <a:stretch>
+            <a:fillRect/>
+          </a:stretch>
+        </p:blipFill>
+        <p:spPr>
+          <a:xfrm>
+            <a:off x="7261129" y="1007342"/>
+            <a:ext cx="2698940" cy="2172433"/>
+          </a:xfrm>
+          <a:prstGeom prst="rect">
+            <a:avLst/>
+          </a:prstGeom>
+        </p:spPr>
+      </p:pic>
+      <p:sp>
+        <p:nvSpPr>
+          <p:cNvPr id="8" name="5-Point Star 7"/>
+          <p:cNvSpPr/>
+          <p:nvPr/>
+        </p:nvSpPr>
+        <p:spPr>
+          <a:xfrm>
+            <a:off x="10300948" y="630848"/>
+            <a:ext cx="597962" cy="545068"/>
+          </a:xfrm>
+          <a:prstGeom prst="star5">
+            <a:avLst/>
+          </a:prstGeom>
+        </p:spPr>
+        <p:style>
+          <a:lnRef idx="2">
+            <a:schemeClr val="accent1">
+              <a:shade val="50000"/>
+            </a:schemeClr>
+          </a:lnRef>
+          <a:fillRef idx="1">
+            <a:schemeClr val="accent1"/>
+          </a:fillRef>
+          <a:effectRef idx="0">
+            <a:schemeClr val="accent1"/>
+          </a:effectRef>
+          <a:fontRef idx="minor">
+            <a:schemeClr val="lt1"/>
+          </a:fontRef>
+        </p:style>
+        <p:txBody>
+          <a:bodyPr rtlCol="0" anchor="ctr"/>
+          <a:lstStyle/>
+          <a:p>
+            <a:pPr algn="ctr"/>
+            <a:endParaRPr lang="tr-TR"/>
+          </a:p>
+        </p:txBody>
+      </p:sp>
+    </p:spTree>
+    <p:extLst>
+      <p:ext uri="{BB962C8B-B14F-4D97-AF65-F5344CB8AC3E}">
+        <p14:creationId xmlns:p14="http://schemas.microsoft.com/office/powerpoint/2010/main" val="116024795"/>
+      </p:ext>
+    </p:extLst>
+  </p:cSld>
+  <p:clrMapOvr>
+    <a:masterClrMapping/>
+  </p:clrMapOvr>
+  <p:timing>
+    <p:tnLst>
+      <p:par>
+        <p:cTn id="1" dur="indefinite" restart="never" nodeType="tmRoot"/>
+      </p:par>
+    </p:tnLst>
+  </p:timing>
+</p:sld>
+</file>
+
+<file path=ppt/slides/slide17.xml><?xml version="1.0" encoding="utf-8"?>
+<p:sld xmlns:a="http://schemas.openxmlformats.org/drawingml/2006/main" xmlns:r="http://schemas.openxmlformats.org/officeDocument/2006/relationships" xmlns:p="http://schemas.openxmlformats.org/presentationml/2006/main">
+  <p:cSld>
+    <p:spTree>
+      <p:nvGrpSpPr>
+        <p:cNvPr id="1" name=""/>
+        <p:cNvGrpSpPr/>
+        <p:nvPr/>
+      </p:nvGrpSpPr>
+      <p:grpSpPr>
+        <a:xfrm>
+          <a:off x="0" y="0"/>
+          <a:ext cx="0" cy="0"/>
+          <a:chOff x="0" y="0"/>
+          <a:chExt cx="0" cy="0"/>
+        </a:xfrm>
+      </p:grpSpPr>
+      <p:sp>
+        <p:nvSpPr>
+          <p:cNvPr id="4" name="Slide Number Placeholder 3"/>
+          <p:cNvSpPr>
+            <a:spLocks noGrp="1"/>
+          </p:cNvSpPr>
+          <p:nvPr>
+            <p:ph type="sldNum" sz="quarter" idx="12"/>
+          </p:nvPr>
+        </p:nvSpPr>
+        <p:spPr/>
+        <p:txBody>
+          <a:bodyPr/>
+          <a:lstStyle/>
+          <a:p>
+            <a:fld id="{178508F5-8E49-4F57-B165-331DE2AB85B8}" type="slidenum">
+              <a:rPr lang="tr-TR" sz="1800" smtClean="0"/>
+              <a:t>17</a:t>
+            </a:fld>
+            <a:endParaRPr lang="tr-TR" dirty="0"/>
+          </a:p>
+        </p:txBody>
+      </p:sp>
+      <p:sp>
+        <p:nvSpPr>
+          <p:cNvPr id="5" name="TextBox 4"/>
+          <p:cNvSpPr txBox="1"/>
+          <p:nvPr/>
+        </p:nvSpPr>
+        <p:spPr>
+          <a:xfrm>
+            <a:off x="562706" y="316523"/>
+            <a:ext cx="4923693" cy="461665"/>
+          </a:xfrm>
+          <a:prstGeom prst="rect">
+            <a:avLst/>
+          </a:prstGeom>
+          <a:noFill/>
+        </p:spPr>
+        <p:txBody>
+          <a:bodyPr wrap="square" rtlCol="0">
+            <a:spAutoFit/>
+          </a:bodyPr>
+          <a:lstStyle/>
+          <a:p>
+            <a:r>
+              <a:rPr lang="tr-TR" sz="2400" dirty="0" smtClean="0"/>
+              <a:t>Simulation </a:t>
+            </a:r>
+            <a:r>
+              <a:rPr lang="tr-TR" sz="2400" dirty="0" smtClean="0"/>
+              <a:t>Study – Filter Design</a:t>
+            </a:r>
+            <a:endParaRPr lang="tr-TR" sz="2400" dirty="0"/>
+          </a:p>
+        </p:txBody>
+      </p:sp>
+      <p:sp>
+        <p:nvSpPr>
+          <p:cNvPr id="6" name="TextBox 5"/>
+          <p:cNvSpPr txBox="1"/>
+          <p:nvPr/>
+        </p:nvSpPr>
+        <p:spPr>
+          <a:xfrm>
+            <a:off x="2189284" y="878138"/>
+            <a:ext cx="2672862" cy="369332"/>
+          </a:xfrm>
+          <a:prstGeom prst="rect">
+            <a:avLst/>
+          </a:prstGeom>
+          <a:noFill/>
+        </p:spPr>
+        <p:txBody>
+          <a:bodyPr wrap="square" rtlCol="0">
+            <a:spAutoFit/>
+          </a:bodyPr>
+          <a:lstStyle/>
+          <a:p>
+            <a:r>
+              <a:rPr lang="tr-TR" dirty="0" smtClean="0"/>
+              <a:t>Inductor Current</a:t>
+            </a:r>
+            <a:endParaRPr lang="tr-TR" dirty="0"/>
+          </a:p>
+        </p:txBody>
+      </p:sp>
+      <p:sp>
+        <p:nvSpPr>
+          <p:cNvPr id="7" name="TextBox 6"/>
+          <p:cNvSpPr txBox="1"/>
+          <p:nvPr/>
+        </p:nvSpPr>
+        <p:spPr>
+          <a:xfrm>
+            <a:off x="1885948" y="5354810"/>
+            <a:ext cx="2277207" cy="1200329"/>
+          </a:xfrm>
+          <a:prstGeom prst="rect">
+            <a:avLst/>
+          </a:prstGeom>
+          <a:noFill/>
+        </p:spPr>
+        <p:txBody>
+          <a:bodyPr wrap="square" rtlCol="0">
+            <a:spAutoFit/>
+          </a:bodyPr>
+          <a:lstStyle/>
+          <a:p>
+            <a:r>
+              <a:rPr lang="tr-TR" dirty="0" smtClean="0"/>
+              <a:t>26 </a:t>
+            </a:r>
+            <a:r>
+              <a:rPr lang="el-GR" dirty="0" smtClean="0">
+                <a:latin typeface="DS ISO 1" panose="02000506000000020003" pitchFamily="50" charset="0"/>
+              </a:rPr>
+              <a:t>μ</a:t>
+            </a:r>
+            <a:r>
+              <a:rPr lang="tr-TR" dirty="0" smtClean="0">
+                <a:latin typeface="DS ISO 1" panose="02000506000000020003" pitchFamily="50" charset="0"/>
+              </a:rPr>
+              <a:t>H</a:t>
+            </a:r>
+            <a:endParaRPr lang="tr-TR" dirty="0" smtClean="0"/>
+          </a:p>
+          <a:p>
+            <a:r>
+              <a:rPr lang="tr-TR" dirty="0" smtClean="0"/>
+              <a:t>15 Arms @100kHz</a:t>
+            </a:r>
+          </a:p>
+          <a:p>
+            <a:r>
+              <a:rPr lang="tr-TR" dirty="0" smtClean="0"/>
+              <a:t>10 Adc</a:t>
+            </a:r>
+          </a:p>
+          <a:p>
+            <a:r>
+              <a:rPr lang="tr-TR" dirty="0" smtClean="0"/>
+              <a:t>30A, -10A peak points</a:t>
+            </a:r>
+            <a:endParaRPr lang="tr-TR" dirty="0"/>
+          </a:p>
+        </p:txBody>
+      </p:sp>
+      <p:sp>
+        <p:nvSpPr>
+          <p:cNvPr id="19" name="Rectangle 18"/>
+          <p:cNvSpPr/>
+          <p:nvPr/>
+        </p:nvSpPr>
+        <p:spPr>
+          <a:xfrm>
+            <a:off x="5688051" y="3646904"/>
+            <a:ext cx="1511504" cy="369332"/>
+          </a:xfrm>
+          <a:prstGeom prst="rect">
+            <a:avLst/>
+          </a:prstGeom>
+        </p:spPr>
+        <p:txBody>
+          <a:bodyPr wrap="none">
+            <a:spAutoFit/>
+          </a:bodyPr>
+          <a:lstStyle/>
+          <a:p>
+            <a:r>
+              <a:rPr lang="tr-TR" dirty="0"/>
+              <a:t>1140-330K-RC</a:t>
+            </a:r>
+          </a:p>
+        </p:txBody>
+      </p:sp>
+      <p:sp>
+        <p:nvSpPr>
+          <p:cNvPr id="20" name="TextBox 19"/>
+          <p:cNvSpPr txBox="1"/>
+          <p:nvPr/>
+        </p:nvSpPr>
+        <p:spPr>
+          <a:xfrm>
+            <a:off x="5688051" y="3954690"/>
+            <a:ext cx="2225026" cy="373025"/>
+          </a:xfrm>
+          <a:prstGeom prst="rect">
+            <a:avLst/>
+          </a:prstGeom>
+          <a:noFill/>
+        </p:spPr>
+        <p:txBody>
+          <a:bodyPr wrap="square" rtlCol="0">
+            <a:spAutoFit/>
+          </a:bodyPr>
+          <a:lstStyle/>
+          <a:p>
+            <a:r>
+              <a:rPr lang="tr-TR" dirty="0" smtClean="0">
+                <a:hlinkClick r:id="rId2"/>
+              </a:rPr>
+              <a:t>Digikey Link</a:t>
+            </a:r>
+            <a:r>
+              <a:rPr lang="tr-TR" dirty="0" smtClean="0"/>
+              <a:t> – 9.56$</a:t>
+            </a:r>
+            <a:endParaRPr lang="tr-TR" dirty="0"/>
+          </a:p>
+        </p:txBody>
+      </p:sp>
+      <p:sp>
+        <p:nvSpPr>
+          <p:cNvPr id="21" name="TextBox 20"/>
+          <p:cNvSpPr txBox="1"/>
+          <p:nvPr/>
+        </p:nvSpPr>
+        <p:spPr>
+          <a:xfrm>
+            <a:off x="5688051" y="4319866"/>
+            <a:ext cx="3254619" cy="1212332"/>
+          </a:xfrm>
+          <a:prstGeom prst="rect">
+            <a:avLst/>
+          </a:prstGeom>
+          <a:noFill/>
+        </p:spPr>
+        <p:txBody>
+          <a:bodyPr wrap="square" rtlCol="0">
+            <a:spAutoFit/>
+          </a:bodyPr>
+          <a:lstStyle/>
+          <a:p>
+            <a:r>
+              <a:rPr lang="tr-TR" dirty="0" smtClean="0"/>
+              <a:t>Inductance: 33 </a:t>
+            </a:r>
+            <a:r>
+              <a:rPr lang="el-GR" dirty="0" smtClean="0"/>
+              <a:t>μ</a:t>
+            </a:r>
+            <a:r>
+              <a:rPr lang="tr-TR" dirty="0" smtClean="0"/>
+              <a:t>H @1KHz</a:t>
+            </a:r>
+          </a:p>
+          <a:p>
+            <a:r>
+              <a:rPr lang="tr-TR" dirty="0" smtClean="0"/>
+              <a:t>Rated Current: 15.8 A</a:t>
+            </a:r>
+          </a:p>
+          <a:p>
+            <a:r>
+              <a:rPr lang="tr-TR" dirty="0" smtClean="0"/>
+              <a:t>Sat. Current: 36.5 A</a:t>
+            </a:r>
+          </a:p>
+          <a:p>
+            <a:r>
+              <a:rPr lang="tr-TR" dirty="0" smtClean="0"/>
+              <a:t>DCR: 11 mOhm</a:t>
+            </a:r>
+            <a:endParaRPr lang="tr-TR" dirty="0"/>
+          </a:p>
+        </p:txBody>
+      </p:sp>
+      <p:sp>
+        <p:nvSpPr>
+          <p:cNvPr id="22" name="TextBox 21"/>
+          <p:cNvSpPr txBox="1"/>
+          <p:nvPr/>
+        </p:nvSpPr>
+        <p:spPr>
+          <a:xfrm>
+            <a:off x="6831989" y="6040410"/>
+            <a:ext cx="3557222" cy="373025"/>
+          </a:xfrm>
+          <a:prstGeom prst="rect">
+            <a:avLst/>
+          </a:prstGeom>
+          <a:noFill/>
+        </p:spPr>
+        <p:txBody>
+          <a:bodyPr wrap="square" rtlCol="0">
+            <a:spAutoFit/>
+          </a:bodyPr>
+          <a:lstStyle/>
+          <a:p>
+            <a:r>
+              <a:rPr lang="tr-TR" b="1" dirty="0" smtClean="0"/>
+              <a:t>Two of this inductor are required!</a:t>
+            </a:r>
+            <a:endParaRPr lang="tr-TR" b="1" dirty="0"/>
+          </a:p>
+        </p:txBody>
+      </p:sp>
+      <p:pic>
+        <p:nvPicPr>
+          <p:cNvPr id="2" name="Picture 1"/>
+          <p:cNvPicPr>
+            <a:picLocks noChangeAspect="1"/>
+          </p:cNvPicPr>
+          <p:nvPr/>
+        </p:nvPicPr>
+        <p:blipFill>
+          <a:blip r:embed="rId3"/>
+          <a:stretch>
+            <a:fillRect/>
+          </a:stretch>
+        </p:blipFill>
+        <p:spPr>
+          <a:xfrm>
+            <a:off x="638174" y="1281479"/>
+            <a:ext cx="4848225" cy="3943350"/>
+          </a:xfrm>
+          <a:prstGeom prst="rect">
+            <a:avLst/>
+          </a:prstGeom>
+        </p:spPr>
+      </p:pic>
+      <p:pic>
+        <p:nvPicPr>
+          <p:cNvPr id="8" name="Picture 7"/>
+          <p:cNvPicPr>
+            <a:picLocks noChangeAspect="1"/>
+          </p:cNvPicPr>
+          <p:nvPr/>
+        </p:nvPicPr>
+        <p:blipFill>
+          <a:blip r:embed="rId4"/>
+          <a:stretch>
+            <a:fillRect/>
+          </a:stretch>
+        </p:blipFill>
+        <p:spPr>
+          <a:xfrm>
+            <a:off x="5843240" y="1281479"/>
+            <a:ext cx="1914648" cy="2184522"/>
+          </a:xfrm>
+          <a:prstGeom prst="rect">
+            <a:avLst/>
+          </a:prstGeom>
+        </p:spPr>
+      </p:pic>
+      <p:sp>
+        <p:nvSpPr>
+          <p:cNvPr id="14" name="Rectangle 13"/>
+          <p:cNvSpPr/>
+          <p:nvPr/>
+        </p:nvSpPr>
+        <p:spPr>
+          <a:xfrm>
+            <a:off x="8787481" y="3646904"/>
+            <a:ext cx="1705916" cy="369332"/>
+          </a:xfrm>
+          <a:prstGeom prst="rect">
+            <a:avLst/>
+          </a:prstGeom>
+        </p:spPr>
+        <p:txBody>
+          <a:bodyPr wrap="none">
+            <a:spAutoFit/>
+          </a:bodyPr>
+          <a:lstStyle/>
+          <a:p>
+            <a:r>
+              <a:rPr lang="tr-TR" dirty="0"/>
+              <a:t>7443783533330</a:t>
+            </a:r>
+          </a:p>
+        </p:txBody>
+      </p:sp>
+      <p:sp>
+        <p:nvSpPr>
+          <p:cNvPr id="15" name="TextBox 14"/>
+          <p:cNvSpPr txBox="1"/>
+          <p:nvPr/>
+        </p:nvSpPr>
+        <p:spPr>
+          <a:xfrm>
+            <a:off x="8787481" y="3954690"/>
+            <a:ext cx="2225026" cy="373025"/>
+          </a:xfrm>
+          <a:prstGeom prst="rect">
+            <a:avLst/>
+          </a:prstGeom>
+          <a:noFill/>
+        </p:spPr>
+        <p:txBody>
+          <a:bodyPr wrap="square" rtlCol="0">
+            <a:spAutoFit/>
+          </a:bodyPr>
+          <a:lstStyle/>
+          <a:p>
+            <a:r>
+              <a:rPr lang="tr-TR" dirty="0" smtClean="0">
+                <a:hlinkClick r:id="rId5"/>
+              </a:rPr>
+              <a:t>Digikey Link</a:t>
+            </a:r>
+            <a:r>
+              <a:rPr lang="tr-TR" dirty="0" smtClean="0"/>
+              <a:t> – 14.02$</a:t>
+            </a:r>
+            <a:endParaRPr lang="tr-TR" dirty="0"/>
+          </a:p>
+        </p:txBody>
+      </p:sp>
+      <p:sp>
+        <p:nvSpPr>
+          <p:cNvPr id="16" name="TextBox 15"/>
+          <p:cNvSpPr txBox="1"/>
+          <p:nvPr/>
+        </p:nvSpPr>
+        <p:spPr>
+          <a:xfrm>
+            <a:off x="8787481" y="4319866"/>
+            <a:ext cx="3254619" cy="1212332"/>
+          </a:xfrm>
+          <a:prstGeom prst="rect">
+            <a:avLst/>
+          </a:prstGeom>
+          <a:noFill/>
+        </p:spPr>
+        <p:txBody>
+          <a:bodyPr wrap="square" rtlCol="0">
+            <a:spAutoFit/>
+          </a:bodyPr>
+          <a:lstStyle/>
+          <a:p>
+            <a:r>
+              <a:rPr lang="tr-TR" dirty="0" smtClean="0"/>
+              <a:t>Inductance: 33 </a:t>
+            </a:r>
+            <a:r>
+              <a:rPr lang="el-GR" dirty="0" smtClean="0"/>
+              <a:t>μ</a:t>
+            </a:r>
+            <a:r>
+              <a:rPr lang="tr-TR" dirty="0" smtClean="0"/>
+              <a:t>H @100KHz</a:t>
+            </a:r>
+          </a:p>
+          <a:p>
+            <a:r>
+              <a:rPr lang="tr-TR" dirty="0" smtClean="0"/>
+              <a:t>Rated Current: 22 A</a:t>
+            </a:r>
+          </a:p>
+          <a:p>
+            <a:r>
+              <a:rPr lang="tr-TR" dirty="0" smtClean="0"/>
+              <a:t>Sat. Current: 39.2 A</a:t>
+            </a:r>
+          </a:p>
+          <a:p>
+            <a:r>
+              <a:rPr lang="tr-TR" dirty="0" smtClean="0"/>
+              <a:t>DCR: 9.9 mOhm</a:t>
+            </a:r>
+            <a:endParaRPr lang="tr-TR" dirty="0"/>
+          </a:p>
+        </p:txBody>
+      </p:sp>
+      <p:pic>
+        <p:nvPicPr>
+          <p:cNvPr id="9" name="Picture 8"/>
+          <p:cNvPicPr>
+            <a:picLocks noChangeAspect="1"/>
+          </p:cNvPicPr>
+          <p:nvPr/>
+        </p:nvPicPr>
+        <p:blipFill>
+          <a:blip r:embed="rId6"/>
+          <a:stretch>
+            <a:fillRect/>
+          </a:stretch>
+        </p:blipFill>
+        <p:spPr>
+          <a:xfrm>
+            <a:off x="8568985" y="1166341"/>
+            <a:ext cx="2342269" cy="2473436"/>
+          </a:xfrm>
+          <a:prstGeom prst="rect">
+            <a:avLst/>
+          </a:prstGeom>
+        </p:spPr>
+      </p:pic>
+      <p:sp>
+        <p:nvSpPr>
+          <p:cNvPr id="10" name="TextBox 9"/>
+          <p:cNvSpPr txBox="1"/>
+          <p:nvPr/>
+        </p:nvSpPr>
+        <p:spPr>
+          <a:xfrm>
+            <a:off x="6224667" y="852469"/>
+            <a:ext cx="1151793" cy="369332"/>
+          </a:xfrm>
+          <a:prstGeom prst="rect">
+            <a:avLst/>
+          </a:prstGeom>
+          <a:noFill/>
+        </p:spPr>
+        <p:txBody>
+          <a:bodyPr wrap="square" rtlCol="0">
+            <a:spAutoFit/>
+          </a:bodyPr>
+          <a:lstStyle/>
+          <a:p>
+            <a:r>
+              <a:rPr lang="tr-TR" dirty="0" smtClean="0"/>
+              <a:t>Option #1</a:t>
+            </a:r>
+            <a:endParaRPr lang="tr-TR" dirty="0"/>
+          </a:p>
+        </p:txBody>
+      </p:sp>
+      <p:sp>
+        <p:nvSpPr>
+          <p:cNvPr id="23" name="TextBox 22"/>
+          <p:cNvSpPr txBox="1"/>
+          <p:nvPr/>
+        </p:nvSpPr>
+        <p:spPr>
+          <a:xfrm>
+            <a:off x="9064542" y="851428"/>
+            <a:ext cx="1151793" cy="369332"/>
+          </a:xfrm>
+          <a:prstGeom prst="rect">
+            <a:avLst/>
+          </a:prstGeom>
+          <a:noFill/>
+        </p:spPr>
+        <p:txBody>
+          <a:bodyPr wrap="square" rtlCol="0">
+            <a:spAutoFit/>
+          </a:bodyPr>
+          <a:lstStyle/>
+          <a:p>
+            <a:r>
+              <a:rPr lang="tr-TR" dirty="0" smtClean="0"/>
+              <a:t>Option #2</a:t>
+            </a:r>
+            <a:endParaRPr lang="tr-TR" dirty="0"/>
+          </a:p>
+        </p:txBody>
+      </p:sp>
+      <p:cxnSp>
+        <p:nvCxnSpPr>
+          <p:cNvPr id="12" name="Straight Arrow Connector 11"/>
+          <p:cNvCxnSpPr/>
+          <p:nvPr/>
+        </p:nvCxnSpPr>
+        <p:spPr>
+          <a:xfrm>
+            <a:off x="8008823" y="4631389"/>
+            <a:ext cx="31879" cy="862609"/>
+          </a:xfrm>
+          <a:prstGeom prst="straightConnector1">
+            <a:avLst/>
+          </a:prstGeom>
+          <a:ln w="25400">
+            <a:solidFill>
+              <a:srgbClr val="FF0000"/>
+            </a:solidFill>
+            <a:tailEnd type="triangle"/>
+          </a:ln>
+        </p:spPr>
+        <p:style>
+          <a:lnRef idx="1">
+            <a:schemeClr val="accent1"/>
+          </a:lnRef>
+          <a:fillRef idx="0">
+            <a:schemeClr val="accent1"/>
+          </a:fillRef>
+          <a:effectRef idx="0">
+            <a:schemeClr val="accent1"/>
+          </a:effectRef>
+          <a:fontRef idx="minor">
+            <a:schemeClr val="tx1"/>
+          </a:fontRef>
+        </p:style>
+      </p:cxnSp>
+      <p:sp>
+        <p:nvSpPr>
+          <p:cNvPr id="13" name="TextBox 12"/>
+          <p:cNvSpPr txBox="1"/>
+          <p:nvPr/>
+        </p:nvSpPr>
+        <p:spPr>
+          <a:xfrm>
+            <a:off x="7233567" y="5455898"/>
+            <a:ext cx="1614269" cy="338554"/>
+          </a:xfrm>
+          <a:prstGeom prst="rect">
+            <a:avLst/>
+          </a:prstGeom>
+          <a:noFill/>
+        </p:spPr>
+        <p:txBody>
+          <a:bodyPr wrap="square" rtlCol="0">
+            <a:spAutoFit/>
+          </a:bodyPr>
+          <a:lstStyle/>
+          <a:p>
+            <a:r>
+              <a:rPr lang="tr-TR" sz="1600" dirty="0" smtClean="0">
+                <a:solidFill>
+                  <a:srgbClr val="FF0000"/>
+                </a:solidFill>
+              </a:rPr>
+              <a:t>Self-Resonance?</a:t>
+            </a:r>
+            <a:endParaRPr lang="tr-TR" sz="1600" dirty="0">
+              <a:solidFill>
+                <a:srgbClr val="FF0000"/>
+              </a:solidFill>
+            </a:endParaRPr>
+          </a:p>
+        </p:txBody>
+      </p:sp>
+      <p:sp>
+        <p:nvSpPr>
+          <p:cNvPr id="31" name="TextBox 30"/>
+          <p:cNvSpPr txBox="1"/>
+          <p:nvPr/>
+        </p:nvSpPr>
+        <p:spPr>
+          <a:xfrm>
+            <a:off x="7125469" y="5677975"/>
+            <a:ext cx="2514969" cy="276999"/>
+          </a:xfrm>
+          <a:prstGeom prst="rect">
+            <a:avLst/>
+          </a:prstGeom>
+          <a:noFill/>
+        </p:spPr>
+        <p:txBody>
+          <a:bodyPr wrap="square" rtlCol="0">
+            <a:spAutoFit/>
+          </a:bodyPr>
+          <a:lstStyle/>
+          <a:p>
+            <a:r>
+              <a:rPr lang="tr-TR" sz="1200" dirty="0" smtClean="0">
+                <a:solidFill>
+                  <a:srgbClr val="FF0000"/>
+                </a:solidFill>
+              </a:rPr>
+              <a:t>Can cause hard-switching</a:t>
+            </a:r>
+            <a:endParaRPr lang="tr-TR" sz="1200" dirty="0">
+              <a:solidFill>
+                <a:srgbClr val="FF0000"/>
+              </a:solidFill>
+            </a:endParaRPr>
+          </a:p>
+        </p:txBody>
+      </p:sp>
+      <p:sp>
+        <p:nvSpPr>
+          <p:cNvPr id="32" name="5-Point Star 31"/>
+          <p:cNvSpPr/>
+          <p:nvPr/>
+        </p:nvSpPr>
+        <p:spPr>
+          <a:xfrm>
+            <a:off x="10300948" y="630848"/>
+            <a:ext cx="597962" cy="545068"/>
+          </a:xfrm>
+          <a:prstGeom prst="star5">
+            <a:avLst/>
+          </a:prstGeom>
+        </p:spPr>
+        <p:style>
+          <a:lnRef idx="2">
+            <a:schemeClr val="accent1">
+              <a:shade val="50000"/>
+            </a:schemeClr>
+          </a:lnRef>
+          <a:fillRef idx="1">
+            <a:schemeClr val="accent1"/>
+          </a:fillRef>
+          <a:effectRef idx="0">
+            <a:schemeClr val="accent1"/>
+          </a:effectRef>
+          <a:fontRef idx="minor">
+            <a:schemeClr val="lt1"/>
+          </a:fontRef>
+        </p:style>
+        <p:txBody>
+          <a:bodyPr rtlCol="0" anchor="ctr"/>
+          <a:lstStyle/>
+          <a:p>
+            <a:pPr algn="ctr"/>
+            <a:endParaRPr lang="tr-TR"/>
+          </a:p>
+        </p:txBody>
+      </p:sp>
+    </p:spTree>
+    <p:extLst>
+      <p:ext uri="{BB962C8B-B14F-4D97-AF65-F5344CB8AC3E}">
+        <p14:creationId xmlns:p14="http://schemas.microsoft.com/office/powerpoint/2010/main" val="3287867520"/>
+      </p:ext>
+    </p:extLst>
+  </p:cSld>
+  <p:clrMapOvr>
+    <a:masterClrMapping/>
+  </p:clrMapOvr>
+  <p:timing>
+    <p:tnLst>
+      <p:par>
+        <p:cTn id="1" dur="indefinite" restart="never" nodeType="tmRoot"/>
+      </p:par>
+    </p:tnLst>
+  </p:timing>
+</p:sld>
+</file>
+
+<file path=ppt/slides/slide18.xml><?xml version="1.0" encoding="utf-8"?>
+<p:sld xmlns:a="http://schemas.openxmlformats.org/drawingml/2006/main" xmlns:r="http://schemas.openxmlformats.org/officeDocument/2006/relationships" xmlns:p="http://schemas.openxmlformats.org/presentationml/2006/main">
+  <p:cSld>
+    <p:spTree>
+      <p:nvGrpSpPr>
+        <p:cNvPr id="1" name=""/>
+        <p:cNvGrpSpPr/>
+        <p:nvPr/>
+      </p:nvGrpSpPr>
+      <p:grpSpPr>
+        <a:xfrm>
+          <a:off x="0" y="0"/>
+          <a:ext cx="0" cy="0"/>
+          <a:chOff x="0" y="0"/>
+          <a:chExt cx="0" cy="0"/>
+        </a:xfrm>
+      </p:grpSpPr>
+      <p:sp>
+        <p:nvSpPr>
+          <p:cNvPr id="4" name="Slide Number Placeholder 3"/>
+          <p:cNvSpPr>
+            <a:spLocks noGrp="1"/>
+          </p:cNvSpPr>
+          <p:nvPr>
+            <p:ph type="sldNum" sz="quarter" idx="12"/>
+          </p:nvPr>
+        </p:nvSpPr>
+        <p:spPr/>
+        <p:txBody>
+          <a:bodyPr/>
+          <a:lstStyle/>
+          <a:p>
+            <a:fld id="{178508F5-8E49-4F57-B165-331DE2AB85B8}" type="slidenum">
+              <a:rPr lang="tr-TR" sz="1800" smtClean="0"/>
+              <a:t>18</a:t>
+            </a:fld>
+            <a:endParaRPr lang="tr-TR" dirty="0"/>
+          </a:p>
+        </p:txBody>
+      </p:sp>
+      <p:sp>
+        <p:nvSpPr>
+          <p:cNvPr id="5" name="TextBox 4"/>
+          <p:cNvSpPr txBox="1"/>
+          <p:nvPr/>
+        </p:nvSpPr>
+        <p:spPr>
+          <a:xfrm>
+            <a:off x="562706" y="316523"/>
+            <a:ext cx="4923693" cy="461665"/>
+          </a:xfrm>
+          <a:prstGeom prst="rect">
+            <a:avLst/>
+          </a:prstGeom>
+          <a:noFill/>
+        </p:spPr>
+        <p:txBody>
+          <a:bodyPr wrap="square" rtlCol="0">
+            <a:spAutoFit/>
+          </a:bodyPr>
+          <a:lstStyle/>
+          <a:p>
+            <a:r>
+              <a:rPr lang="tr-TR" sz="2400" dirty="0" smtClean="0"/>
+              <a:t>Simulation </a:t>
+            </a:r>
+            <a:r>
+              <a:rPr lang="tr-TR" sz="2400" dirty="0" smtClean="0"/>
+              <a:t>Study – Filter Design</a:t>
+            </a:r>
+            <a:endParaRPr lang="tr-TR" sz="2400" dirty="0"/>
+          </a:p>
+        </p:txBody>
+      </p:sp>
+      <p:sp>
+        <p:nvSpPr>
+          <p:cNvPr id="7" name="TextBox 6"/>
+          <p:cNvSpPr txBox="1"/>
+          <p:nvPr/>
+        </p:nvSpPr>
+        <p:spPr>
+          <a:xfrm>
+            <a:off x="9076595" y="2228386"/>
+            <a:ext cx="2527790" cy="1200329"/>
+          </a:xfrm>
+          <a:prstGeom prst="rect">
+            <a:avLst/>
+          </a:prstGeom>
+          <a:noFill/>
+        </p:spPr>
+        <p:txBody>
+          <a:bodyPr wrap="square" rtlCol="0">
+            <a:spAutoFit/>
+          </a:bodyPr>
+          <a:lstStyle/>
+          <a:p>
+            <a:r>
+              <a:rPr lang="tr-TR" u="sng" dirty="0" smtClean="0"/>
+              <a:t>L1 Ratings</a:t>
+            </a:r>
+          </a:p>
+          <a:p>
+            <a:r>
+              <a:rPr lang="tr-TR" dirty="0" smtClean="0"/>
+              <a:t>13.9 Arms @100kHz</a:t>
+            </a:r>
+          </a:p>
+          <a:p>
+            <a:r>
+              <a:rPr lang="tr-TR" dirty="0" smtClean="0"/>
+              <a:t>9.2 Adc</a:t>
+            </a:r>
+          </a:p>
+          <a:p>
+            <a:r>
+              <a:rPr lang="tr-TR" dirty="0" smtClean="0"/>
+              <a:t>27.1A, -8.8A peak points</a:t>
+            </a:r>
+            <a:endParaRPr lang="tr-TR" dirty="0"/>
+          </a:p>
+        </p:txBody>
+      </p:sp>
+      <p:pic>
+        <p:nvPicPr>
+          <p:cNvPr id="3" name="Picture 2"/>
+          <p:cNvPicPr>
+            <a:picLocks noChangeAspect="1"/>
+          </p:cNvPicPr>
+          <p:nvPr/>
+        </p:nvPicPr>
+        <p:blipFill>
+          <a:blip r:embed="rId2"/>
+          <a:stretch>
+            <a:fillRect/>
+          </a:stretch>
+        </p:blipFill>
+        <p:spPr>
+          <a:xfrm>
+            <a:off x="422030" y="1411460"/>
+            <a:ext cx="5882055" cy="3943350"/>
+          </a:xfrm>
+          <a:prstGeom prst="rect">
+            <a:avLst/>
+          </a:prstGeom>
+        </p:spPr>
+      </p:pic>
+      <p:sp>
+        <p:nvSpPr>
+          <p:cNvPr id="11" name="TextBox 10"/>
+          <p:cNvSpPr txBox="1"/>
+          <p:nvPr/>
+        </p:nvSpPr>
+        <p:spPr>
+          <a:xfrm>
+            <a:off x="2048608" y="967603"/>
+            <a:ext cx="3921369" cy="369332"/>
+          </a:xfrm>
+          <a:prstGeom prst="rect">
+            <a:avLst/>
+          </a:prstGeom>
+          <a:noFill/>
+        </p:spPr>
+        <p:txBody>
+          <a:bodyPr wrap="square" rtlCol="0">
+            <a:spAutoFit/>
+          </a:bodyPr>
+          <a:lstStyle/>
+          <a:p>
+            <a:r>
+              <a:rPr lang="tr-TR" dirty="0" smtClean="0"/>
+              <a:t>Inductance Tolerances (+/-10%)</a:t>
+            </a:r>
+            <a:endParaRPr lang="tr-TR" dirty="0"/>
+          </a:p>
+        </p:txBody>
+      </p:sp>
+      <p:sp>
+        <p:nvSpPr>
+          <p:cNvPr id="24" name="TextBox 23"/>
+          <p:cNvSpPr txBox="1"/>
+          <p:nvPr/>
+        </p:nvSpPr>
+        <p:spPr>
+          <a:xfrm>
+            <a:off x="9076594" y="3428715"/>
+            <a:ext cx="2633298" cy="1200329"/>
+          </a:xfrm>
+          <a:prstGeom prst="rect">
+            <a:avLst/>
+          </a:prstGeom>
+          <a:noFill/>
+        </p:spPr>
+        <p:txBody>
+          <a:bodyPr wrap="square" rtlCol="0">
+            <a:spAutoFit/>
+          </a:bodyPr>
+          <a:lstStyle/>
+          <a:p>
+            <a:r>
+              <a:rPr lang="tr-TR" u="sng" dirty="0" smtClean="0"/>
+              <a:t>L2 Ratings</a:t>
+            </a:r>
+          </a:p>
+          <a:p>
+            <a:r>
+              <a:rPr lang="tr-TR" dirty="0" smtClean="0"/>
+              <a:t>16.75 Arms @100kHz</a:t>
+            </a:r>
+          </a:p>
+          <a:p>
+            <a:r>
+              <a:rPr lang="tr-TR" dirty="0" smtClean="0"/>
+              <a:t>10.8 Adc</a:t>
+            </a:r>
+          </a:p>
+          <a:p>
+            <a:r>
+              <a:rPr lang="tr-TR" dirty="0" smtClean="0"/>
+              <a:t>32.7A, -10.6A peak points</a:t>
+            </a:r>
+            <a:endParaRPr lang="tr-TR" dirty="0"/>
+          </a:p>
+        </p:txBody>
+      </p:sp>
+      <p:sp>
+        <p:nvSpPr>
+          <p:cNvPr id="25" name="TextBox 24"/>
+          <p:cNvSpPr txBox="1"/>
+          <p:nvPr/>
+        </p:nvSpPr>
+        <p:spPr>
+          <a:xfrm>
+            <a:off x="9076593" y="4638283"/>
+            <a:ext cx="2277207" cy="646331"/>
+          </a:xfrm>
+          <a:prstGeom prst="rect">
+            <a:avLst/>
+          </a:prstGeom>
+          <a:noFill/>
+        </p:spPr>
+        <p:txBody>
+          <a:bodyPr wrap="square" rtlCol="0">
+            <a:spAutoFit/>
+          </a:bodyPr>
+          <a:lstStyle/>
+          <a:p>
+            <a:r>
+              <a:rPr lang="tr-TR" u="sng" dirty="0" smtClean="0"/>
+              <a:t>C Ratings</a:t>
+            </a:r>
+          </a:p>
+          <a:p>
+            <a:r>
+              <a:rPr lang="tr-TR" dirty="0" smtClean="0"/>
+              <a:t>7.9 Arms @200kHz</a:t>
+            </a:r>
+          </a:p>
+        </p:txBody>
+      </p:sp>
+      <p:sp>
+        <p:nvSpPr>
+          <p:cNvPr id="26" name="TextBox 25"/>
+          <p:cNvSpPr txBox="1"/>
+          <p:nvPr/>
+        </p:nvSpPr>
+        <p:spPr>
+          <a:xfrm>
+            <a:off x="6799386" y="2861658"/>
+            <a:ext cx="2277207" cy="1200329"/>
+          </a:xfrm>
+          <a:prstGeom prst="rect">
+            <a:avLst/>
+          </a:prstGeom>
+          <a:noFill/>
+        </p:spPr>
+        <p:txBody>
+          <a:bodyPr wrap="square" rtlCol="0">
+            <a:spAutoFit/>
+          </a:bodyPr>
+          <a:lstStyle/>
+          <a:p>
+            <a:r>
+              <a:rPr lang="tr-TR" u="sng" dirty="0" smtClean="0"/>
+              <a:t>L Ratings</a:t>
+            </a:r>
+          </a:p>
+          <a:p>
+            <a:r>
+              <a:rPr lang="tr-TR" dirty="0" smtClean="0"/>
+              <a:t>15 Arms @100kHz</a:t>
+            </a:r>
+          </a:p>
+          <a:p>
+            <a:r>
+              <a:rPr lang="tr-TR" dirty="0" smtClean="0"/>
+              <a:t>10 Adc</a:t>
+            </a:r>
+          </a:p>
+          <a:p>
+            <a:r>
+              <a:rPr lang="tr-TR" dirty="0" smtClean="0"/>
+              <a:t>30A, -10A peak points</a:t>
+            </a:r>
+            <a:endParaRPr lang="tr-TR" dirty="0"/>
+          </a:p>
+        </p:txBody>
+      </p:sp>
+      <p:sp>
+        <p:nvSpPr>
+          <p:cNvPr id="27" name="TextBox 26"/>
+          <p:cNvSpPr txBox="1"/>
+          <p:nvPr/>
+        </p:nvSpPr>
+        <p:spPr>
+          <a:xfrm>
+            <a:off x="6849208" y="4638283"/>
+            <a:ext cx="2277207" cy="646331"/>
+          </a:xfrm>
+          <a:prstGeom prst="rect">
+            <a:avLst/>
+          </a:prstGeom>
+          <a:noFill/>
+        </p:spPr>
+        <p:txBody>
+          <a:bodyPr wrap="square" rtlCol="0">
+            <a:spAutoFit/>
+          </a:bodyPr>
+          <a:lstStyle/>
+          <a:p>
+            <a:r>
+              <a:rPr lang="tr-TR" u="sng" dirty="0" smtClean="0"/>
+              <a:t>C Ratings</a:t>
+            </a:r>
+          </a:p>
+          <a:p>
+            <a:r>
+              <a:rPr lang="tr-TR" dirty="0" smtClean="0"/>
+              <a:t>7.5 Arms @200kHz</a:t>
+            </a:r>
+          </a:p>
+        </p:txBody>
+      </p:sp>
+      <p:sp>
+        <p:nvSpPr>
+          <p:cNvPr id="17" name="Rectangle 16"/>
+          <p:cNvSpPr/>
+          <p:nvPr/>
+        </p:nvSpPr>
+        <p:spPr>
+          <a:xfrm>
+            <a:off x="6799386" y="2228386"/>
+            <a:ext cx="4804999" cy="2400658"/>
+          </a:xfrm>
+          <a:prstGeom prst="rect">
+            <a:avLst/>
+          </a:prstGeom>
+          <a:noFill/>
+          <a:ln w="31750">
+            <a:solidFill>
+              <a:srgbClr val="FF0000"/>
+            </a:solidFill>
+          </a:ln>
+        </p:spPr>
+        <p:style>
+          <a:lnRef idx="2">
+            <a:schemeClr val="accent1">
+              <a:shade val="50000"/>
+            </a:schemeClr>
+          </a:lnRef>
+          <a:fillRef idx="1">
+            <a:schemeClr val="accent1"/>
+          </a:fillRef>
+          <a:effectRef idx="0">
+            <a:schemeClr val="accent1"/>
+          </a:effectRef>
+          <a:fontRef idx="minor">
+            <a:schemeClr val="lt1"/>
+          </a:fontRef>
+        </p:style>
+        <p:txBody>
+          <a:bodyPr rtlCol="0" anchor="ctr"/>
+          <a:lstStyle/>
+          <a:p>
+            <a:pPr algn="ctr"/>
+            <a:endParaRPr lang="tr-TR"/>
+          </a:p>
+        </p:txBody>
+      </p:sp>
+      <p:sp>
+        <p:nvSpPr>
+          <p:cNvPr id="28" name="Rectangle 27"/>
+          <p:cNvSpPr/>
+          <p:nvPr/>
+        </p:nvSpPr>
+        <p:spPr>
+          <a:xfrm>
+            <a:off x="6799385" y="4644833"/>
+            <a:ext cx="4804999" cy="580116"/>
+          </a:xfrm>
+          <a:prstGeom prst="rect">
+            <a:avLst/>
+          </a:prstGeom>
+          <a:noFill/>
+          <a:ln w="31750">
+            <a:solidFill>
+              <a:srgbClr val="FF0000"/>
+            </a:solidFill>
+          </a:ln>
+        </p:spPr>
+        <p:style>
+          <a:lnRef idx="2">
+            <a:schemeClr val="accent1">
+              <a:shade val="50000"/>
+            </a:schemeClr>
+          </a:lnRef>
+          <a:fillRef idx="1">
+            <a:schemeClr val="accent1"/>
+          </a:fillRef>
+          <a:effectRef idx="0">
+            <a:schemeClr val="accent1"/>
+          </a:effectRef>
+          <a:fontRef idx="minor">
+            <a:schemeClr val="lt1"/>
+          </a:fontRef>
+        </p:style>
+        <p:txBody>
+          <a:bodyPr rtlCol="0" anchor="ctr"/>
+          <a:lstStyle/>
+          <a:p>
+            <a:pPr algn="ctr"/>
+            <a:endParaRPr lang="tr-TR"/>
+          </a:p>
+        </p:txBody>
+      </p:sp>
+      <p:cxnSp>
+        <p:nvCxnSpPr>
+          <p:cNvPr id="29" name="Straight Connector 28"/>
+          <p:cNvCxnSpPr/>
+          <p:nvPr/>
+        </p:nvCxnSpPr>
+        <p:spPr>
+          <a:xfrm>
+            <a:off x="9076593" y="1618866"/>
+            <a:ext cx="0" cy="3606083"/>
+          </a:xfrm>
+          <a:prstGeom prst="line">
+            <a:avLst/>
+          </a:prstGeom>
+          <a:ln w="28575">
+            <a:solidFill>
+              <a:srgbClr val="FF0000"/>
+            </a:solidFill>
+          </a:ln>
+        </p:spPr>
+        <p:style>
+          <a:lnRef idx="1">
+            <a:schemeClr val="accent1"/>
+          </a:lnRef>
+          <a:fillRef idx="0">
+            <a:schemeClr val="accent1"/>
+          </a:fillRef>
+          <a:effectRef idx="0">
+            <a:schemeClr val="accent1"/>
+          </a:effectRef>
+          <a:fontRef idx="minor">
+            <a:schemeClr val="tx1"/>
+          </a:fontRef>
+        </p:style>
+      </p:cxnSp>
+      <p:sp>
+        <p:nvSpPr>
+          <p:cNvPr id="32" name="Rectangle 31"/>
+          <p:cNvSpPr/>
+          <p:nvPr/>
+        </p:nvSpPr>
+        <p:spPr>
+          <a:xfrm>
+            <a:off x="6799384" y="1618866"/>
+            <a:ext cx="4804999" cy="580116"/>
+          </a:xfrm>
+          <a:prstGeom prst="rect">
+            <a:avLst/>
+          </a:prstGeom>
+          <a:noFill/>
+          <a:ln w="31750">
+            <a:solidFill>
+              <a:srgbClr val="FF0000"/>
+            </a:solidFill>
+          </a:ln>
+        </p:spPr>
+        <p:style>
+          <a:lnRef idx="2">
+            <a:schemeClr val="accent1">
+              <a:shade val="50000"/>
+            </a:schemeClr>
+          </a:lnRef>
+          <a:fillRef idx="1">
+            <a:schemeClr val="accent1"/>
+          </a:fillRef>
+          <a:effectRef idx="0">
+            <a:schemeClr val="accent1"/>
+          </a:effectRef>
+          <a:fontRef idx="minor">
+            <a:schemeClr val="lt1"/>
+          </a:fontRef>
+        </p:style>
+        <p:txBody>
+          <a:bodyPr rtlCol="0" anchor="ctr"/>
+          <a:lstStyle/>
+          <a:p>
+            <a:pPr algn="ctr"/>
+            <a:endParaRPr lang="tr-TR"/>
+          </a:p>
+        </p:txBody>
+      </p:sp>
+      <p:sp>
+        <p:nvSpPr>
+          <p:cNvPr id="34" name="TextBox 33"/>
+          <p:cNvSpPr txBox="1"/>
+          <p:nvPr/>
+        </p:nvSpPr>
+        <p:spPr>
+          <a:xfrm>
+            <a:off x="7217553" y="1731948"/>
+            <a:ext cx="1556304" cy="369332"/>
+          </a:xfrm>
+          <a:prstGeom prst="rect">
+            <a:avLst/>
+          </a:prstGeom>
+          <a:noFill/>
+        </p:spPr>
+        <p:txBody>
+          <a:bodyPr wrap="square" rtlCol="0">
+            <a:spAutoFit/>
+          </a:bodyPr>
+          <a:lstStyle/>
+          <a:p>
+            <a:r>
+              <a:rPr lang="tr-TR" b="1" dirty="0" smtClean="0"/>
+              <a:t>Balanced Ind.</a:t>
+            </a:r>
+            <a:endParaRPr lang="tr-TR" b="1" dirty="0"/>
+          </a:p>
+        </p:txBody>
+      </p:sp>
+      <p:sp>
+        <p:nvSpPr>
+          <p:cNvPr id="35" name="TextBox 34"/>
+          <p:cNvSpPr txBox="1"/>
+          <p:nvPr/>
+        </p:nvSpPr>
+        <p:spPr>
+          <a:xfrm>
+            <a:off x="9379330" y="1723248"/>
+            <a:ext cx="1922317" cy="369332"/>
+          </a:xfrm>
+          <a:prstGeom prst="rect">
+            <a:avLst/>
+          </a:prstGeom>
+          <a:noFill/>
+        </p:spPr>
+        <p:txBody>
+          <a:bodyPr wrap="square" rtlCol="0">
+            <a:spAutoFit/>
+          </a:bodyPr>
+          <a:lstStyle/>
+          <a:p>
+            <a:r>
+              <a:rPr lang="tr-TR" b="1" dirty="0" smtClean="0"/>
+              <a:t>Unbalanced Ind.</a:t>
+            </a:r>
+            <a:endParaRPr lang="tr-TR" b="1" dirty="0"/>
+          </a:p>
+        </p:txBody>
+      </p:sp>
+      <p:sp>
+        <p:nvSpPr>
+          <p:cNvPr id="36" name="TextBox 35"/>
+          <p:cNvSpPr txBox="1"/>
+          <p:nvPr/>
+        </p:nvSpPr>
+        <p:spPr>
+          <a:xfrm>
+            <a:off x="7557290" y="5361461"/>
+            <a:ext cx="3389135" cy="830997"/>
+          </a:xfrm>
+          <a:prstGeom prst="rect">
+            <a:avLst/>
+          </a:prstGeom>
+          <a:noFill/>
+        </p:spPr>
+        <p:txBody>
+          <a:bodyPr wrap="square" rtlCol="0">
+            <a:spAutoFit/>
+          </a:bodyPr>
+          <a:lstStyle/>
+          <a:p>
+            <a:pPr algn="ctr"/>
+            <a:r>
+              <a:rPr lang="tr-TR" sz="2400" dirty="0" smtClean="0"/>
+              <a:t>Unbalanced conditions</a:t>
+            </a:r>
+          </a:p>
+          <a:p>
+            <a:pPr algn="ctr"/>
+            <a:r>
+              <a:rPr lang="tr-TR" sz="2400" dirty="0" smtClean="0"/>
+              <a:t>don’t seem that harmful!</a:t>
+            </a:r>
+            <a:endParaRPr lang="tr-TR" sz="2400" dirty="0"/>
+          </a:p>
+        </p:txBody>
+      </p:sp>
+    </p:spTree>
+    <p:extLst>
+      <p:ext uri="{BB962C8B-B14F-4D97-AF65-F5344CB8AC3E}">
+        <p14:creationId xmlns:p14="http://schemas.microsoft.com/office/powerpoint/2010/main" val="3390808419"/>
+      </p:ext>
+    </p:extLst>
+  </p:cSld>
+  <p:clrMapOvr>
+    <a:masterClrMapping/>
+  </p:clrMapOvr>
+  <p:timing>
+    <p:tnLst>
+      <p:par>
+        <p:cTn id="1" dur="indefinite" restart="never" nodeType="tmRoot"/>
+      </p:par>
+    </p:tnLst>
+  </p:timing>
+</p:sld>
+</file>
+
+<file path=ppt/slides/slide19.xml><?xml version="1.0" encoding="utf-8"?>
+<p:sld xmlns:a="http://schemas.openxmlformats.org/drawingml/2006/main" xmlns:r="http://schemas.openxmlformats.org/officeDocument/2006/relationships" xmlns:p="http://schemas.openxmlformats.org/presentationml/2006/main">
+  <p:cSld>
+    <p:spTree>
+      <p:nvGrpSpPr>
+        <p:cNvPr id="1" name=""/>
+        <p:cNvGrpSpPr/>
+        <p:nvPr/>
+      </p:nvGrpSpPr>
+      <p:grpSpPr>
+        <a:xfrm>
+          <a:off x="0" y="0"/>
+          <a:ext cx="0" cy="0"/>
+          <a:chOff x="0" y="0"/>
+          <a:chExt cx="0" cy="0"/>
+        </a:xfrm>
+      </p:grpSpPr>
+      <p:sp>
+        <p:nvSpPr>
+          <p:cNvPr id="4" name="Slide Number Placeholder 3"/>
+          <p:cNvSpPr>
+            <a:spLocks noGrp="1"/>
+          </p:cNvSpPr>
+          <p:nvPr>
+            <p:ph type="sldNum" sz="quarter" idx="12"/>
+          </p:nvPr>
+        </p:nvSpPr>
+        <p:spPr/>
+        <p:txBody>
+          <a:bodyPr/>
+          <a:lstStyle/>
+          <a:p>
+            <a:fld id="{178508F5-8E49-4F57-B165-331DE2AB85B8}" type="slidenum">
+              <a:rPr lang="tr-TR" sz="1800" smtClean="0"/>
+              <a:t>19</a:t>
+            </a:fld>
+            <a:endParaRPr lang="tr-TR" dirty="0"/>
+          </a:p>
+        </p:txBody>
+      </p:sp>
+      <p:sp>
+        <p:nvSpPr>
+          <p:cNvPr id="5" name="TextBox 4"/>
+          <p:cNvSpPr txBox="1"/>
+          <p:nvPr/>
+        </p:nvSpPr>
+        <p:spPr>
+          <a:xfrm>
+            <a:off x="562707" y="316523"/>
+            <a:ext cx="4997584" cy="461665"/>
+          </a:xfrm>
+          <a:prstGeom prst="rect">
+            <a:avLst/>
+          </a:prstGeom>
+          <a:noFill/>
+        </p:spPr>
+        <p:txBody>
+          <a:bodyPr wrap="square" rtlCol="0">
+            <a:spAutoFit/>
+          </a:bodyPr>
+          <a:lstStyle/>
+          <a:p>
+            <a:r>
+              <a:rPr lang="tr-TR" sz="2400" dirty="0" smtClean="0"/>
+              <a:t>Simulation </a:t>
+            </a:r>
+            <a:r>
+              <a:rPr lang="tr-TR" sz="2400" dirty="0" smtClean="0"/>
+              <a:t>Study with Selected Filters</a:t>
+            </a:r>
+            <a:endParaRPr lang="tr-TR" sz="2400" dirty="0"/>
+          </a:p>
+        </p:txBody>
+      </p:sp>
+      <p:graphicFrame>
+        <p:nvGraphicFramePr>
+          <p:cNvPr id="3" name="Table 2"/>
+          <p:cNvGraphicFramePr>
+            <a:graphicFrameLocks noGrp="1"/>
+          </p:cNvGraphicFramePr>
+          <p:nvPr>
+            <p:extLst>
+              <p:ext uri="{D42A27DB-BD31-4B8C-83A1-F6EECF244321}">
+                <p14:modId xmlns:p14="http://schemas.microsoft.com/office/powerpoint/2010/main" val="2804055090"/>
+              </p:ext>
+            </p:extLst>
+          </p:nvPr>
+        </p:nvGraphicFramePr>
+        <p:xfrm>
+          <a:off x="1955801" y="1449339"/>
+          <a:ext cx="8127999" cy="2966720"/>
+        </p:xfrm>
+        <a:graphic>
+          <a:graphicData uri="http://schemas.openxmlformats.org/drawingml/2006/table">
+            <a:tbl>
+              <a:tblPr firstRow="1" bandRow="1">
+                <a:tableStyleId>{7DF18680-E054-41AD-8BC1-D1AEF772440D}</a:tableStyleId>
+              </a:tblPr>
+              <a:tblGrid>
+                <a:gridCol w="1939636">
+                  <a:extLst>
+                    <a:ext uri="{9D8B030D-6E8A-4147-A177-3AD203B41FA5}">
+                      <a16:colId xmlns:a16="http://schemas.microsoft.com/office/drawing/2014/main" val="3742650035"/>
+                    </a:ext>
+                  </a:extLst>
+                </a:gridCol>
+                <a:gridCol w="3103419">
+                  <a:extLst>
+                    <a:ext uri="{9D8B030D-6E8A-4147-A177-3AD203B41FA5}">
+                      <a16:colId xmlns:a16="http://schemas.microsoft.com/office/drawing/2014/main" val="2746093398"/>
+                    </a:ext>
+                  </a:extLst>
+                </a:gridCol>
+                <a:gridCol w="3084944">
+                  <a:extLst>
+                    <a:ext uri="{9D8B030D-6E8A-4147-A177-3AD203B41FA5}">
+                      <a16:colId xmlns:a16="http://schemas.microsoft.com/office/drawing/2014/main" val="2681478820"/>
+                    </a:ext>
+                  </a:extLst>
+                </a:gridCol>
+              </a:tblGrid>
+              <a:tr h="370840">
+                <a:tc>
+                  <a:txBody>
+                    <a:bodyPr/>
+                    <a:lstStyle/>
+                    <a:p>
+                      <a:endParaRPr lang="tr-TR" dirty="0"/>
+                    </a:p>
+                  </a:txBody>
+                  <a:tcPr/>
+                </a:tc>
+                <a:tc>
+                  <a:txBody>
+                    <a:bodyPr/>
+                    <a:lstStyle/>
+                    <a:p>
+                      <a:r>
+                        <a:rPr lang="tr-TR" dirty="0" smtClean="0"/>
+                        <a:t>Results</a:t>
+                      </a:r>
+                      <a:r>
+                        <a:rPr lang="tr-TR" baseline="0" dirty="0" smtClean="0"/>
+                        <a:t> before filter selections</a:t>
+                      </a:r>
+                      <a:endParaRPr lang="tr-TR" dirty="0"/>
+                    </a:p>
+                  </a:txBody>
+                  <a:tcPr/>
+                </a:tc>
+                <a:tc>
+                  <a:txBody>
+                    <a:bodyPr/>
+                    <a:lstStyle/>
+                    <a:p>
+                      <a:r>
+                        <a:rPr lang="tr-TR" dirty="0" smtClean="0"/>
+                        <a:t>Results after filter selections</a:t>
+                      </a:r>
+                      <a:endParaRPr lang="tr-TR" dirty="0"/>
+                    </a:p>
+                  </a:txBody>
+                  <a:tcPr/>
+                </a:tc>
+                <a:extLst>
+                  <a:ext uri="{0D108BD9-81ED-4DB2-BD59-A6C34878D82A}">
+                    <a16:rowId xmlns:a16="http://schemas.microsoft.com/office/drawing/2014/main" val="3787613991"/>
+                  </a:ext>
+                </a:extLst>
+              </a:tr>
+              <a:tr h="370840">
+                <a:tc>
+                  <a:txBody>
+                    <a:bodyPr/>
+                    <a:lstStyle/>
+                    <a:p>
+                      <a:pPr algn="l"/>
+                      <a:r>
+                        <a:rPr lang="tr-TR" dirty="0" smtClean="0"/>
+                        <a:t>I(C)</a:t>
+                      </a:r>
+                      <a:endParaRPr lang="tr-TR" dirty="0"/>
+                    </a:p>
+                  </a:txBody>
+                  <a:tcPr/>
+                </a:tc>
+                <a:tc>
+                  <a:txBody>
+                    <a:bodyPr/>
+                    <a:lstStyle/>
+                    <a:p>
+                      <a:pPr algn="ctr"/>
+                      <a:r>
+                        <a:rPr lang="tr-TR" dirty="0" smtClean="0"/>
+                        <a:t>26 App @200 kHz</a:t>
+                      </a:r>
+                      <a:endParaRPr lang="tr-TR" dirty="0"/>
+                    </a:p>
+                  </a:txBody>
+                  <a:tcPr/>
+                </a:tc>
+                <a:tc>
+                  <a:txBody>
+                    <a:bodyPr/>
+                    <a:lstStyle/>
+                    <a:p>
+                      <a:pPr algn="ctr"/>
+                      <a:r>
+                        <a:rPr lang="tr-TR" dirty="0" smtClean="0"/>
+                        <a:t>20 App @200 kHz</a:t>
+                      </a:r>
+                      <a:endParaRPr lang="tr-TR" dirty="0"/>
+                    </a:p>
+                  </a:txBody>
+                  <a:tcPr/>
+                </a:tc>
+                <a:extLst>
+                  <a:ext uri="{0D108BD9-81ED-4DB2-BD59-A6C34878D82A}">
+                    <a16:rowId xmlns:a16="http://schemas.microsoft.com/office/drawing/2014/main" val="4013694663"/>
+                  </a:ext>
+                </a:extLst>
+              </a:tr>
+              <a:tr h="370840">
+                <a:tc>
+                  <a:txBody>
+                    <a:bodyPr/>
+                    <a:lstStyle/>
+                    <a:p>
+                      <a:pPr algn="l"/>
+                      <a:r>
+                        <a:rPr lang="tr-TR" dirty="0" smtClean="0"/>
+                        <a:t>I(L)</a:t>
+                      </a:r>
+                      <a:endParaRPr lang="tr-TR" dirty="0"/>
+                    </a:p>
+                  </a:txBody>
+                  <a:tcPr/>
+                </a:tc>
+                <a:tc>
+                  <a:txBody>
+                    <a:bodyPr/>
+                    <a:lstStyle/>
+                    <a:p>
+                      <a:pPr algn="ctr"/>
+                      <a:r>
+                        <a:rPr lang="tr-TR" dirty="0" smtClean="0"/>
+                        <a:t>15 Arms</a:t>
+                      </a:r>
+                      <a:endParaRPr lang="tr-TR" dirty="0"/>
+                    </a:p>
+                  </a:txBody>
+                  <a:tcPr/>
+                </a:tc>
+                <a:tc>
+                  <a:txBody>
+                    <a:bodyPr/>
+                    <a:lstStyle/>
+                    <a:p>
+                      <a:pPr algn="ctr"/>
+                      <a:r>
+                        <a:rPr lang="tr-TR" dirty="0" smtClean="0"/>
+                        <a:t>13.5 Arms</a:t>
+                      </a:r>
+                      <a:endParaRPr lang="tr-TR" dirty="0"/>
+                    </a:p>
+                  </a:txBody>
+                  <a:tcPr/>
+                </a:tc>
+                <a:extLst>
+                  <a:ext uri="{0D108BD9-81ED-4DB2-BD59-A6C34878D82A}">
+                    <a16:rowId xmlns:a16="http://schemas.microsoft.com/office/drawing/2014/main" val="19271735"/>
+                  </a:ext>
+                </a:extLst>
+              </a:tr>
+              <a:tr h="370840">
+                <a:tc>
+                  <a:txBody>
+                    <a:bodyPr/>
+                    <a:lstStyle/>
+                    <a:p>
+                      <a:pPr algn="l"/>
+                      <a:r>
+                        <a:rPr lang="tr-TR" dirty="0" smtClean="0"/>
+                        <a:t>Ipeak(L)</a:t>
+                      </a:r>
+                      <a:endParaRPr lang="tr-TR" dirty="0"/>
+                    </a:p>
+                  </a:txBody>
+                  <a:tcPr/>
+                </a:tc>
+                <a:tc>
+                  <a:txBody>
+                    <a:bodyPr/>
+                    <a:lstStyle/>
+                    <a:p>
+                      <a:pPr algn="ctr"/>
+                      <a:r>
+                        <a:rPr lang="tr-TR" dirty="0" smtClean="0"/>
+                        <a:t>30 A,</a:t>
+                      </a:r>
+                      <a:r>
+                        <a:rPr lang="tr-TR" baseline="0" dirty="0" smtClean="0"/>
+                        <a:t> -10 A</a:t>
+                      </a:r>
+                      <a:endParaRPr lang="tr-TR" dirty="0"/>
+                    </a:p>
+                  </a:txBody>
+                  <a:tcPr/>
+                </a:tc>
+                <a:tc>
+                  <a:txBody>
+                    <a:bodyPr/>
+                    <a:lstStyle/>
+                    <a:p>
+                      <a:pPr algn="ctr"/>
+                      <a:r>
+                        <a:rPr lang="tr-TR" dirty="0" smtClean="0"/>
+                        <a:t>25.6 A, -5.6 A</a:t>
+                      </a:r>
+                      <a:endParaRPr lang="tr-TR" dirty="0"/>
+                    </a:p>
+                  </a:txBody>
+                  <a:tcPr/>
+                </a:tc>
+                <a:extLst>
+                  <a:ext uri="{0D108BD9-81ED-4DB2-BD59-A6C34878D82A}">
+                    <a16:rowId xmlns:a16="http://schemas.microsoft.com/office/drawing/2014/main" val="460727978"/>
+                  </a:ext>
+                </a:extLst>
+              </a:tr>
+              <a:tr h="370840">
+                <a:tc>
+                  <a:txBody>
+                    <a:bodyPr/>
+                    <a:lstStyle/>
+                    <a:p>
+                      <a:pPr algn="l"/>
+                      <a:r>
+                        <a:rPr lang="tr-TR" dirty="0" smtClean="0"/>
+                        <a:t>Ploss(top switch)</a:t>
+                      </a:r>
+                      <a:endParaRPr lang="tr-TR" dirty="0"/>
+                    </a:p>
+                  </a:txBody>
+                  <a:tcPr/>
+                </a:tc>
+                <a:tc>
+                  <a:txBody>
+                    <a:bodyPr/>
+                    <a:lstStyle/>
+                    <a:p>
+                      <a:pPr algn="ctr"/>
+                      <a:r>
+                        <a:rPr lang="tr-TR" dirty="0" smtClean="0"/>
+                        <a:t>5.2144 W</a:t>
+                      </a:r>
+                      <a:endParaRPr lang="tr-TR" dirty="0"/>
+                    </a:p>
+                  </a:txBody>
+                  <a:tcPr/>
+                </a:tc>
+                <a:tc>
+                  <a:txBody>
+                    <a:bodyPr/>
+                    <a:lstStyle/>
+                    <a:p>
+                      <a:pPr algn="ctr"/>
+                      <a:r>
+                        <a:rPr lang="tr-TR" dirty="0" smtClean="0"/>
+                        <a:t>4.805 W</a:t>
+                      </a:r>
+                      <a:endParaRPr lang="tr-TR" dirty="0"/>
+                    </a:p>
+                  </a:txBody>
+                  <a:tcPr/>
+                </a:tc>
+                <a:extLst>
+                  <a:ext uri="{0D108BD9-81ED-4DB2-BD59-A6C34878D82A}">
+                    <a16:rowId xmlns:a16="http://schemas.microsoft.com/office/drawing/2014/main" val="3908604105"/>
+                  </a:ext>
+                </a:extLst>
+              </a:tr>
+              <a:tr h="370840">
+                <a:tc>
+                  <a:txBody>
+                    <a:bodyPr/>
+                    <a:lstStyle/>
+                    <a:p>
+                      <a:pPr marL="0" marR="0" indent="0" algn="l" defTabSz="914400" rtl="0" eaLnBrk="1" fontAlgn="auto" latinLnBrk="0" hangingPunct="1">
+                        <a:lnSpc>
+                          <a:spcPct val="100000"/>
+                        </a:lnSpc>
+                        <a:spcBef>
+                          <a:spcPts val="0"/>
+                        </a:spcBef>
+                        <a:spcAft>
+                          <a:spcPts val="0"/>
+                        </a:spcAft>
+                        <a:buClrTx/>
+                        <a:buSzTx/>
+                        <a:buFontTx/>
+                        <a:buNone/>
+                        <a:tabLst/>
+                        <a:defRPr/>
+                      </a:pPr>
+                      <a:r>
+                        <a:rPr lang="tr-TR" dirty="0" smtClean="0"/>
+                        <a:t>Ploss(bot switch)</a:t>
+                      </a:r>
+                    </a:p>
+                  </a:txBody>
+                  <a:tcPr/>
+                </a:tc>
+                <a:tc>
+                  <a:txBody>
+                    <a:bodyPr/>
+                    <a:lstStyle/>
+                    <a:p>
+                      <a:pPr algn="ctr"/>
+                      <a:r>
+                        <a:rPr lang="tr-TR" dirty="0" smtClean="0"/>
+                        <a:t>2.0775</a:t>
+                      </a:r>
+                      <a:r>
+                        <a:rPr lang="tr-TR" baseline="0" dirty="0" smtClean="0"/>
+                        <a:t> W</a:t>
+                      </a:r>
+                      <a:endParaRPr lang="tr-TR" dirty="0"/>
+                    </a:p>
+                  </a:txBody>
+                  <a:tcPr/>
+                </a:tc>
+                <a:tc>
+                  <a:txBody>
+                    <a:bodyPr/>
+                    <a:lstStyle/>
+                    <a:p>
+                      <a:pPr algn="ctr"/>
+                      <a:r>
+                        <a:rPr lang="tr-TR" dirty="0" smtClean="0"/>
+                        <a:t>1.9416 W</a:t>
+                      </a:r>
+                      <a:endParaRPr lang="tr-TR" dirty="0"/>
+                    </a:p>
+                  </a:txBody>
+                  <a:tcPr/>
+                </a:tc>
+                <a:extLst>
+                  <a:ext uri="{0D108BD9-81ED-4DB2-BD59-A6C34878D82A}">
+                    <a16:rowId xmlns:a16="http://schemas.microsoft.com/office/drawing/2014/main" val="2278721399"/>
+                  </a:ext>
+                </a:extLst>
+              </a:tr>
+              <a:tr h="370840">
+                <a:tc>
+                  <a:txBody>
+                    <a:bodyPr/>
+                    <a:lstStyle/>
+                    <a:p>
+                      <a:pPr marL="0" marR="0" indent="0" algn="l" defTabSz="914400" rtl="0" eaLnBrk="1" fontAlgn="auto" latinLnBrk="0" hangingPunct="1">
+                        <a:lnSpc>
+                          <a:spcPct val="100000"/>
+                        </a:lnSpc>
+                        <a:spcBef>
+                          <a:spcPts val="0"/>
+                        </a:spcBef>
+                        <a:spcAft>
+                          <a:spcPts val="0"/>
+                        </a:spcAft>
+                        <a:buClrTx/>
+                        <a:buSzTx/>
+                        <a:buFontTx/>
+                        <a:buNone/>
+                        <a:tabLst/>
+                        <a:defRPr/>
+                      </a:pPr>
+                      <a:r>
+                        <a:rPr lang="tr-TR" dirty="0" smtClean="0"/>
+                        <a:t>Ploss(total)</a:t>
+                      </a:r>
+                    </a:p>
+                  </a:txBody>
+                  <a:tcPr/>
+                </a:tc>
+                <a:tc>
+                  <a:txBody>
+                    <a:bodyPr/>
+                    <a:lstStyle/>
+                    <a:p>
+                      <a:pPr algn="ctr"/>
+                      <a:r>
+                        <a:rPr lang="tr-TR" dirty="0" smtClean="0"/>
+                        <a:t>29.17 W</a:t>
+                      </a:r>
+                      <a:endParaRPr lang="tr-TR" dirty="0"/>
+                    </a:p>
+                  </a:txBody>
+                  <a:tcPr/>
+                </a:tc>
+                <a:tc>
+                  <a:txBody>
+                    <a:bodyPr/>
+                    <a:lstStyle/>
+                    <a:p>
+                      <a:pPr algn="ctr"/>
+                      <a:r>
+                        <a:rPr lang="tr-TR" dirty="0" smtClean="0"/>
+                        <a:t>27 W</a:t>
+                      </a:r>
+                      <a:endParaRPr lang="tr-TR" dirty="0"/>
+                    </a:p>
+                  </a:txBody>
+                  <a:tcPr/>
+                </a:tc>
+                <a:extLst>
+                  <a:ext uri="{0D108BD9-81ED-4DB2-BD59-A6C34878D82A}">
+                    <a16:rowId xmlns:a16="http://schemas.microsoft.com/office/drawing/2014/main" val="557178797"/>
+                  </a:ext>
+                </a:extLst>
+              </a:tr>
+              <a:tr h="370840">
+                <a:tc>
+                  <a:txBody>
+                    <a:bodyPr/>
+                    <a:lstStyle/>
+                    <a:p>
+                      <a:r>
+                        <a:rPr lang="tr-TR" dirty="0" smtClean="0"/>
+                        <a:t>Vout,pp</a:t>
+                      </a:r>
+                      <a:endParaRPr lang="tr-TR" dirty="0"/>
+                    </a:p>
+                  </a:txBody>
+                  <a:tcPr/>
+                </a:tc>
+                <a:tc>
+                  <a:txBody>
+                    <a:bodyPr/>
+                    <a:lstStyle/>
+                    <a:p>
+                      <a:pPr algn="ctr"/>
+                      <a:r>
+                        <a:rPr lang="tr-TR" dirty="0" smtClean="0"/>
+                        <a:t>0.8 </a:t>
+                      </a:r>
+                      <a:r>
+                        <a:rPr lang="tr-TR" dirty="0" smtClean="0"/>
+                        <a:t>V</a:t>
+                      </a:r>
+                      <a:endParaRPr lang="tr-TR" dirty="0"/>
+                    </a:p>
+                  </a:txBody>
+                  <a:tcPr/>
+                </a:tc>
+                <a:tc>
+                  <a:txBody>
+                    <a:bodyPr/>
+                    <a:lstStyle/>
+                    <a:p>
+                      <a:pPr algn="ctr"/>
+                      <a:r>
+                        <a:rPr lang="tr-TR" dirty="0" smtClean="0"/>
+                        <a:t>0.4 </a:t>
+                      </a:r>
+                      <a:r>
+                        <a:rPr lang="tr-TR" dirty="0" smtClean="0"/>
+                        <a:t>V</a:t>
+                      </a:r>
+                      <a:endParaRPr lang="tr-TR" dirty="0"/>
+                    </a:p>
+                  </a:txBody>
+                  <a:tcPr/>
+                </a:tc>
+                <a:extLst>
+                  <a:ext uri="{0D108BD9-81ED-4DB2-BD59-A6C34878D82A}">
+                    <a16:rowId xmlns:a16="http://schemas.microsoft.com/office/drawing/2014/main" val="397285869"/>
+                  </a:ext>
+                </a:extLst>
+              </a:tr>
+            </a:tbl>
+          </a:graphicData>
+        </a:graphic>
+      </p:graphicFrame>
+      <p:sp>
+        <p:nvSpPr>
+          <p:cNvPr id="6" name="TextBox 5"/>
+          <p:cNvSpPr txBox="1"/>
+          <p:nvPr/>
+        </p:nvSpPr>
+        <p:spPr>
+          <a:xfrm>
+            <a:off x="1373909" y="4856377"/>
+            <a:ext cx="9291782" cy="461665"/>
+          </a:xfrm>
+          <a:prstGeom prst="rect">
+            <a:avLst/>
+          </a:prstGeom>
+          <a:noFill/>
+        </p:spPr>
+        <p:txBody>
+          <a:bodyPr wrap="square" rtlCol="0">
+            <a:spAutoFit/>
+          </a:bodyPr>
+          <a:lstStyle/>
+          <a:p>
+            <a:r>
+              <a:rPr lang="tr-TR" sz="2400" dirty="0" smtClean="0"/>
+              <a:t>The </a:t>
+            </a:r>
+            <a:r>
+              <a:rPr lang="tr-TR" sz="2400" b="1" dirty="0" smtClean="0"/>
+              <a:t>main change is filter inductance</a:t>
+            </a:r>
+            <a:r>
+              <a:rPr lang="tr-TR" sz="2400" dirty="0" smtClean="0"/>
+              <a:t>. It is changed from 26 </a:t>
+            </a:r>
+            <a:r>
+              <a:rPr lang="el-GR" sz="2400" dirty="0" smtClean="0">
+                <a:latin typeface="DS ISO 1" panose="02000506000000020003" pitchFamily="50" charset="0"/>
+              </a:rPr>
+              <a:t>μ</a:t>
+            </a:r>
+            <a:r>
+              <a:rPr lang="tr-TR" sz="2400" dirty="0" smtClean="0"/>
+              <a:t>H to 33 </a:t>
+            </a:r>
+            <a:r>
+              <a:rPr lang="el-GR" sz="2400" dirty="0" smtClean="0">
+                <a:latin typeface="DS ISO 1" panose="02000506000000020003" pitchFamily="50" charset="0"/>
+              </a:rPr>
+              <a:t>μ</a:t>
+            </a:r>
+            <a:r>
+              <a:rPr lang="tr-TR" sz="2400" dirty="0" smtClean="0"/>
+              <a:t>H!</a:t>
+            </a:r>
+            <a:endParaRPr lang="tr-TR" sz="2400" dirty="0"/>
+          </a:p>
+        </p:txBody>
+      </p:sp>
+    </p:spTree>
+    <p:extLst>
+      <p:ext uri="{BB962C8B-B14F-4D97-AF65-F5344CB8AC3E}">
+        <p14:creationId xmlns:p14="http://schemas.microsoft.com/office/powerpoint/2010/main" val="3226235838"/>
+      </p:ext>
+    </p:extLst>
+  </p:cSld>
+  <p:clrMapOvr>
+    <a:masterClrMapping/>
+  </p:clrMapOvr>
+  <p:timing>
+    <p:tnLst>
+      <p:par>
+        <p:cTn id="1" dur="indefinite" restart="never" nodeType="tmRoot"/>
+      </p:par>
+    </p:tnLst>
+  </p:timing>
 </p:sld>
 </file>
 
@@ -6897,6 +9734,1834 @@
     <p:extLst>
       <p:ext uri="{BB962C8B-B14F-4D97-AF65-F5344CB8AC3E}">
         <p14:creationId xmlns:p14="http://schemas.microsoft.com/office/powerpoint/2010/main" val="1501269489"/>
+      </p:ext>
+    </p:extLst>
+  </p:cSld>
+  <p:clrMapOvr>
+    <a:masterClrMapping/>
+  </p:clrMapOvr>
+  <p:timing>
+    <p:tnLst>
+      <p:par>
+        <p:cTn id="1" dur="indefinite" restart="never" nodeType="tmRoot"/>
+      </p:par>
+    </p:tnLst>
+  </p:timing>
+</p:sld>
+</file>
+
+<file path=ppt/slides/slide20.xml><?xml version="1.0" encoding="utf-8"?>
+<p:sld xmlns:a="http://schemas.openxmlformats.org/drawingml/2006/main" xmlns:r="http://schemas.openxmlformats.org/officeDocument/2006/relationships" xmlns:p="http://schemas.openxmlformats.org/presentationml/2006/main">
+  <p:cSld>
+    <p:spTree>
+      <p:nvGrpSpPr>
+        <p:cNvPr id="1" name=""/>
+        <p:cNvGrpSpPr/>
+        <p:nvPr/>
+      </p:nvGrpSpPr>
+      <p:grpSpPr>
+        <a:xfrm>
+          <a:off x="0" y="0"/>
+          <a:ext cx="0" cy="0"/>
+          <a:chOff x="0" y="0"/>
+          <a:chExt cx="0" cy="0"/>
+        </a:xfrm>
+      </p:grpSpPr>
+      <p:sp>
+        <p:nvSpPr>
+          <p:cNvPr id="4" name="Slide Number Placeholder 3"/>
+          <p:cNvSpPr>
+            <a:spLocks noGrp="1"/>
+          </p:cNvSpPr>
+          <p:nvPr>
+            <p:ph type="sldNum" sz="quarter" idx="12"/>
+          </p:nvPr>
+        </p:nvSpPr>
+        <p:spPr/>
+        <p:txBody>
+          <a:bodyPr/>
+          <a:lstStyle/>
+          <a:p>
+            <a:fld id="{178508F5-8E49-4F57-B165-331DE2AB85B8}" type="slidenum">
+              <a:rPr lang="tr-TR" sz="1800" smtClean="0"/>
+              <a:t>20</a:t>
+            </a:fld>
+            <a:endParaRPr lang="tr-TR" dirty="0"/>
+          </a:p>
+        </p:txBody>
+      </p:sp>
+      <p:sp>
+        <p:nvSpPr>
+          <p:cNvPr id="5" name="TextBox 4"/>
+          <p:cNvSpPr txBox="1"/>
+          <p:nvPr/>
+        </p:nvSpPr>
+        <p:spPr>
+          <a:xfrm>
+            <a:off x="562706" y="316523"/>
+            <a:ext cx="7218485" cy="461665"/>
+          </a:xfrm>
+          <a:prstGeom prst="rect">
+            <a:avLst/>
+          </a:prstGeom>
+          <a:noFill/>
+        </p:spPr>
+        <p:txBody>
+          <a:bodyPr wrap="square" rtlCol="0">
+            <a:spAutoFit/>
+          </a:bodyPr>
+          <a:lstStyle/>
+          <a:p>
+            <a:r>
+              <a:rPr lang="tr-TR" sz="2400" dirty="0" smtClean="0"/>
+              <a:t>Simulation </a:t>
+            </a:r>
+            <a:r>
+              <a:rPr lang="tr-TR" sz="2400" dirty="0" smtClean="0"/>
+              <a:t>Study with Different Switching Frequencies</a:t>
+            </a:r>
+            <a:endParaRPr lang="tr-TR" sz="2400" dirty="0"/>
+          </a:p>
+        </p:txBody>
+      </p:sp>
+      <p:graphicFrame>
+        <p:nvGraphicFramePr>
+          <p:cNvPr id="3" name="Table 2"/>
+          <p:cNvGraphicFramePr>
+            <a:graphicFrameLocks noGrp="1"/>
+          </p:cNvGraphicFramePr>
+          <p:nvPr>
+            <p:extLst>
+              <p:ext uri="{D42A27DB-BD31-4B8C-83A1-F6EECF244321}">
+                <p14:modId xmlns:p14="http://schemas.microsoft.com/office/powerpoint/2010/main" val="524875359"/>
+              </p:ext>
+            </p:extLst>
+          </p:nvPr>
+        </p:nvGraphicFramePr>
+        <p:xfrm>
+          <a:off x="1955801" y="1449339"/>
+          <a:ext cx="8127999" cy="2966720"/>
+        </p:xfrm>
+        <a:graphic>
+          <a:graphicData uri="http://schemas.openxmlformats.org/drawingml/2006/table">
+            <a:tbl>
+              <a:tblPr firstRow="1" bandRow="1">
+                <a:tableStyleId>{7DF18680-E054-41AD-8BC1-D1AEF772440D}</a:tableStyleId>
+              </a:tblPr>
+              <a:tblGrid>
+                <a:gridCol w="1939636">
+                  <a:extLst>
+                    <a:ext uri="{9D8B030D-6E8A-4147-A177-3AD203B41FA5}">
+                      <a16:colId xmlns:a16="http://schemas.microsoft.com/office/drawing/2014/main" val="3742650035"/>
+                    </a:ext>
+                  </a:extLst>
+                </a:gridCol>
+                <a:gridCol w="3103419">
+                  <a:extLst>
+                    <a:ext uri="{9D8B030D-6E8A-4147-A177-3AD203B41FA5}">
+                      <a16:colId xmlns:a16="http://schemas.microsoft.com/office/drawing/2014/main" val="2746093398"/>
+                    </a:ext>
+                  </a:extLst>
+                </a:gridCol>
+                <a:gridCol w="3084944">
+                  <a:extLst>
+                    <a:ext uri="{9D8B030D-6E8A-4147-A177-3AD203B41FA5}">
+                      <a16:colId xmlns:a16="http://schemas.microsoft.com/office/drawing/2014/main" val="2681478820"/>
+                    </a:ext>
+                  </a:extLst>
+                </a:gridCol>
+              </a:tblGrid>
+              <a:tr h="370840">
+                <a:tc>
+                  <a:txBody>
+                    <a:bodyPr/>
+                    <a:lstStyle/>
+                    <a:p>
+                      <a:endParaRPr lang="tr-TR" dirty="0"/>
+                    </a:p>
+                  </a:txBody>
+                  <a:tcPr/>
+                </a:tc>
+                <a:tc>
+                  <a:txBody>
+                    <a:bodyPr/>
+                    <a:lstStyle/>
+                    <a:p>
+                      <a:pPr algn="ctr"/>
+                      <a:r>
+                        <a:rPr lang="tr-TR" dirty="0" smtClean="0"/>
+                        <a:t>Results</a:t>
+                      </a:r>
+                      <a:r>
+                        <a:rPr lang="tr-TR" baseline="0" dirty="0" smtClean="0"/>
+                        <a:t> for 100 kHz</a:t>
+                      </a:r>
+                      <a:endParaRPr lang="tr-TR" dirty="0"/>
+                    </a:p>
+                  </a:txBody>
+                  <a:tcPr/>
+                </a:tc>
+                <a:tc>
+                  <a:txBody>
+                    <a:bodyPr/>
+                    <a:lstStyle/>
+                    <a:p>
+                      <a:pPr algn="ctr"/>
+                      <a:r>
+                        <a:rPr lang="tr-TR" dirty="0" smtClean="0"/>
+                        <a:t>Results for</a:t>
+                      </a:r>
+                      <a:r>
+                        <a:rPr lang="tr-TR" baseline="0" dirty="0" smtClean="0"/>
+                        <a:t> 300 kHz</a:t>
+                      </a:r>
+                      <a:endParaRPr lang="tr-TR" dirty="0"/>
+                    </a:p>
+                  </a:txBody>
+                  <a:tcPr/>
+                </a:tc>
+                <a:extLst>
+                  <a:ext uri="{0D108BD9-81ED-4DB2-BD59-A6C34878D82A}">
+                    <a16:rowId xmlns:a16="http://schemas.microsoft.com/office/drawing/2014/main" val="3787613991"/>
+                  </a:ext>
+                </a:extLst>
+              </a:tr>
+              <a:tr h="370840">
+                <a:tc>
+                  <a:txBody>
+                    <a:bodyPr/>
+                    <a:lstStyle/>
+                    <a:p>
+                      <a:pPr algn="l"/>
+                      <a:r>
+                        <a:rPr lang="tr-TR" dirty="0" smtClean="0"/>
+                        <a:t>I(C)</a:t>
+                      </a:r>
+                      <a:endParaRPr lang="tr-TR" dirty="0"/>
+                    </a:p>
+                  </a:txBody>
+                  <a:tcPr/>
+                </a:tc>
+                <a:tc>
+                  <a:txBody>
+                    <a:bodyPr/>
+                    <a:lstStyle/>
+                    <a:p>
+                      <a:pPr algn="ctr"/>
+                      <a:r>
+                        <a:rPr lang="tr-TR" dirty="0" smtClean="0"/>
+                        <a:t>26 App @200 kHz</a:t>
+                      </a:r>
+                      <a:endParaRPr lang="tr-TR" dirty="0"/>
+                    </a:p>
+                  </a:txBody>
+                  <a:tcPr/>
+                </a:tc>
+                <a:tc>
+                  <a:txBody>
+                    <a:bodyPr/>
+                    <a:lstStyle/>
+                    <a:p>
+                      <a:pPr algn="ctr"/>
+                      <a:r>
+                        <a:rPr lang="tr-TR" dirty="0" smtClean="0"/>
+                        <a:t>26 App @600 kHz</a:t>
+                      </a:r>
+                      <a:endParaRPr lang="tr-TR" dirty="0"/>
+                    </a:p>
+                  </a:txBody>
+                  <a:tcPr/>
+                </a:tc>
+                <a:extLst>
+                  <a:ext uri="{0D108BD9-81ED-4DB2-BD59-A6C34878D82A}">
+                    <a16:rowId xmlns:a16="http://schemas.microsoft.com/office/drawing/2014/main" val="4013694663"/>
+                  </a:ext>
+                </a:extLst>
+              </a:tr>
+              <a:tr h="370840">
+                <a:tc>
+                  <a:txBody>
+                    <a:bodyPr/>
+                    <a:lstStyle/>
+                    <a:p>
+                      <a:pPr algn="l"/>
+                      <a:r>
+                        <a:rPr lang="tr-TR" dirty="0" smtClean="0"/>
+                        <a:t>I(L)</a:t>
+                      </a:r>
+                      <a:endParaRPr lang="tr-TR" dirty="0"/>
+                    </a:p>
+                  </a:txBody>
+                  <a:tcPr/>
+                </a:tc>
+                <a:tc>
+                  <a:txBody>
+                    <a:bodyPr/>
+                    <a:lstStyle/>
+                    <a:p>
+                      <a:pPr algn="ctr"/>
+                      <a:r>
+                        <a:rPr lang="tr-TR" dirty="0" smtClean="0"/>
+                        <a:t>15 Arms @100</a:t>
+                      </a:r>
+                      <a:r>
+                        <a:rPr lang="tr-TR" baseline="0" dirty="0" smtClean="0"/>
+                        <a:t> kHz</a:t>
+                      </a:r>
+                      <a:endParaRPr lang="tr-TR" dirty="0"/>
+                    </a:p>
+                  </a:txBody>
+                  <a:tcPr/>
+                </a:tc>
+                <a:tc>
+                  <a:txBody>
+                    <a:bodyPr/>
+                    <a:lstStyle/>
+                    <a:p>
+                      <a:pPr algn="ctr"/>
+                      <a:r>
+                        <a:rPr lang="tr-TR" dirty="0" smtClean="0"/>
+                        <a:t>15 Arms @300 kHz</a:t>
+                      </a:r>
+                      <a:endParaRPr lang="tr-TR" dirty="0"/>
+                    </a:p>
+                  </a:txBody>
+                  <a:tcPr/>
+                </a:tc>
+                <a:extLst>
+                  <a:ext uri="{0D108BD9-81ED-4DB2-BD59-A6C34878D82A}">
+                    <a16:rowId xmlns:a16="http://schemas.microsoft.com/office/drawing/2014/main" val="19271735"/>
+                  </a:ext>
+                </a:extLst>
+              </a:tr>
+              <a:tr h="370840">
+                <a:tc>
+                  <a:txBody>
+                    <a:bodyPr/>
+                    <a:lstStyle/>
+                    <a:p>
+                      <a:pPr algn="l"/>
+                      <a:r>
+                        <a:rPr lang="tr-TR" dirty="0" smtClean="0"/>
+                        <a:t>Ipeak(L)</a:t>
+                      </a:r>
+                      <a:endParaRPr lang="tr-TR" dirty="0"/>
+                    </a:p>
+                  </a:txBody>
+                  <a:tcPr/>
+                </a:tc>
+                <a:tc>
+                  <a:txBody>
+                    <a:bodyPr/>
+                    <a:lstStyle/>
+                    <a:p>
+                      <a:pPr algn="ctr"/>
+                      <a:r>
+                        <a:rPr lang="tr-TR" dirty="0" smtClean="0"/>
+                        <a:t>30 A,</a:t>
+                      </a:r>
+                      <a:r>
+                        <a:rPr lang="tr-TR" baseline="0" dirty="0" smtClean="0"/>
+                        <a:t> -10 A</a:t>
+                      </a:r>
+                      <a:endParaRPr lang="tr-TR" dirty="0"/>
+                    </a:p>
+                  </a:txBody>
+                  <a:tcPr/>
+                </a:tc>
+                <a:tc>
+                  <a:txBody>
+                    <a:bodyPr/>
+                    <a:lstStyle/>
+                    <a:p>
+                      <a:pPr algn="ctr"/>
+                      <a:r>
+                        <a:rPr lang="tr-TR" dirty="0" smtClean="0"/>
+                        <a:t>30 A,</a:t>
+                      </a:r>
+                      <a:r>
+                        <a:rPr lang="tr-TR" baseline="0" dirty="0" smtClean="0"/>
+                        <a:t> -10 A</a:t>
+                      </a:r>
+                      <a:endParaRPr lang="tr-TR" dirty="0"/>
+                    </a:p>
+                  </a:txBody>
+                  <a:tcPr/>
+                </a:tc>
+                <a:extLst>
+                  <a:ext uri="{0D108BD9-81ED-4DB2-BD59-A6C34878D82A}">
+                    <a16:rowId xmlns:a16="http://schemas.microsoft.com/office/drawing/2014/main" val="460727978"/>
+                  </a:ext>
+                </a:extLst>
+              </a:tr>
+              <a:tr h="370840">
+                <a:tc>
+                  <a:txBody>
+                    <a:bodyPr/>
+                    <a:lstStyle/>
+                    <a:p>
+                      <a:pPr algn="l"/>
+                      <a:r>
+                        <a:rPr lang="tr-TR" dirty="0" smtClean="0"/>
+                        <a:t>Ploss(top switch)</a:t>
+                      </a:r>
+                      <a:endParaRPr lang="tr-TR" dirty="0"/>
+                    </a:p>
+                  </a:txBody>
+                  <a:tcPr/>
+                </a:tc>
+                <a:tc>
+                  <a:txBody>
+                    <a:bodyPr/>
+                    <a:lstStyle/>
+                    <a:p>
+                      <a:pPr algn="ctr"/>
+                      <a:r>
+                        <a:rPr lang="tr-TR" dirty="0" smtClean="0"/>
+                        <a:t>4.805 W</a:t>
+                      </a:r>
+                      <a:endParaRPr lang="tr-TR" dirty="0"/>
+                    </a:p>
+                  </a:txBody>
+                  <a:tcPr/>
+                </a:tc>
+                <a:tc>
+                  <a:txBody>
+                    <a:bodyPr/>
+                    <a:lstStyle/>
+                    <a:p>
+                      <a:pPr algn="ctr"/>
+                      <a:r>
+                        <a:rPr lang="tr-TR" dirty="0" smtClean="0"/>
+                        <a:t>6.05 W</a:t>
+                      </a:r>
+                      <a:endParaRPr lang="tr-TR" dirty="0"/>
+                    </a:p>
+                  </a:txBody>
+                  <a:tcPr/>
+                </a:tc>
+                <a:extLst>
+                  <a:ext uri="{0D108BD9-81ED-4DB2-BD59-A6C34878D82A}">
+                    <a16:rowId xmlns:a16="http://schemas.microsoft.com/office/drawing/2014/main" val="3908604105"/>
+                  </a:ext>
+                </a:extLst>
+              </a:tr>
+              <a:tr h="370840">
+                <a:tc>
+                  <a:txBody>
+                    <a:bodyPr/>
+                    <a:lstStyle/>
+                    <a:p>
+                      <a:pPr marL="0" marR="0" indent="0" algn="l" defTabSz="914400" rtl="0" eaLnBrk="1" fontAlgn="auto" latinLnBrk="0" hangingPunct="1">
+                        <a:lnSpc>
+                          <a:spcPct val="100000"/>
+                        </a:lnSpc>
+                        <a:spcBef>
+                          <a:spcPts val="0"/>
+                        </a:spcBef>
+                        <a:spcAft>
+                          <a:spcPts val="0"/>
+                        </a:spcAft>
+                        <a:buClrTx/>
+                        <a:buSzTx/>
+                        <a:buFontTx/>
+                        <a:buNone/>
+                        <a:tabLst/>
+                        <a:defRPr/>
+                      </a:pPr>
+                      <a:r>
+                        <a:rPr lang="tr-TR" dirty="0" smtClean="0"/>
+                        <a:t>Ploss(bot switch)</a:t>
+                      </a:r>
+                    </a:p>
+                  </a:txBody>
+                  <a:tcPr/>
+                </a:tc>
+                <a:tc>
+                  <a:txBody>
+                    <a:bodyPr/>
+                    <a:lstStyle/>
+                    <a:p>
+                      <a:pPr algn="ctr"/>
+                      <a:r>
+                        <a:rPr lang="tr-TR" dirty="0" smtClean="0"/>
+                        <a:t>1.9416 W</a:t>
+                      </a:r>
+                      <a:endParaRPr lang="tr-TR" dirty="0"/>
+                    </a:p>
+                  </a:txBody>
+                  <a:tcPr/>
+                </a:tc>
+                <a:tc>
+                  <a:txBody>
+                    <a:bodyPr/>
+                    <a:lstStyle/>
+                    <a:p>
+                      <a:pPr algn="ctr"/>
+                      <a:r>
+                        <a:rPr lang="tr-TR" dirty="0" smtClean="0"/>
+                        <a:t>3.04 W</a:t>
+                      </a:r>
+                      <a:endParaRPr lang="tr-TR" dirty="0"/>
+                    </a:p>
+                  </a:txBody>
+                  <a:tcPr/>
+                </a:tc>
+                <a:extLst>
+                  <a:ext uri="{0D108BD9-81ED-4DB2-BD59-A6C34878D82A}">
+                    <a16:rowId xmlns:a16="http://schemas.microsoft.com/office/drawing/2014/main" val="2278721399"/>
+                  </a:ext>
+                </a:extLst>
+              </a:tr>
+              <a:tr h="370840">
+                <a:tc>
+                  <a:txBody>
+                    <a:bodyPr/>
+                    <a:lstStyle/>
+                    <a:p>
+                      <a:pPr marL="0" marR="0" indent="0" algn="l" defTabSz="914400" rtl="0" eaLnBrk="1" fontAlgn="auto" latinLnBrk="0" hangingPunct="1">
+                        <a:lnSpc>
+                          <a:spcPct val="100000"/>
+                        </a:lnSpc>
+                        <a:spcBef>
+                          <a:spcPts val="0"/>
+                        </a:spcBef>
+                        <a:spcAft>
+                          <a:spcPts val="0"/>
+                        </a:spcAft>
+                        <a:buClrTx/>
+                        <a:buSzTx/>
+                        <a:buFontTx/>
+                        <a:buNone/>
+                        <a:tabLst/>
+                        <a:defRPr/>
+                      </a:pPr>
+                      <a:r>
+                        <a:rPr lang="tr-TR" dirty="0" smtClean="0"/>
+                        <a:t>Ploss(total)</a:t>
+                      </a:r>
+                    </a:p>
+                  </a:txBody>
+                  <a:tcPr/>
+                </a:tc>
+                <a:tc>
+                  <a:txBody>
+                    <a:bodyPr/>
+                    <a:lstStyle/>
+                    <a:p>
+                      <a:pPr algn="ctr"/>
+                      <a:r>
+                        <a:rPr lang="tr-TR" dirty="0" smtClean="0"/>
+                        <a:t>27 W</a:t>
+                      </a:r>
+                      <a:endParaRPr lang="tr-TR" dirty="0"/>
+                    </a:p>
+                  </a:txBody>
+                  <a:tcPr/>
+                </a:tc>
+                <a:tc>
+                  <a:txBody>
+                    <a:bodyPr/>
+                    <a:lstStyle/>
+                    <a:p>
+                      <a:pPr algn="ctr"/>
+                      <a:r>
+                        <a:rPr lang="tr-TR" dirty="0" smtClean="0"/>
+                        <a:t>36.4 W</a:t>
+                      </a:r>
+                      <a:endParaRPr lang="tr-TR" dirty="0"/>
+                    </a:p>
+                  </a:txBody>
+                  <a:tcPr/>
+                </a:tc>
+                <a:extLst>
+                  <a:ext uri="{0D108BD9-81ED-4DB2-BD59-A6C34878D82A}">
+                    <a16:rowId xmlns:a16="http://schemas.microsoft.com/office/drawing/2014/main" val="557178797"/>
+                  </a:ext>
+                </a:extLst>
+              </a:tr>
+              <a:tr h="370840">
+                <a:tc>
+                  <a:txBody>
+                    <a:bodyPr/>
+                    <a:lstStyle/>
+                    <a:p>
+                      <a:r>
+                        <a:rPr lang="tr-TR" dirty="0" smtClean="0"/>
+                        <a:t>Vout,pp</a:t>
+                      </a:r>
+                      <a:endParaRPr lang="tr-TR" dirty="0"/>
+                    </a:p>
+                  </a:txBody>
+                  <a:tcPr/>
+                </a:tc>
+                <a:tc>
+                  <a:txBody>
+                    <a:bodyPr/>
+                    <a:lstStyle/>
+                    <a:p>
+                      <a:pPr algn="ctr"/>
+                      <a:r>
+                        <a:rPr lang="tr-TR" dirty="0" smtClean="0"/>
+                        <a:t>0.4 V</a:t>
+                      </a:r>
+                      <a:endParaRPr lang="tr-TR" dirty="0"/>
+                    </a:p>
+                  </a:txBody>
+                  <a:tcPr/>
+                </a:tc>
+                <a:tc>
+                  <a:txBody>
+                    <a:bodyPr/>
+                    <a:lstStyle/>
+                    <a:p>
+                      <a:pPr algn="ctr"/>
+                      <a:r>
+                        <a:rPr lang="tr-TR" dirty="0" smtClean="0"/>
+                        <a:t>0.8 </a:t>
+                      </a:r>
+                      <a:r>
+                        <a:rPr lang="tr-TR" dirty="0" smtClean="0"/>
+                        <a:t>V</a:t>
+                      </a:r>
+                      <a:endParaRPr lang="tr-TR" dirty="0"/>
+                    </a:p>
+                  </a:txBody>
+                  <a:tcPr/>
+                </a:tc>
+                <a:extLst>
+                  <a:ext uri="{0D108BD9-81ED-4DB2-BD59-A6C34878D82A}">
+                    <a16:rowId xmlns:a16="http://schemas.microsoft.com/office/drawing/2014/main" val="397285869"/>
+                  </a:ext>
+                </a:extLst>
+              </a:tr>
+            </a:tbl>
+          </a:graphicData>
+        </a:graphic>
+      </p:graphicFrame>
+      <p:sp>
+        <p:nvSpPr>
+          <p:cNvPr id="6" name="TextBox 5"/>
+          <p:cNvSpPr txBox="1"/>
+          <p:nvPr/>
+        </p:nvSpPr>
+        <p:spPr>
+          <a:xfrm>
+            <a:off x="2139150" y="4856377"/>
+            <a:ext cx="7761299" cy="461665"/>
+          </a:xfrm>
+          <a:prstGeom prst="rect">
+            <a:avLst/>
+          </a:prstGeom>
+          <a:noFill/>
+        </p:spPr>
+        <p:txBody>
+          <a:bodyPr wrap="square" rtlCol="0">
+            <a:spAutoFit/>
+          </a:bodyPr>
+          <a:lstStyle/>
+          <a:p>
+            <a:pPr algn="ctr"/>
+            <a:r>
+              <a:rPr lang="tr-TR" sz="2400" dirty="0" smtClean="0"/>
+              <a:t>The </a:t>
+            </a:r>
+            <a:r>
+              <a:rPr lang="tr-TR" sz="2400" b="1" dirty="0" smtClean="0"/>
+              <a:t>main gain is volume</a:t>
+            </a:r>
+            <a:r>
+              <a:rPr lang="tr-TR" sz="2400" dirty="0" smtClean="0"/>
+              <a:t>.</a:t>
+            </a:r>
+            <a:endParaRPr lang="tr-TR" sz="2400" dirty="0"/>
+          </a:p>
+        </p:txBody>
+      </p:sp>
+      <p:sp>
+        <p:nvSpPr>
+          <p:cNvPr id="7" name="TextBox 6"/>
+          <p:cNvSpPr txBox="1"/>
+          <p:nvPr/>
+        </p:nvSpPr>
+        <p:spPr>
+          <a:xfrm>
+            <a:off x="2112773" y="5300458"/>
+            <a:ext cx="7944650" cy="461665"/>
+          </a:xfrm>
+          <a:prstGeom prst="rect">
+            <a:avLst/>
+          </a:prstGeom>
+          <a:noFill/>
+        </p:spPr>
+        <p:txBody>
+          <a:bodyPr wrap="square" rtlCol="0">
+            <a:spAutoFit/>
+          </a:bodyPr>
+          <a:lstStyle/>
+          <a:p>
+            <a:r>
+              <a:rPr lang="tr-TR" sz="2400" dirty="0" smtClean="0"/>
+              <a:t>Inductance and capacitance requirements are now </a:t>
+            </a:r>
+            <a:r>
+              <a:rPr lang="tr-TR" sz="2400" b="1" dirty="0" smtClean="0"/>
+              <a:t>one-third!</a:t>
+            </a:r>
+            <a:endParaRPr lang="tr-TR" sz="2400" b="1" dirty="0"/>
+          </a:p>
+        </p:txBody>
+      </p:sp>
+      <p:sp>
+        <p:nvSpPr>
+          <p:cNvPr id="2" name="TextBox 1"/>
+          <p:cNvSpPr txBox="1"/>
+          <p:nvPr/>
+        </p:nvSpPr>
+        <p:spPr>
+          <a:xfrm>
+            <a:off x="7277101" y="5689904"/>
+            <a:ext cx="2623348" cy="369332"/>
+          </a:xfrm>
+          <a:prstGeom prst="rect">
+            <a:avLst/>
+          </a:prstGeom>
+          <a:noFill/>
+        </p:spPr>
+        <p:txBody>
+          <a:bodyPr wrap="square" rtlCol="0">
+            <a:spAutoFit/>
+          </a:bodyPr>
+          <a:lstStyle/>
+          <a:p>
+            <a:r>
+              <a:rPr lang="tr-TR" dirty="0" smtClean="0">
+                <a:solidFill>
+                  <a:srgbClr val="FF0000"/>
+                </a:solidFill>
+              </a:rPr>
+              <a:t>What about the heatsink?</a:t>
+            </a:r>
+            <a:endParaRPr lang="tr-TR" dirty="0">
+              <a:solidFill>
+                <a:srgbClr val="FF0000"/>
+              </a:solidFill>
+            </a:endParaRPr>
+          </a:p>
+        </p:txBody>
+      </p:sp>
+    </p:spTree>
+    <p:extLst>
+      <p:ext uri="{BB962C8B-B14F-4D97-AF65-F5344CB8AC3E}">
+        <p14:creationId xmlns:p14="http://schemas.microsoft.com/office/powerpoint/2010/main" val="3908982336"/>
+      </p:ext>
+    </p:extLst>
+  </p:cSld>
+  <p:clrMapOvr>
+    <a:masterClrMapping/>
+  </p:clrMapOvr>
+  <p:timing>
+    <p:tnLst>
+      <p:par>
+        <p:cTn id="1" dur="indefinite" restart="never" nodeType="tmRoot"/>
+      </p:par>
+    </p:tnLst>
+  </p:timing>
+</p:sld>
+</file>
+
+<file path=ppt/slides/slide21.xml><?xml version="1.0" encoding="utf-8"?>
+<p:sld xmlns:a="http://schemas.openxmlformats.org/drawingml/2006/main" xmlns:r="http://schemas.openxmlformats.org/officeDocument/2006/relationships" xmlns:p="http://schemas.openxmlformats.org/presentationml/2006/main">
+  <p:cSld>
+    <p:spTree>
+      <p:nvGrpSpPr>
+        <p:cNvPr id="1" name=""/>
+        <p:cNvGrpSpPr/>
+        <p:nvPr/>
+      </p:nvGrpSpPr>
+      <p:grpSpPr>
+        <a:xfrm>
+          <a:off x="0" y="0"/>
+          <a:ext cx="0" cy="0"/>
+          <a:chOff x="0" y="0"/>
+          <a:chExt cx="0" cy="0"/>
+        </a:xfrm>
+      </p:grpSpPr>
+      <p:sp>
+        <p:nvSpPr>
+          <p:cNvPr id="4" name="Slide Number Placeholder 3"/>
+          <p:cNvSpPr>
+            <a:spLocks noGrp="1"/>
+          </p:cNvSpPr>
+          <p:nvPr>
+            <p:ph type="sldNum" sz="quarter" idx="12"/>
+          </p:nvPr>
+        </p:nvSpPr>
+        <p:spPr/>
+        <p:txBody>
+          <a:bodyPr/>
+          <a:lstStyle/>
+          <a:p>
+            <a:fld id="{178508F5-8E49-4F57-B165-331DE2AB85B8}" type="slidenum">
+              <a:rPr lang="tr-TR" sz="1800" smtClean="0"/>
+              <a:t>21</a:t>
+            </a:fld>
+            <a:endParaRPr lang="tr-TR" dirty="0"/>
+          </a:p>
+        </p:txBody>
+      </p:sp>
+      <p:sp>
+        <p:nvSpPr>
+          <p:cNvPr id="5" name="TextBox 4"/>
+          <p:cNvSpPr txBox="1"/>
+          <p:nvPr/>
+        </p:nvSpPr>
+        <p:spPr>
+          <a:xfrm>
+            <a:off x="562706" y="316523"/>
+            <a:ext cx="7638319" cy="461665"/>
+          </a:xfrm>
+          <a:prstGeom prst="rect">
+            <a:avLst/>
+          </a:prstGeom>
+          <a:noFill/>
+        </p:spPr>
+        <p:txBody>
+          <a:bodyPr wrap="square" rtlCol="0">
+            <a:spAutoFit/>
+          </a:bodyPr>
+          <a:lstStyle/>
+          <a:p>
+            <a:r>
+              <a:rPr lang="tr-TR" sz="2400" dirty="0" smtClean="0"/>
+              <a:t>Simulation </a:t>
+            </a:r>
+            <a:r>
+              <a:rPr lang="tr-TR" sz="2400" dirty="0" smtClean="0"/>
+              <a:t>Study with Different Negative Gate Drive Levels</a:t>
+            </a:r>
+            <a:endParaRPr lang="tr-TR" sz="2400" dirty="0"/>
+          </a:p>
+        </p:txBody>
+      </p:sp>
+      <p:pic>
+        <p:nvPicPr>
+          <p:cNvPr id="8" name="Picture 7"/>
+          <p:cNvPicPr>
+            <a:picLocks noChangeAspect="1"/>
+          </p:cNvPicPr>
+          <p:nvPr/>
+        </p:nvPicPr>
+        <p:blipFill>
+          <a:blip r:embed="rId2"/>
+          <a:stretch>
+            <a:fillRect/>
+          </a:stretch>
+        </p:blipFill>
+        <p:spPr>
+          <a:xfrm>
+            <a:off x="562706" y="1388034"/>
+            <a:ext cx="4847494" cy="4512703"/>
+          </a:xfrm>
+          <a:prstGeom prst="rect">
+            <a:avLst/>
+          </a:prstGeom>
+        </p:spPr>
+      </p:pic>
+      <p:pic>
+        <p:nvPicPr>
+          <p:cNvPr id="10" name="Picture 9"/>
+          <p:cNvPicPr>
+            <a:picLocks noChangeAspect="1"/>
+          </p:cNvPicPr>
+          <p:nvPr/>
+        </p:nvPicPr>
+        <p:blipFill>
+          <a:blip r:embed="rId3"/>
+          <a:stretch>
+            <a:fillRect/>
+          </a:stretch>
+        </p:blipFill>
+        <p:spPr>
+          <a:xfrm>
+            <a:off x="5943600" y="1387094"/>
+            <a:ext cx="4848225" cy="4513384"/>
+          </a:xfrm>
+          <a:prstGeom prst="rect">
+            <a:avLst/>
+          </a:prstGeom>
+        </p:spPr>
+      </p:pic>
+      <p:sp>
+        <p:nvSpPr>
+          <p:cNvPr id="11" name="TextBox 10"/>
+          <p:cNvSpPr txBox="1"/>
+          <p:nvPr/>
+        </p:nvSpPr>
+        <p:spPr>
+          <a:xfrm>
+            <a:off x="2438400" y="914400"/>
+            <a:ext cx="1685925" cy="369332"/>
+          </a:xfrm>
+          <a:prstGeom prst="rect">
+            <a:avLst/>
+          </a:prstGeom>
+          <a:noFill/>
+        </p:spPr>
+        <p:txBody>
+          <a:bodyPr wrap="square" rtlCol="0">
+            <a:spAutoFit/>
+          </a:bodyPr>
+          <a:lstStyle/>
+          <a:p>
+            <a:r>
+              <a:rPr lang="tr-TR" dirty="0" smtClean="0"/>
+              <a:t>Vgs (0V)</a:t>
+            </a:r>
+            <a:endParaRPr lang="tr-TR" dirty="0"/>
+          </a:p>
+        </p:txBody>
+      </p:sp>
+      <p:sp>
+        <p:nvSpPr>
+          <p:cNvPr id="12" name="TextBox 11"/>
+          <p:cNvSpPr txBox="1"/>
+          <p:nvPr/>
+        </p:nvSpPr>
+        <p:spPr>
+          <a:xfrm>
+            <a:off x="8029575" y="914400"/>
+            <a:ext cx="1685925" cy="369332"/>
+          </a:xfrm>
+          <a:prstGeom prst="rect">
+            <a:avLst/>
+          </a:prstGeom>
+          <a:noFill/>
+        </p:spPr>
+        <p:txBody>
+          <a:bodyPr wrap="square" rtlCol="0">
+            <a:spAutoFit/>
+          </a:bodyPr>
+          <a:lstStyle/>
+          <a:p>
+            <a:r>
+              <a:rPr lang="tr-TR" dirty="0" smtClean="0"/>
+              <a:t>Vgs (-3V)</a:t>
+            </a:r>
+            <a:endParaRPr lang="tr-TR" dirty="0"/>
+          </a:p>
+        </p:txBody>
+      </p:sp>
+      <p:sp>
+        <p:nvSpPr>
+          <p:cNvPr id="13" name="TextBox 12"/>
+          <p:cNvSpPr txBox="1"/>
+          <p:nvPr/>
+        </p:nvSpPr>
+        <p:spPr>
+          <a:xfrm>
+            <a:off x="2357437" y="6141251"/>
+            <a:ext cx="1262063" cy="523220"/>
+          </a:xfrm>
+          <a:prstGeom prst="rect">
+            <a:avLst/>
+          </a:prstGeom>
+          <a:noFill/>
+        </p:spPr>
+        <p:txBody>
+          <a:bodyPr wrap="square" rtlCol="0">
+            <a:spAutoFit/>
+          </a:bodyPr>
+          <a:lstStyle/>
+          <a:p>
+            <a:r>
+              <a:rPr lang="tr-TR" sz="2800" dirty="0" smtClean="0"/>
+              <a:t>5.12 W</a:t>
+            </a:r>
+            <a:endParaRPr lang="tr-TR" sz="2800" dirty="0"/>
+          </a:p>
+        </p:txBody>
+      </p:sp>
+      <p:sp>
+        <p:nvSpPr>
+          <p:cNvPr id="14" name="TextBox 13"/>
+          <p:cNvSpPr txBox="1"/>
+          <p:nvPr/>
+        </p:nvSpPr>
+        <p:spPr>
+          <a:xfrm>
+            <a:off x="8029575" y="6141251"/>
+            <a:ext cx="1428750" cy="523220"/>
+          </a:xfrm>
+          <a:prstGeom prst="rect">
+            <a:avLst/>
+          </a:prstGeom>
+          <a:noFill/>
+        </p:spPr>
+        <p:txBody>
+          <a:bodyPr wrap="square" rtlCol="0">
+            <a:spAutoFit/>
+          </a:bodyPr>
+          <a:lstStyle/>
+          <a:p>
+            <a:r>
+              <a:rPr lang="tr-TR" sz="2800" dirty="0" smtClean="0"/>
+              <a:t>4.805 W</a:t>
+            </a:r>
+            <a:endParaRPr lang="tr-TR" sz="2800" dirty="0"/>
+          </a:p>
+        </p:txBody>
+      </p:sp>
+      <p:sp>
+        <p:nvSpPr>
+          <p:cNvPr id="15" name="TextBox 14"/>
+          <p:cNvSpPr txBox="1"/>
+          <p:nvPr/>
+        </p:nvSpPr>
+        <p:spPr>
+          <a:xfrm>
+            <a:off x="5033963" y="914400"/>
+            <a:ext cx="1538288" cy="369332"/>
+          </a:xfrm>
+          <a:prstGeom prst="rect">
+            <a:avLst/>
+          </a:prstGeom>
+          <a:noFill/>
+        </p:spPr>
+        <p:txBody>
+          <a:bodyPr wrap="square" rtlCol="0">
+            <a:spAutoFit/>
+          </a:bodyPr>
+          <a:lstStyle/>
+          <a:p>
+            <a:r>
+              <a:rPr lang="tr-TR" u="sng" dirty="0" smtClean="0"/>
+              <a:t>Top Transistor</a:t>
+            </a:r>
+            <a:endParaRPr lang="tr-TR" u="sng" dirty="0"/>
+          </a:p>
+        </p:txBody>
+      </p:sp>
+    </p:spTree>
+    <p:extLst>
+      <p:ext uri="{BB962C8B-B14F-4D97-AF65-F5344CB8AC3E}">
+        <p14:creationId xmlns:p14="http://schemas.microsoft.com/office/powerpoint/2010/main" val="3229401753"/>
+      </p:ext>
+    </p:extLst>
+  </p:cSld>
+  <p:clrMapOvr>
+    <a:masterClrMapping/>
+  </p:clrMapOvr>
+  <p:timing>
+    <p:tnLst>
+      <p:par>
+        <p:cTn id="1" dur="indefinite" restart="never" nodeType="tmRoot"/>
+      </p:par>
+    </p:tnLst>
+  </p:timing>
+</p:sld>
+</file>
+
+<file path=ppt/slides/slide22.xml><?xml version="1.0" encoding="utf-8"?>
+<p:sld xmlns:a="http://schemas.openxmlformats.org/drawingml/2006/main" xmlns:r="http://schemas.openxmlformats.org/officeDocument/2006/relationships" xmlns:p="http://schemas.openxmlformats.org/presentationml/2006/main">
+  <p:cSld>
+    <p:spTree>
+      <p:nvGrpSpPr>
+        <p:cNvPr id="1" name=""/>
+        <p:cNvGrpSpPr/>
+        <p:nvPr/>
+      </p:nvGrpSpPr>
+      <p:grpSpPr>
+        <a:xfrm>
+          <a:off x="0" y="0"/>
+          <a:ext cx="0" cy="0"/>
+          <a:chOff x="0" y="0"/>
+          <a:chExt cx="0" cy="0"/>
+        </a:xfrm>
+      </p:grpSpPr>
+      <p:sp>
+        <p:nvSpPr>
+          <p:cNvPr id="16" name="TextBox 15"/>
+          <p:cNvSpPr txBox="1"/>
+          <p:nvPr/>
+        </p:nvSpPr>
+        <p:spPr>
+          <a:xfrm>
+            <a:off x="562706" y="316523"/>
+            <a:ext cx="7638319" cy="461665"/>
+          </a:xfrm>
+          <a:prstGeom prst="rect">
+            <a:avLst/>
+          </a:prstGeom>
+          <a:noFill/>
+        </p:spPr>
+        <p:txBody>
+          <a:bodyPr wrap="square" rtlCol="0">
+            <a:spAutoFit/>
+          </a:bodyPr>
+          <a:lstStyle/>
+          <a:p>
+            <a:r>
+              <a:rPr lang="tr-TR" sz="2400" dirty="0" smtClean="0"/>
+              <a:t>Simulation </a:t>
+            </a:r>
+            <a:r>
+              <a:rPr lang="tr-TR" sz="2400" dirty="0" smtClean="0"/>
+              <a:t>Study with Different Negative Gate Drive Levels</a:t>
+            </a:r>
+            <a:endParaRPr lang="tr-TR" sz="2400" dirty="0"/>
+          </a:p>
+        </p:txBody>
+      </p:sp>
+      <p:pic>
+        <p:nvPicPr>
+          <p:cNvPr id="9" name="Picture 8"/>
+          <p:cNvPicPr>
+            <a:picLocks noChangeAspect="1"/>
+          </p:cNvPicPr>
+          <p:nvPr/>
+        </p:nvPicPr>
+        <p:blipFill>
+          <a:blip r:embed="rId2"/>
+          <a:stretch>
+            <a:fillRect/>
+          </a:stretch>
+        </p:blipFill>
+        <p:spPr>
+          <a:xfrm>
+            <a:off x="559399" y="1388034"/>
+            <a:ext cx="4850801" cy="4515782"/>
+          </a:xfrm>
+          <a:prstGeom prst="rect">
+            <a:avLst/>
+          </a:prstGeom>
+        </p:spPr>
+      </p:pic>
+      <p:sp>
+        <p:nvSpPr>
+          <p:cNvPr id="4" name="Slide Number Placeholder 3"/>
+          <p:cNvSpPr>
+            <a:spLocks noGrp="1"/>
+          </p:cNvSpPr>
+          <p:nvPr>
+            <p:ph type="sldNum" sz="quarter" idx="12"/>
+          </p:nvPr>
+        </p:nvSpPr>
+        <p:spPr/>
+        <p:txBody>
+          <a:bodyPr/>
+          <a:lstStyle/>
+          <a:p>
+            <a:fld id="{178508F5-8E49-4F57-B165-331DE2AB85B8}" type="slidenum">
+              <a:rPr lang="tr-TR" sz="1800" smtClean="0"/>
+              <a:t>22</a:t>
+            </a:fld>
+            <a:endParaRPr lang="tr-TR" dirty="0"/>
+          </a:p>
+        </p:txBody>
+      </p:sp>
+      <p:pic>
+        <p:nvPicPr>
+          <p:cNvPr id="2" name="Picture 1"/>
+          <p:cNvPicPr>
+            <a:picLocks noChangeAspect="1"/>
+          </p:cNvPicPr>
+          <p:nvPr/>
+        </p:nvPicPr>
+        <p:blipFill>
+          <a:blip r:embed="rId3"/>
+          <a:stretch>
+            <a:fillRect/>
+          </a:stretch>
+        </p:blipFill>
+        <p:spPr>
+          <a:xfrm>
+            <a:off x="6053137" y="1388035"/>
+            <a:ext cx="4850801" cy="4515782"/>
+          </a:xfrm>
+          <a:prstGeom prst="rect">
+            <a:avLst/>
+          </a:prstGeom>
+        </p:spPr>
+      </p:pic>
+      <p:sp>
+        <p:nvSpPr>
+          <p:cNvPr id="11" name="TextBox 10"/>
+          <p:cNvSpPr txBox="1"/>
+          <p:nvPr/>
+        </p:nvSpPr>
+        <p:spPr>
+          <a:xfrm>
+            <a:off x="2438400" y="914400"/>
+            <a:ext cx="1685925" cy="369332"/>
+          </a:xfrm>
+          <a:prstGeom prst="rect">
+            <a:avLst/>
+          </a:prstGeom>
+          <a:noFill/>
+        </p:spPr>
+        <p:txBody>
+          <a:bodyPr wrap="square" rtlCol="0">
+            <a:spAutoFit/>
+          </a:bodyPr>
+          <a:lstStyle/>
+          <a:p>
+            <a:r>
+              <a:rPr lang="tr-TR" dirty="0" smtClean="0"/>
+              <a:t>Vgs (0V)</a:t>
+            </a:r>
+            <a:endParaRPr lang="tr-TR" dirty="0"/>
+          </a:p>
+        </p:txBody>
+      </p:sp>
+      <p:sp>
+        <p:nvSpPr>
+          <p:cNvPr id="12" name="TextBox 11"/>
+          <p:cNvSpPr txBox="1"/>
+          <p:nvPr/>
+        </p:nvSpPr>
+        <p:spPr>
+          <a:xfrm>
+            <a:off x="8029575" y="914400"/>
+            <a:ext cx="1685925" cy="369332"/>
+          </a:xfrm>
+          <a:prstGeom prst="rect">
+            <a:avLst/>
+          </a:prstGeom>
+          <a:noFill/>
+        </p:spPr>
+        <p:txBody>
+          <a:bodyPr wrap="square" rtlCol="0">
+            <a:spAutoFit/>
+          </a:bodyPr>
+          <a:lstStyle/>
+          <a:p>
+            <a:r>
+              <a:rPr lang="tr-TR" dirty="0" smtClean="0"/>
+              <a:t>Vgs (-3V)</a:t>
+            </a:r>
+            <a:endParaRPr lang="tr-TR" dirty="0"/>
+          </a:p>
+        </p:txBody>
+      </p:sp>
+      <p:sp>
+        <p:nvSpPr>
+          <p:cNvPr id="13" name="TextBox 12"/>
+          <p:cNvSpPr txBox="1"/>
+          <p:nvPr/>
+        </p:nvSpPr>
+        <p:spPr>
+          <a:xfrm>
+            <a:off x="2357437" y="6141251"/>
+            <a:ext cx="1300163" cy="523220"/>
+          </a:xfrm>
+          <a:prstGeom prst="rect">
+            <a:avLst/>
+          </a:prstGeom>
+          <a:noFill/>
+        </p:spPr>
+        <p:txBody>
+          <a:bodyPr wrap="square" rtlCol="0">
+            <a:spAutoFit/>
+          </a:bodyPr>
+          <a:lstStyle/>
+          <a:p>
+            <a:r>
+              <a:rPr lang="tr-TR" sz="2800" dirty="0" smtClean="0"/>
+              <a:t>1.85 W</a:t>
+            </a:r>
+            <a:endParaRPr lang="tr-TR" sz="2800" dirty="0"/>
+          </a:p>
+        </p:txBody>
+      </p:sp>
+      <p:sp>
+        <p:nvSpPr>
+          <p:cNvPr id="14" name="TextBox 13"/>
+          <p:cNvSpPr txBox="1"/>
+          <p:nvPr/>
+        </p:nvSpPr>
+        <p:spPr>
+          <a:xfrm>
+            <a:off x="8029575" y="6141251"/>
+            <a:ext cx="1300163" cy="523220"/>
+          </a:xfrm>
+          <a:prstGeom prst="rect">
+            <a:avLst/>
+          </a:prstGeom>
+          <a:noFill/>
+        </p:spPr>
+        <p:txBody>
+          <a:bodyPr wrap="square" rtlCol="0">
+            <a:spAutoFit/>
+          </a:bodyPr>
+          <a:lstStyle/>
+          <a:p>
+            <a:r>
+              <a:rPr lang="tr-TR" sz="2800" dirty="0" smtClean="0"/>
+              <a:t>1.94 W</a:t>
+            </a:r>
+            <a:endParaRPr lang="tr-TR" sz="2800" dirty="0"/>
+          </a:p>
+        </p:txBody>
+      </p:sp>
+      <p:sp>
+        <p:nvSpPr>
+          <p:cNvPr id="15" name="TextBox 14"/>
+          <p:cNvSpPr txBox="1"/>
+          <p:nvPr/>
+        </p:nvSpPr>
+        <p:spPr>
+          <a:xfrm>
+            <a:off x="5033963" y="914400"/>
+            <a:ext cx="1538288" cy="369332"/>
+          </a:xfrm>
+          <a:prstGeom prst="rect">
+            <a:avLst/>
+          </a:prstGeom>
+          <a:noFill/>
+        </p:spPr>
+        <p:txBody>
+          <a:bodyPr wrap="square" rtlCol="0">
+            <a:spAutoFit/>
+          </a:bodyPr>
+          <a:lstStyle/>
+          <a:p>
+            <a:r>
+              <a:rPr lang="tr-TR" u="sng" dirty="0" smtClean="0"/>
+              <a:t>Bot Transistor</a:t>
+            </a:r>
+            <a:endParaRPr lang="tr-TR" u="sng" dirty="0"/>
+          </a:p>
+        </p:txBody>
+      </p:sp>
+    </p:spTree>
+    <p:extLst>
+      <p:ext uri="{BB962C8B-B14F-4D97-AF65-F5344CB8AC3E}">
+        <p14:creationId xmlns:p14="http://schemas.microsoft.com/office/powerpoint/2010/main" val="2677551816"/>
+      </p:ext>
+    </p:extLst>
+  </p:cSld>
+  <p:clrMapOvr>
+    <a:masterClrMapping/>
+  </p:clrMapOvr>
+  <p:timing>
+    <p:tnLst>
+      <p:par>
+        <p:cTn id="1" dur="indefinite" restart="never" nodeType="tmRoot"/>
+      </p:par>
+    </p:tnLst>
+  </p:timing>
+</p:sld>
+</file>
+
+<file path=ppt/slides/slide23.xml><?xml version="1.0" encoding="utf-8"?>
+<p:sld xmlns:a="http://schemas.openxmlformats.org/drawingml/2006/main" xmlns:r="http://schemas.openxmlformats.org/officeDocument/2006/relationships" xmlns:p="http://schemas.openxmlformats.org/presentationml/2006/main">
+  <p:cSld>
+    <p:spTree>
+      <p:nvGrpSpPr>
+        <p:cNvPr id="1" name=""/>
+        <p:cNvGrpSpPr/>
+        <p:nvPr/>
+      </p:nvGrpSpPr>
+      <p:grpSpPr>
+        <a:xfrm>
+          <a:off x="0" y="0"/>
+          <a:ext cx="0" cy="0"/>
+          <a:chOff x="0" y="0"/>
+          <a:chExt cx="0" cy="0"/>
+        </a:xfrm>
+      </p:grpSpPr>
+      <p:sp>
+        <p:nvSpPr>
+          <p:cNvPr id="16" name="TextBox 15"/>
+          <p:cNvSpPr txBox="1"/>
+          <p:nvPr/>
+        </p:nvSpPr>
+        <p:spPr>
+          <a:xfrm>
+            <a:off x="562706" y="316523"/>
+            <a:ext cx="7638319" cy="461665"/>
+          </a:xfrm>
+          <a:prstGeom prst="rect">
+            <a:avLst/>
+          </a:prstGeom>
+          <a:noFill/>
+        </p:spPr>
+        <p:txBody>
+          <a:bodyPr wrap="square" rtlCol="0">
+            <a:spAutoFit/>
+          </a:bodyPr>
+          <a:lstStyle/>
+          <a:p>
+            <a:r>
+              <a:rPr lang="tr-TR" sz="2400" dirty="0" smtClean="0"/>
+              <a:t>Simulation </a:t>
+            </a:r>
+            <a:r>
+              <a:rPr lang="tr-TR" sz="2400" dirty="0" smtClean="0"/>
+              <a:t>Study with Parasitics</a:t>
+            </a:r>
+            <a:endParaRPr lang="tr-TR" sz="2400" dirty="0"/>
+          </a:p>
+        </p:txBody>
+      </p:sp>
+      <p:sp>
+        <p:nvSpPr>
+          <p:cNvPr id="4" name="Slide Number Placeholder 3"/>
+          <p:cNvSpPr>
+            <a:spLocks noGrp="1"/>
+          </p:cNvSpPr>
+          <p:nvPr>
+            <p:ph type="sldNum" sz="quarter" idx="12"/>
+          </p:nvPr>
+        </p:nvSpPr>
+        <p:spPr/>
+        <p:txBody>
+          <a:bodyPr/>
+          <a:lstStyle/>
+          <a:p>
+            <a:fld id="{178508F5-8E49-4F57-B165-331DE2AB85B8}" type="slidenum">
+              <a:rPr lang="tr-TR" sz="1800" smtClean="0"/>
+              <a:t>23</a:t>
+            </a:fld>
+            <a:endParaRPr lang="tr-TR" dirty="0"/>
+          </a:p>
+        </p:txBody>
+      </p:sp>
+      <p:sp>
+        <p:nvSpPr>
+          <p:cNvPr id="11" name="TextBox 10"/>
+          <p:cNvSpPr txBox="1"/>
+          <p:nvPr/>
+        </p:nvSpPr>
+        <p:spPr>
+          <a:xfrm>
+            <a:off x="2357437" y="914400"/>
+            <a:ext cx="1685925" cy="369332"/>
+          </a:xfrm>
+          <a:prstGeom prst="rect">
+            <a:avLst/>
+          </a:prstGeom>
+          <a:noFill/>
+        </p:spPr>
+        <p:txBody>
+          <a:bodyPr wrap="square" rtlCol="0">
+            <a:spAutoFit/>
+          </a:bodyPr>
+          <a:lstStyle/>
+          <a:p>
+            <a:r>
+              <a:rPr lang="tr-TR" dirty="0" smtClean="0"/>
+              <a:t>Soft-switching</a:t>
+            </a:r>
+            <a:endParaRPr lang="tr-TR" dirty="0"/>
+          </a:p>
+        </p:txBody>
+      </p:sp>
+      <p:sp>
+        <p:nvSpPr>
+          <p:cNvPr id="12" name="TextBox 11"/>
+          <p:cNvSpPr txBox="1"/>
+          <p:nvPr/>
+        </p:nvSpPr>
+        <p:spPr>
+          <a:xfrm>
+            <a:off x="8029575" y="914400"/>
+            <a:ext cx="1685925" cy="369332"/>
+          </a:xfrm>
+          <a:prstGeom prst="rect">
+            <a:avLst/>
+          </a:prstGeom>
+          <a:noFill/>
+        </p:spPr>
+        <p:txBody>
+          <a:bodyPr wrap="square" rtlCol="0">
+            <a:spAutoFit/>
+          </a:bodyPr>
+          <a:lstStyle/>
+          <a:p>
+            <a:r>
+              <a:rPr lang="tr-TR" dirty="0" smtClean="0"/>
+              <a:t>Hard-switching</a:t>
+            </a:r>
+            <a:endParaRPr lang="tr-TR" dirty="0"/>
+          </a:p>
+        </p:txBody>
+      </p:sp>
+      <p:sp>
+        <p:nvSpPr>
+          <p:cNvPr id="15" name="TextBox 14"/>
+          <p:cNvSpPr txBox="1"/>
+          <p:nvPr/>
+        </p:nvSpPr>
+        <p:spPr>
+          <a:xfrm>
+            <a:off x="5033963" y="914400"/>
+            <a:ext cx="1538288" cy="369332"/>
+          </a:xfrm>
+          <a:prstGeom prst="rect">
+            <a:avLst/>
+          </a:prstGeom>
+          <a:noFill/>
+        </p:spPr>
+        <p:txBody>
+          <a:bodyPr wrap="square" rtlCol="0">
+            <a:spAutoFit/>
+          </a:bodyPr>
+          <a:lstStyle/>
+          <a:p>
+            <a:r>
+              <a:rPr lang="tr-TR" u="sng" dirty="0" smtClean="0"/>
+              <a:t>Turn-off Event</a:t>
+            </a:r>
+            <a:endParaRPr lang="tr-TR" u="sng" dirty="0"/>
+          </a:p>
+        </p:txBody>
+      </p:sp>
+      <p:sp>
+        <p:nvSpPr>
+          <p:cNvPr id="17" name="TextBox 16"/>
+          <p:cNvSpPr txBox="1"/>
+          <p:nvPr/>
+        </p:nvSpPr>
+        <p:spPr>
+          <a:xfrm>
+            <a:off x="4064795" y="6356350"/>
+            <a:ext cx="5014912" cy="369332"/>
+          </a:xfrm>
+          <a:prstGeom prst="rect">
+            <a:avLst/>
+          </a:prstGeom>
+          <a:noFill/>
+        </p:spPr>
+        <p:txBody>
+          <a:bodyPr wrap="square" rtlCol="0">
+            <a:spAutoFit/>
+          </a:bodyPr>
+          <a:lstStyle/>
+          <a:p>
+            <a:r>
+              <a:rPr lang="tr-TR" u="sng" dirty="0" smtClean="0"/>
+              <a:t>There is 1 nH CSI difference for top switch</a:t>
+            </a:r>
+            <a:endParaRPr lang="tr-TR" u="sng" dirty="0"/>
+          </a:p>
+        </p:txBody>
+      </p:sp>
+      <p:pic>
+        <p:nvPicPr>
+          <p:cNvPr id="10" name="Picture 9"/>
+          <p:cNvPicPr>
+            <a:picLocks noChangeAspect="1"/>
+          </p:cNvPicPr>
+          <p:nvPr/>
+        </p:nvPicPr>
+        <p:blipFill>
+          <a:blip r:embed="rId2"/>
+          <a:stretch>
+            <a:fillRect/>
+          </a:stretch>
+        </p:blipFill>
+        <p:spPr>
+          <a:xfrm>
+            <a:off x="842962" y="1497419"/>
+            <a:ext cx="4708438" cy="4608106"/>
+          </a:xfrm>
+          <a:prstGeom prst="rect">
+            <a:avLst/>
+          </a:prstGeom>
+        </p:spPr>
+      </p:pic>
+      <p:pic>
+        <p:nvPicPr>
+          <p:cNvPr id="19" name="Picture 18"/>
+          <p:cNvPicPr>
+            <a:picLocks noChangeAspect="1"/>
+          </p:cNvPicPr>
+          <p:nvPr/>
+        </p:nvPicPr>
+        <p:blipFill>
+          <a:blip r:embed="rId3"/>
+          <a:stretch>
+            <a:fillRect/>
+          </a:stretch>
+        </p:blipFill>
+        <p:spPr>
+          <a:xfrm>
+            <a:off x="6369843" y="1497419"/>
+            <a:ext cx="4708438" cy="4608106"/>
+          </a:xfrm>
+          <a:prstGeom prst="rect">
+            <a:avLst/>
+          </a:prstGeom>
+        </p:spPr>
+      </p:pic>
+    </p:spTree>
+    <p:extLst>
+      <p:ext uri="{BB962C8B-B14F-4D97-AF65-F5344CB8AC3E}">
+        <p14:creationId xmlns:p14="http://schemas.microsoft.com/office/powerpoint/2010/main" val="3870073837"/>
+      </p:ext>
+    </p:extLst>
+  </p:cSld>
+  <p:clrMapOvr>
+    <a:masterClrMapping/>
+  </p:clrMapOvr>
+  <p:timing>
+    <p:tnLst>
+      <p:par>
+        <p:cTn id="1" dur="indefinite" restart="never" nodeType="tmRoot"/>
+      </p:par>
+    </p:tnLst>
+  </p:timing>
+</p:sld>
+</file>
+
+<file path=ppt/slides/slide24.xml><?xml version="1.0" encoding="utf-8"?>
+<p:sld xmlns:a="http://schemas.openxmlformats.org/drawingml/2006/main" xmlns:r="http://schemas.openxmlformats.org/officeDocument/2006/relationships" xmlns:p="http://schemas.openxmlformats.org/presentationml/2006/main">
+  <p:cSld>
+    <p:spTree>
+      <p:nvGrpSpPr>
+        <p:cNvPr id="1" name=""/>
+        <p:cNvGrpSpPr/>
+        <p:nvPr/>
+      </p:nvGrpSpPr>
+      <p:grpSpPr>
+        <a:xfrm>
+          <a:off x="0" y="0"/>
+          <a:ext cx="0" cy="0"/>
+          <a:chOff x="0" y="0"/>
+          <a:chExt cx="0" cy="0"/>
+        </a:xfrm>
+      </p:grpSpPr>
+      <p:pic>
+        <p:nvPicPr>
+          <p:cNvPr id="18" name="Picture 17"/>
+          <p:cNvPicPr>
+            <a:picLocks noChangeAspect="1"/>
+          </p:cNvPicPr>
+          <p:nvPr/>
+        </p:nvPicPr>
+        <p:blipFill>
+          <a:blip r:embed="rId2"/>
+          <a:stretch>
+            <a:fillRect/>
+          </a:stretch>
+        </p:blipFill>
+        <p:spPr>
+          <a:xfrm>
+            <a:off x="838046" y="1534557"/>
+            <a:ext cx="4670491" cy="4570968"/>
+          </a:xfrm>
+          <a:prstGeom prst="rect">
+            <a:avLst/>
+          </a:prstGeom>
+        </p:spPr>
+      </p:pic>
+      <p:sp>
+        <p:nvSpPr>
+          <p:cNvPr id="16" name="TextBox 15"/>
+          <p:cNvSpPr txBox="1"/>
+          <p:nvPr/>
+        </p:nvSpPr>
+        <p:spPr>
+          <a:xfrm>
+            <a:off x="562706" y="316523"/>
+            <a:ext cx="7638319" cy="461665"/>
+          </a:xfrm>
+          <a:prstGeom prst="rect">
+            <a:avLst/>
+          </a:prstGeom>
+          <a:noFill/>
+        </p:spPr>
+        <p:txBody>
+          <a:bodyPr wrap="square" rtlCol="0">
+            <a:spAutoFit/>
+          </a:bodyPr>
+          <a:lstStyle/>
+          <a:p>
+            <a:r>
+              <a:rPr lang="tr-TR" sz="2400" dirty="0" smtClean="0"/>
+              <a:t>Simulation </a:t>
+            </a:r>
+            <a:r>
+              <a:rPr lang="tr-TR" sz="2400" dirty="0" smtClean="0"/>
+              <a:t>Study with Parasitics</a:t>
+            </a:r>
+            <a:endParaRPr lang="tr-TR" sz="2400" dirty="0"/>
+          </a:p>
+        </p:txBody>
+      </p:sp>
+      <p:sp>
+        <p:nvSpPr>
+          <p:cNvPr id="4" name="Slide Number Placeholder 3"/>
+          <p:cNvSpPr>
+            <a:spLocks noGrp="1"/>
+          </p:cNvSpPr>
+          <p:nvPr>
+            <p:ph type="sldNum" sz="quarter" idx="12"/>
+          </p:nvPr>
+        </p:nvSpPr>
+        <p:spPr/>
+        <p:txBody>
+          <a:bodyPr/>
+          <a:lstStyle/>
+          <a:p>
+            <a:fld id="{178508F5-8E49-4F57-B165-331DE2AB85B8}" type="slidenum">
+              <a:rPr lang="tr-TR" sz="1800" smtClean="0"/>
+              <a:t>24</a:t>
+            </a:fld>
+            <a:endParaRPr lang="tr-TR" dirty="0"/>
+          </a:p>
+        </p:txBody>
+      </p:sp>
+      <p:sp>
+        <p:nvSpPr>
+          <p:cNvPr id="11" name="TextBox 10"/>
+          <p:cNvSpPr txBox="1"/>
+          <p:nvPr/>
+        </p:nvSpPr>
+        <p:spPr>
+          <a:xfrm>
+            <a:off x="2357437" y="914400"/>
+            <a:ext cx="1685925" cy="369332"/>
+          </a:xfrm>
+          <a:prstGeom prst="rect">
+            <a:avLst/>
+          </a:prstGeom>
+          <a:noFill/>
+        </p:spPr>
+        <p:txBody>
+          <a:bodyPr wrap="square" rtlCol="0">
+            <a:spAutoFit/>
+          </a:bodyPr>
+          <a:lstStyle/>
+          <a:p>
+            <a:r>
+              <a:rPr lang="tr-TR" dirty="0" smtClean="0"/>
+              <a:t>Soft-switching</a:t>
+            </a:r>
+            <a:endParaRPr lang="tr-TR" dirty="0"/>
+          </a:p>
+        </p:txBody>
+      </p:sp>
+      <p:sp>
+        <p:nvSpPr>
+          <p:cNvPr id="12" name="TextBox 11"/>
+          <p:cNvSpPr txBox="1"/>
+          <p:nvPr/>
+        </p:nvSpPr>
+        <p:spPr>
+          <a:xfrm>
+            <a:off x="8029575" y="914400"/>
+            <a:ext cx="1685925" cy="369332"/>
+          </a:xfrm>
+          <a:prstGeom prst="rect">
+            <a:avLst/>
+          </a:prstGeom>
+          <a:noFill/>
+        </p:spPr>
+        <p:txBody>
+          <a:bodyPr wrap="square" rtlCol="0">
+            <a:spAutoFit/>
+          </a:bodyPr>
+          <a:lstStyle/>
+          <a:p>
+            <a:r>
+              <a:rPr lang="tr-TR" dirty="0" smtClean="0"/>
+              <a:t>Hard-switching</a:t>
+            </a:r>
+            <a:endParaRPr lang="tr-TR" dirty="0"/>
+          </a:p>
+        </p:txBody>
+      </p:sp>
+      <p:sp>
+        <p:nvSpPr>
+          <p:cNvPr id="15" name="TextBox 14"/>
+          <p:cNvSpPr txBox="1"/>
+          <p:nvPr/>
+        </p:nvSpPr>
+        <p:spPr>
+          <a:xfrm>
+            <a:off x="5033963" y="914400"/>
+            <a:ext cx="1538288" cy="369332"/>
+          </a:xfrm>
+          <a:prstGeom prst="rect">
+            <a:avLst/>
+          </a:prstGeom>
+          <a:noFill/>
+        </p:spPr>
+        <p:txBody>
+          <a:bodyPr wrap="square" rtlCol="0">
+            <a:spAutoFit/>
+          </a:bodyPr>
+          <a:lstStyle/>
+          <a:p>
+            <a:r>
+              <a:rPr lang="tr-TR" u="sng" dirty="0" smtClean="0"/>
+              <a:t>Turn-on Event</a:t>
+            </a:r>
+            <a:endParaRPr lang="tr-TR" u="sng" dirty="0"/>
+          </a:p>
+        </p:txBody>
+      </p:sp>
+      <p:pic>
+        <p:nvPicPr>
+          <p:cNvPr id="2" name="Picture 1"/>
+          <p:cNvPicPr>
+            <a:picLocks noChangeAspect="1"/>
+          </p:cNvPicPr>
+          <p:nvPr/>
+        </p:nvPicPr>
+        <p:blipFill>
+          <a:blip r:embed="rId3"/>
+          <a:stretch>
+            <a:fillRect/>
+          </a:stretch>
+        </p:blipFill>
+        <p:spPr>
+          <a:xfrm>
+            <a:off x="6596062" y="1534557"/>
+            <a:ext cx="4670491" cy="4570968"/>
+          </a:xfrm>
+          <a:prstGeom prst="rect">
+            <a:avLst/>
+          </a:prstGeom>
+        </p:spPr>
+      </p:pic>
+      <p:sp>
+        <p:nvSpPr>
+          <p:cNvPr id="19" name="TextBox 18"/>
+          <p:cNvSpPr txBox="1"/>
+          <p:nvPr/>
+        </p:nvSpPr>
+        <p:spPr>
+          <a:xfrm>
+            <a:off x="4064795" y="6356350"/>
+            <a:ext cx="5014912" cy="369332"/>
+          </a:xfrm>
+          <a:prstGeom prst="rect">
+            <a:avLst/>
+          </a:prstGeom>
+          <a:noFill/>
+        </p:spPr>
+        <p:txBody>
+          <a:bodyPr wrap="square" rtlCol="0">
+            <a:spAutoFit/>
+          </a:bodyPr>
+          <a:lstStyle/>
+          <a:p>
+            <a:r>
+              <a:rPr lang="tr-TR" u="sng" dirty="0" smtClean="0"/>
+              <a:t>There is 1 nH CSI difference for top switch</a:t>
+            </a:r>
+            <a:endParaRPr lang="tr-TR" u="sng" dirty="0"/>
+          </a:p>
+        </p:txBody>
+      </p:sp>
+    </p:spTree>
+    <p:extLst>
+      <p:ext uri="{BB962C8B-B14F-4D97-AF65-F5344CB8AC3E}">
+        <p14:creationId xmlns:p14="http://schemas.microsoft.com/office/powerpoint/2010/main" val="1232278690"/>
       </p:ext>
     </p:extLst>
   </p:cSld>
@@ -8799,6 +13464,13 @@
   <p:clrMapOvr>
     <a:masterClrMapping/>
   </p:clrMapOvr>
+  <p:timing>
+    <p:tnLst>
+      <p:par>
+        <p:cTn id="1" dur="indefinite" restart="never" nodeType="tmRoot"/>
+      </p:par>
+    </p:tnLst>
+  </p:timing>
 </p:sld>
 </file>
 
@@ -8900,7 +13572,11 @@
             </a:r>
             <a:r>
               <a:rPr lang="tr-TR" b="1" dirty="0" smtClean="0"/>
-              <a:t>No synch. switch</a:t>
+              <a:t>Hard-switching</a:t>
+            </a:r>
+            <a:r>
+              <a:rPr lang="tr-TR" b="1" dirty="0" smtClean="0"/>
+              <a:t/>
             </a:r>
             <a:br>
               <a:rPr lang="tr-TR" b="1" dirty="0" smtClean="0"/>
@@ -9189,6 +13865,13 @@
   <p:clrMapOvr>
     <a:masterClrMapping/>
   </p:clrMapOvr>
+  <p:timing>
+    <p:tnLst>
+      <p:par>
+        <p:cTn id="1" dur="indefinite" restart="never" nodeType="tmRoot"/>
+      </p:par>
+    </p:tnLst>
+  </p:timing>
 </p:sld>
 </file>
 
